--- a/1932/정수삼각형.pptx
+++ b/1932/정수삼각형.pptx
@@ -5,9 +5,8 @@
     <p:sldMasterId id="2147483648" r:id="rId1"/>
   </p:sldMasterIdLst>
   <p:sldIdLst>
-    <p:sldId id="256" r:id="rId2"/>
-    <p:sldId id="257" r:id="rId3"/>
-    <p:sldId id="258" r:id="rId4"/>
+    <p:sldId id="258" r:id="rId2"/>
+    <p:sldId id="259" r:id="rId3"/>
   </p:sldIdLst>
   <p:sldSz cx="12192000" cy="6858000"/>
   <p:notesSz cx="6858000" cy="9144000"/>
@@ -106,6 +105,11 @@
       </a:defRPr>
     </a:lvl9pPr>
   </p:defaultTextStyle>
+  <p:extLst>
+    <p:ext uri="{EFAFB233-063F-42B5-8137-9DF3F51BA10A}">
+      <p15:sldGuideLst xmlns:p15="http://schemas.microsoft.com/office/powerpoint/2012/main"/>
+    </p:ext>
+  </p:extLst>
 </p:presentation>
 </file>
 
@@ -256,7 +260,7 @@
           <a:p>
             <a:fld id="{C5F2715A-A832-41F3-AA85-185BD3572DE5}" type="datetimeFigureOut">
               <a:rPr lang="ko-KR" altLang="en-US" smtClean="0"/>
-              <a:t>2019-04-05</a:t>
+              <a:t>2019-04-08</a:t>
             </a:fld>
             <a:endParaRPr lang="ko-KR" altLang="en-US"/>
           </a:p>
@@ -454,7 +458,7 @@
           <a:p>
             <a:fld id="{C5F2715A-A832-41F3-AA85-185BD3572DE5}" type="datetimeFigureOut">
               <a:rPr lang="ko-KR" altLang="en-US" smtClean="0"/>
-              <a:t>2019-04-05</a:t>
+              <a:t>2019-04-08</a:t>
             </a:fld>
             <a:endParaRPr lang="ko-KR" altLang="en-US"/>
           </a:p>
@@ -662,7 +666,7 @@
           <a:p>
             <a:fld id="{C5F2715A-A832-41F3-AA85-185BD3572DE5}" type="datetimeFigureOut">
               <a:rPr lang="ko-KR" altLang="en-US" smtClean="0"/>
-              <a:t>2019-04-05</a:t>
+              <a:t>2019-04-08</a:t>
             </a:fld>
             <a:endParaRPr lang="ko-KR" altLang="en-US"/>
           </a:p>
@@ -860,7 +864,7 @@
           <a:p>
             <a:fld id="{C5F2715A-A832-41F3-AA85-185BD3572DE5}" type="datetimeFigureOut">
               <a:rPr lang="ko-KR" altLang="en-US" smtClean="0"/>
-              <a:t>2019-04-05</a:t>
+              <a:t>2019-04-08</a:t>
             </a:fld>
             <a:endParaRPr lang="ko-KR" altLang="en-US"/>
           </a:p>
@@ -1135,7 +1139,7 @@
           <a:p>
             <a:fld id="{C5F2715A-A832-41F3-AA85-185BD3572DE5}" type="datetimeFigureOut">
               <a:rPr lang="ko-KR" altLang="en-US" smtClean="0"/>
-              <a:t>2019-04-05</a:t>
+              <a:t>2019-04-08</a:t>
             </a:fld>
             <a:endParaRPr lang="ko-KR" altLang="en-US"/>
           </a:p>
@@ -1400,7 +1404,7 @@
           <a:p>
             <a:fld id="{C5F2715A-A832-41F3-AA85-185BD3572DE5}" type="datetimeFigureOut">
               <a:rPr lang="ko-KR" altLang="en-US" smtClean="0"/>
-              <a:t>2019-04-05</a:t>
+              <a:t>2019-04-08</a:t>
             </a:fld>
             <a:endParaRPr lang="ko-KR" altLang="en-US"/>
           </a:p>
@@ -1812,7 +1816,7 @@
           <a:p>
             <a:fld id="{C5F2715A-A832-41F3-AA85-185BD3572DE5}" type="datetimeFigureOut">
               <a:rPr lang="ko-KR" altLang="en-US" smtClean="0"/>
-              <a:t>2019-04-05</a:t>
+              <a:t>2019-04-08</a:t>
             </a:fld>
             <a:endParaRPr lang="ko-KR" altLang="en-US"/>
           </a:p>
@@ -1953,7 +1957,7 @@
           <a:p>
             <a:fld id="{C5F2715A-A832-41F3-AA85-185BD3572DE5}" type="datetimeFigureOut">
               <a:rPr lang="ko-KR" altLang="en-US" smtClean="0"/>
-              <a:t>2019-04-05</a:t>
+              <a:t>2019-04-08</a:t>
             </a:fld>
             <a:endParaRPr lang="ko-KR" altLang="en-US"/>
           </a:p>
@@ -2066,7 +2070,7 @@
           <a:p>
             <a:fld id="{C5F2715A-A832-41F3-AA85-185BD3572DE5}" type="datetimeFigureOut">
               <a:rPr lang="ko-KR" altLang="en-US" smtClean="0"/>
-              <a:t>2019-04-05</a:t>
+              <a:t>2019-04-08</a:t>
             </a:fld>
             <a:endParaRPr lang="ko-KR" altLang="en-US"/>
           </a:p>
@@ -2377,7 +2381,7 @@
           <a:p>
             <a:fld id="{C5F2715A-A832-41F3-AA85-185BD3572DE5}" type="datetimeFigureOut">
               <a:rPr lang="ko-KR" altLang="en-US" smtClean="0"/>
-              <a:t>2019-04-05</a:t>
+              <a:t>2019-04-08</a:t>
             </a:fld>
             <a:endParaRPr lang="ko-KR" altLang="en-US"/>
           </a:p>
@@ -2665,7 +2669,7 @@
           <a:p>
             <a:fld id="{C5F2715A-A832-41F3-AA85-185BD3572DE5}" type="datetimeFigureOut">
               <a:rPr lang="ko-KR" altLang="en-US" smtClean="0"/>
-              <a:t>2019-04-05</a:t>
+              <a:t>2019-04-08</a:t>
             </a:fld>
             <a:endParaRPr lang="ko-KR" altLang="en-US"/>
           </a:p>
@@ -2906,7 +2910,7 @@
           <a:p>
             <a:fld id="{C5F2715A-A832-41F3-AA85-185BD3572DE5}" type="datetimeFigureOut">
               <a:rPr lang="ko-KR" altLang="en-US" smtClean="0"/>
-              <a:t>2019-04-05</a:t>
+              <a:t>2019-04-08</a:t>
             </a:fld>
             <a:endParaRPr lang="ko-KR" altLang="en-US"/>
           </a:p>
@@ -3307,4073 +3311,6 @@
 </file>
 
 <file path=ppt/slides/slide1.xml><?xml version="1.0" encoding="utf-8"?>
-<p:sld xmlns:a="http://schemas.openxmlformats.org/drawingml/2006/main" xmlns:r="http://schemas.openxmlformats.org/officeDocument/2006/relationships" xmlns:p="http://schemas.openxmlformats.org/presentationml/2006/main">
-  <p:cSld>
-    <p:spTree>
-      <p:nvGrpSpPr>
-        <p:cNvPr id="1" name=""/>
-        <p:cNvGrpSpPr/>
-        <p:nvPr/>
-      </p:nvGrpSpPr>
-      <p:grpSpPr>
-        <a:xfrm>
-          <a:off x="0" y="0"/>
-          <a:ext cx="0" cy="0"/>
-          <a:chOff x="0" y="0"/>
-          <a:chExt cx="0" cy="0"/>
-        </a:xfrm>
-      </p:grpSpPr>
-      <p:grpSp>
-        <p:nvGrpSpPr>
-          <p:cNvPr id="7" name="그룹 6">
-            <a:extLst>
-              <a:ext uri="{FF2B5EF4-FFF2-40B4-BE49-F238E27FC236}">
-                <a16:creationId xmlns:a16="http://schemas.microsoft.com/office/drawing/2014/main" id="{585DE583-D691-4C55-BBE5-C56CB2BC5A10}"/>
-              </a:ext>
-            </a:extLst>
-          </p:cNvPr>
-          <p:cNvGrpSpPr/>
-          <p:nvPr/>
-        </p:nvGrpSpPr>
-        <p:grpSpPr>
-          <a:xfrm>
-            <a:off x="3561351" y="449178"/>
-            <a:ext cx="2117556" cy="930805"/>
-            <a:chOff x="417098" y="449178"/>
-            <a:chExt cx="2117556" cy="930805"/>
-          </a:xfrm>
-        </p:grpSpPr>
-        <p:sp>
-          <p:nvSpPr>
-            <p:cNvPr id="4" name="TextBox 3">
-              <a:extLst>
-                <a:ext uri="{FF2B5EF4-FFF2-40B4-BE49-F238E27FC236}">
-                  <a16:creationId xmlns:a16="http://schemas.microsoft.com/office/drawing/2014/main" id="{FB11CFD0-594D-4D71-ACAD-B5DE06D0949C}"/>
-                </a:ext>
-              </a:extLst>
-            </p:cNvPr>
-            <p:cNvSpPr txBox="1"/>
-            <p:nvPr/>
-          </p:nvSpPr>
-          <p:spPr>
-            <a:xfrm>
-              <a:off x="1122950" y="449178"/>
-              <a:ext cx="705852" cy="369332"/>
-            </a:xfrm>
-            <a:prstGeom prst="rect">
-              <a:avLst/>
-            </a:prstGeom>
-            <a:solidFill>
-              <a:schemeClr val="bg1"/>
-            </a:solidFill>
-            <a:ln>
-              <a:solidFill>
-                <a:schemeClr val="tx1"/>
-              </a:solidFill>
-            </a:ln>
-          </p:spPr>
-          <p:txBody>
-            <a:bodyPr wrap="square" rtlCol="0">
-              <a:spAutoFit/>
-            </a:bodyPr>
-            <a:lstStyle/>
-            <a:p>
-              <a:r>
-                <a:rPr lang="en-US" altLang="ko-KR" dirty="0"/>
-                <a:t>7</a:t>
-              </a:r>
-              <a:endParaRPr lang="ko-KR" altLang="en-US" dirty="0"/>
-            </a:p>
-          </p:txBody>
-        </p:sp>
-        <p:sp>
-          <p:nvSpPr>
-            <p:cNvPr id="5" name="TextBox 4">
-              <a:extLst>
-                <a:ext uri="{FF2B5EF4-FFF2-40B4-BE49-F238E27FC236}">
-                  <a16:creationId xmlns:a16="http://schemas.microsoft.com/office/drawing/2014/main" id="{CDD9CD32-A535-4BD6-A7B6-EF86FE6237DA}"/>
-                </a:ext>
-              </a:extLst>
-            </p:cNvPr>
-            <p:cNvSpPr txBox="1"/>
-            <p:nvPr/>
-          </p:nvSpPr>
-          <p:spPr>
-            <a:xfrm>
-              <a:off x="417098" y="1010651"/>
-              <a:ext cx="705852" cy="369332"/>
-            </a:xfrm>
-            <a:prstGeom prst="rect">
-              <a:avLst/>
-            </a:prstGeom>
-            <a:solidFill>
-              <a:schemeClr val="bg1"/>
-            </a:solidFill>
-            <a:ln>
-              <a:solidFill>
-                <a:schemeClr val="tx1"/>
-              </a:solidFill>
-            </a:ln>
-          </p:spPr>
-          <p:txBody>
-            <a:bodyPr wrap="square" rtlCol="0">
-              <a:spAutoFit/>
-            </a:bodyPr>
-            <a:lstStyle/>
-            <a:p>
-              <a:r>
-                <a:rPr lang="en-US" altLang="ko-KR" dirty="0"/>
-                <a:t>3</a:t>
-              </a:r>
-              <a:endParaRPr lang="ko-KR" altLang="en-US" dirty="0"/>
-            </a:p>
-          </p:txBody>
-        </p:sp>
-        <p:sp>
-          <p:nvSpPr>
-            <p:cNvPr id="6" name="TextBox 5">
-              <a:extLst>
-                <a:ext uri="{FF2B5EF4-FFF2-40B4-BE49-F238E27FC236}">
-                  <a16:creationId xmlns:a16="http://schemas.microsoft.com/office/drawing/2014/main" id="{A2BC99A1-F5BA-4D1B-9223-95A515C3E82D}"/>
-                </a:ext>
-              </a:extLst>
-            </p:cNvPr>
-            <p:cNvSpPr txBox="1"/>
-            <p:nvPr/>
-          </p:nvSpPr>
-          <p:spPr>
-            <a:xfrm>
-              <a:off x="1828802" y="1010651"/>
-              <a:ext cx="705852" cy="369332"/>
-            </a:xfrm>
-            <a:prstGeom prst="rect">
-              <a:avLst/>
-            </a:prstGeom>
-            <a:solidFill>
-              <a:schemeClr val="bg1"/>
-            </a:solidFill>
-            <a:ln>
-              <a:solidFill>
-                <a:schemeClr val="tx1"/>
-              </a:solidFill>
-            </a:ln>
-          </p:spPr>
-          <p:txBody>
-            <a:bodyPr wrap="square" rtlCol="0">
-              <a:spAutoFit/>
-            </a:bodyPr>
-            <a:lstStyle/>
-            <a:p>
-              <a:r>
-                <a:rPr lang="en-US" altLang="ko-KR" dirty="0"/>
-                <a:t>8</a:t>
-              </a:r>
-              <a:endParaRPr lang="ko-KR" altLang="en-US" dirty="0"/>
-            </a:p>
-          </p:txBody>
-        </p:sp>
-      </p:grpSp>
-      <p:grpSp>
-        <p:nvGrpSpPr>
-          <p:cNvPr id="8" name="그룹 7">
-            <a:extLst>
-              <a:ext uri="{FF2B5EF4-FFF2-40B4-BE49-F238E27FC236}">
-                <a16:creationId xmlns:a16="http://schemas.microsoft.com/office/drawing/2014/main" id="{C2EF3296-D10B-401D-80BA-5C79CB500886}"/>
-              </a:ext>
-            </a:extLst>
-          </p:cNvPr>
-          <p:cNvGrpSpPr/>
-          <p:nvPr/>
-        </p:nvGrpSpPr>
-        <p:grpSpPr>
-          <a:xfrm>
-            <a:off x="7218947" y="449178"/>
-            <a:ext cx="3240504" cy="1492279"/>
-            <a:chOff x="-144376" y="449178"/>
-            <a:chExt cx="3240504" cy="1492279"/>
-          </a:xfrm>
-        </p:grpSpPr>
-        <p:sp>
-          <p:nvSpPr>
-            <p:cNvPr id="9" name="TextBox 8">
-              <a:extLst>
-                <a:ext uri="{FF2B5EF4-FFF2-40B4-BE49-F238E27FC236}">
-                  <a16:creationId xmlns:a16="http://schemas.microsoft.com/office/drawing/2014/main" id="{BA67AB55-503C-44E0-B93C-89DEFCDE50F7}"/>
-                </a:ext>
-              </a:extLst>
-            </p:cNvPr>
-            <p:cNvSpPr txBox="1"/>
-            <p:nvPr/>
-          </p:nvSpPr>
-          <p:spPr>
-            <a:xfrm>
-              <a:off x="1122950" y="449178"/>
-              <a:ext cx="705852" cy="369332"/>
-            </a:xfrm>
-            <a:prstGeom prst="rect">
-              <a:avLst/>
-            </a:prstGeom>
-            <a:solidFill>
-              <a:schemeClr val="bg1"/>
-            </a:solidFill>
-            <a:ln>
-              <a:solidFill>
-                <a:schemeClr val="tx1"/>
-              </a:solidFill>
-            </a:ln>
-          </p:spPr>
-          <p:txBody>
-            <a:bodyPr wrap="square" rtlCol="0">
-              <a:spAutoFit/>
-            </a:bodyPr>
-            <a:lstStyle/>
-            <a:p>
-              <a:r>
-                <a:rPr lang="en-US" altLang="ko-KR" dirty="0"/>
-                <a:t>7</a:t>
-              </a:r>
-              <a:endParaRPr lang="ko-KR" altLang="en-US" dirty="0"/>
-            </a:p>
-          </p:txBody>
-        </p:sp>
-        <p:sp>
-          <p:nvSpPr>
-            <p:cNvPr id="10" name="TextBox 9">
-              <a:extLst>
-                <a:ext uri="{FF2B5EF4-FFF2-40B4-BE49-F238E27FC236}">
-                  <a16:creationId xmlns:a16="http://schemas.microsoft.com/office/drawing/2014/main" id="{F38CDFB5-7DE1-4E3F-8B2F-9ED6BC4E8784}"/>
-                </a:ext>
-              </a:extLst>
-            </p:cNvPr>
-            <p:cNvSpPr txBox="1"/>
-            <p:nvPr/>
-          </p:nvSpPr>
-          <p:spPr>
-            <a:xfrm>
-              <a:off x="417098" y="1010651"/>
-              <a:ext cx="705852" cy="369332"/>
-            </a:xfrm>
-            <a:prstGeom prst="rect">
-              <a:avLst/>
-            </a:prstGeom>
-            <a:solidFill>
-              <a:schemeClr val="bg1"/>
-            </a:solidFill>
-            <a:ln>
-              <a:solidFill>
-                <a:schemeClr val="tx1"/>
-              </a:solidFill>
-            </a:ln>
-          </p:spPr>
-          <p:txBody>
-            <a:bodyPr wrap="square" rtlCol="0">
-              <a:spAutoFit/>
-            </a:bodyPr>
-            <a:lstStyle/>
-            <a:p>
-              <a:r>
-                <a:rPr lang="en-US" altLang="ko-KR" dirty="0"/>
-                <a:t>3</a:t>
-              </a:r>
-              <a:endParaRPr lang="ko-KR" altLang="en-US" dirty="0"/>
-            </a:p>
-          </p:txBody>
-        </p:sp>
-        <p:sp>
-          <p:nvSpPr>
-            <p:cNvPr id="11" name="TextBox 10">
-              <a:extLst>
-                <a:ext uri="{FF2B5EF4-FFF2-40B4-BE49-F238E27FC236}">
-                  <a16:creationId xmlns:a16="http://schemas.microsoft.com/office/drawing/2014/main" id="{D26A5342-2762-4202-A404-DF36E3B93E52}"/>
-                </a:ext>
-              </a:extLst>
-            </p:cNvPr>
-            <p:cNvSpPr txBox="1"/>
-            <p:nvPr/>
-          </p:nvSpPr>
-          <p:spPr>
-            <a:xfrm>
-              <a:off x="1828802" y="1010651"/>
-              <a:ext cx="705852" cy="369332"/>
-            </a:xfrm>
-            <a:prstGeom prst="rect">
-              <a:avLst/>
-            </a:prstGeom>
-            <a:solidFill>
-              <a:schemeClr val="bg1"/>
-            </a:solidFill>
-            <a:ln>
-              <a:solidFill>
-                <a:schemeClr val="tx1"/>
-              </a:solidFill>
-            </a:ln>
-          </p:spPr>
-          <p:txBody>
-            <a:bodyPr wrap="square" rtlCol="0">
-              <a:spAutoFit/>
-            </a:bodyPr>
-            <a:lstStyle/>
-            <a:p>
-              <a:r>
-                <a:rPr lang="en-US" altLang="ko-KR" dirty="0"/>
-                <a:t>8</a:t>
-              </a:r>
-              <a:endParaRPr lang="ko-KR" altLang="en-US" dirty="0"/>
-            </a:p>
-          </p:txBody>
-        </p:sp>
-        <p:sp>
-          <p:nvSpPr>
-            <p:cNvPr id="13" name="TextBox 12">
-              <a:extLst>
-                <a:ext uri="{FF2B5EF4-FFF2-40B4-BE49-F238E27FC236}">
-                  <a16:creationId xmlns:a16="http://schemas.microsoft.com/office/drawing/2014/main" id="{EA730E06-8389-4070-9953-7336DD43A395}"/>
-                </a:ext>
-              </a:extLst>
-            </p:cNvPr>
-            <p:cNvSpPr txBox="1"/>
-            <p:nvPr/>
-          </p:nvSpPr>
-          <p:spPr>
-            <a:xfrm>
-              <a:off x="1122950" y="1572125"/>
-              <a:ext cx="705852" cy="369332"/>
-            </a:xfrm>
-            <a:prstGeom prst="rect">
-              <a:avLst/>
-            </a:prstGeom>
-            <a:solidFill>
-              <a:schemeClr val="bg1"/>
-            </a:solidFill>
-            <a:ln>
-              <a:solidFill>
-                <a:schemeClr val="tx1"/>
-              </a:solidFill>
-            </a:ln>
-          </p:spPr>
-          <p:txBody>
-            <a:bodyPr wrap="square" rtlCol="0">
-              <a:spAutoFit/>
-            </a:bodyPr>
-            <a:lstStyle/>
-            <a:p>
-              <a:r>
-                <a:rPr lang="en-US" altLang="ko-KR" dirty="0"/>
-                <a:t>1</a:t>
-              </a:r>
-              <a:endParaRPr lang="ko-KR" altLang="en-US" dirty="0"/>
-            </a:p>
-          </p:txBody>
-        </p:sp>
-        <p:sp>
-          <p:nvSpPr>
-            <p:cNvPr id="14" name="TextBox 13">
-              <a:extLst>
-                <a:ext uri="{FF2B5EF4-FFF2-40B4-BE49-F238E27FC236}">
-                  <a16:creationId xmlns:a16="http://schemas.microsoft.com/office/drawing/2014/main" id="{1292E6A4-D1D7-4B38-A55B-731C13543972}"/>
-                </a:ext>
-              </a:extLst>
-            </p:cNvPr>
-            <p:cNvSpPr txBox="1"/>
-            <p:nvPr/>
-          </p:nvSpPr>
-          <p:spPr>
-            <a:xfrm>
-              <a:off x="-144376" y="1572125"/>
-              <a:ext cx="705852" cy="369332"/>
-            </a:xfrm>
-            <a:prstGeom prst="rect">
-              <a:avLst/>
-            </a:prstGeom>
-            <a:solidFill>
-              <a:schemeClr val="bg1"/>
-            </a:solidFill>
-            <a:ln>
-              <a:solidFill>
-                <a:schemeClr val="tx1"/>
-              </a:solidFill>
-            </a:ln>
-          </p:spPr>
-          <p:txBody>
-            <a:bodyPr wrap="square" rtlCol="0">
-              <a:spAutoFit/>
-            </a:bodyPr>
-            <a:lstStyle/>
-            <a:p>
-              <a:r>
-                <a:rPr lang="en-US" altLang="ko-KR" dirty="0"/>
-                <a:t>8</a:t>
-              </a:r>
-              <a:endParaRPr lang="ko-KR" altLang="en-US" dirty="0"/>
-            </a:p>
-          </p:txBody>
-        </p:sp>
-        <p:sp>
-          <p:nvSpPr>
-            <p:cNvPr id="15" name="TextBox 14">
-              <a:extLst>
-                <a:ext uri="{FF2B5EF4-FFF2-40B4-BE49-F238E27FC236}">
-                  <a16:creationId xmlns:a16="http://schemas.microsoft.com/office/drawing/2014/main" id="{1F8E41C8-8069-41AA-9980-8D8895E34EAB}"/>
-                </a:ext>
-              </a:extLst>
-            </p:cNvPr>
-            <p:cNvSpPr txBox="1"/>
-            <p:nvPr/>
-          </p:nvSpPr>
-          <p:spPr>
-            <a:xfrm>
-              <a:off x="2390276" y="1572125"/>
-              <a:ext cx="705852" cy="369332"/>
-            </a:xfrm>
-            <a:prstGeom prst="rect">
-              <a:avLst/>
-            </a:prstGeom>
-            <a:solidFill>
-              <a:schemeClr val="bg1"/>
-            </a:solidFill>
-            <a:ln>
-              <a:solidFill>
-                <a:schemeClr val="tx1"/>
-              </a:solidFill>
-            </a:ln>
-          </p:spPr>
-          <p:txBody>
-            <a:bodyPr wrap="square" rtlCol="0">
-              <a:spAutoFit/>
-            </a:bodyPr>
-            <a:lstStyle/>
-            <a:p>
-              <a:r>
-                <a:rPr lang="en-US" altLang="ko-KR" dirty="0"/>
-                <a:t>3</a:t>
-              </a:r>
-              <a:endParaRPr lang="ko-KR" altLang="en-US" dirty="0"/>
-            </a:p>
-          </p:txBody>
-        </p:sp>
-      </p:grpSp>
-      <p:sp>
-        <p:nvSpPr>
-          <p:cNvPr id="12" name="TextBox 11">
-            <a:extLst>
-              <a:ext uri="{FF2B5EF4-FFF2-40B4-BE49-F238E27FC236}">
-                <a16:creationId xmlns:a16="http://schemas.microsoft.com/office/drawing/2014/main" id="{204BD478-A33E-423F-A263-CE32C4E32A86}"/>
-              </a:ext>
-            </a:extLst>
-          </p:cNvPr>
-          <p:cNvSpPr txBox="1"/>
-          <p:nvPr/>
-        </p:nvSpPr>
-        <p:spPr>
-          <a:xfrm>
-            <a:off x="1138995" y="449178"/>
-            <a:ext cx="705852" cy="369332"/>
-          </a:xfrm>
-          <a:prstGeom prst="rect">
-            <a:avLst/>
-          </a:prstGeom>
-          <a:solidFill>
-            <a:schemeClr val="bg1"/>
-          </a:solidFill>
-          <a:ln>
-            <a:solidFill>
-              <a:schemeClr val="tx1"/>
-            </a:solidFill>
-          </a:ln>
-        </p:spPr>
-        <p:txBody>
-          <a:bodyPr wrap="square" rtlCol="0">
-            <a:spAutoFit/>
-          </a:bodyPr>
-          <a:lstStyle/>
-          <a:p>
-            <a:r>
-              <a:rPr lang="en-US" altLang="ko-KR" dirty="0"/>
-              <a:t>7</a:t>
-            </a:r>
-            <a:endParaRPr lang="ko-KR" altLang="en-US" dirty="0"/>
-          </a:p>
-        </p:txBody>
-      </p:sp>
-      <p:grpSp>
-        <p:nvGrpSpPr>
-          <p:cNvPr id="16" name="그룹 15">
-            <a:extLst>
-              <a:ext uri="{FF2B5EF4-FFF2-40B4-BE49-F238E27FC236}">
-                <a16:creationId xmlns:a16="http://schemas.microsoft.com/office/drawing/2014/main" id="{69E86884-60FF-4FCC-B867-BBBBB77236B8}"/>
-              </a:ext>
-            </a:extLst>
-          </p:cNvPr>
-          <p:cNvGrpSpPr/>
-          <p:nvPr/>
-        </p:nvGrpSpPr>
-        <p:grpSpPr>
-          <a:xfrm>
-            <a:off x="689819" y="2398295"/>
-            <a:ext cx="4636162" cy="2061410"/>
-            <a:chOff x="-850228" y="449178"/>
-            <a:chExt cx="4636162" cy="2061410"/>
-          </a:xfrm>
-        </p:grpSpPr>
-        <p:sp>
-          <p:nvSpPr>
-            <p:cNvPr id="17" name="TextBox 16">
-              <a:extLst>
-                <a:ext uri="{FF2B5EF4-FFF2-40B4-BE49-F238E27FC236}">
-                  <a16:creationId xmlns:a16="http://schemas.microsoft.com/office/drawing/2014/main" id="{3710E895-DF8A-4A98-A881-7C8A421D6217}"/>
-                </a:ext>
-              </a:extLst>
-            </p:cNvPr>
-            <p:cNvSpPr txBox="1"/>
-            <p:nvPr/>
-          </p:nvSpPr>
-          <p:spPr>
-            <a:xfrm>
-              <a:off x="1122950" y="449178"/>
-              <a:ext cx="705852" cy="369332"/>
-            </a:xfrm>
-            <a:prstGeom prst="rect">
-              <a:avLst/>
-            </a:prstGeom>
-            <a:solidFill>
-              <a:schemeClr val="bg1"/>
-            </a:solidFill>
-            <a:ln>
-              <a:solidFill>
-                <a:schemeClr val="tx1"/>
-              </a:solidFill>
-            </a:ln>
-          </p:spPr>
-          <p:txBody>
-            <a:bodyPr wrap="square" rtlCol="0">
-              <a:spAutoFit/>
-            </a:bodyPr>
-            <a:lstStyle/>
-            <a:p>
-              <a:r>
-                <a:rPr lang="en-US" altLang="ko-KR" dirty="0"/>
-                <a:t>7</a:t>
-              </a:r>
-              <a:endParaRPr lang="ko-KR" altLang="en-US" dirty="0"/>
-            </a:p>
-          </p:txBody>
-        </p:sp>
-        <p:sp>
-          <p:nvSpPr>
-            <p:cNvPr id="18" name="TextBox 17">
-              <a:extLst>
-                <a:ext uri="{FF2B5EF4-FFF2-40B4-BE49-F238E27FC236}">
-                  <a16:creationId xmlns:a16="http://schemas.microsoft.com/office/drawing/2014/main" id="{3351CC68-3C05-45D3-838A-559844B41C16}"/>
-                </a:ext>
-              </a:extLst>
-            </p:cNvPr>
-            <p:cNvSpPr txBox="1"/>
-            <p:nvPr/>
-          </p:nvSpPr>
-          <p:spPr>
-            <a:xfrm>
-              <a:off x="417098" y="1010651"/>
-              <a:ext cx="705852" cy="369332"/>
-            </a:xfrm>
-            <a:prstGeom prst="rect">
-              <a:avLst/>
-            </a:prstGeom>
-            <a:solidFill>
-              <a:schemeClr val="bg1"/>
-            </a:solidFill>
-            <a:ln>
-              <a:solidFill>
-                <a:schemeClr val="tx1"/>
-              </a:solidFill>
-            </a:ln>
-          </p:spPr>
-          <p:txBody>
-            <a:bodyPr wrap="square" rtlCol="0">
-              <a:spAutoFit/>
-            </a:bodyPr>
-            <a:lstStyle/>
-            <a:p>
-              <a:r>
-                <a:rPr lang="en-US" altLang="ko-KR" dirty="0"/>
-                <a:t>3</a:t>
-              </a:r>
-              <a:endParaRPr lang="ko-KR" altLang="en-US" dirty="0"/>
-            </a:p>
-          </p:txBody>
-        </p:sp>
-        <p:sp>
-          <p:nvSpPr>
-            <p:cNvPr id="19" name="TextBox 18">
-              <a:extLst>
-                <a:ext uri="{FF2B5EF4-FFF2-40B4-BE49-F238E27FC236}">
-                  <a16:creationId xmlns:a16="http://schemas.microsoft.com/office/drawing/2014/main" id="{6BE9B6C6-569B-4102-8F80-61827A90E218}"/>
-                </a:ext>
-              </a:extLst>
-            </p:cNvPr>
-            <p:cNvSpPr txBox="1"/>
-            <p:nvPr/>
-          </p:nvSpPr>
-          <p:spPr>
-            <a:xfrm>
-              <a:off x="1828802" y="1010651"/>
-              <a:ext cx="705852" cy="369332"/>
-            </a:xfrm>
-            <a:prstGeom prst="rect">
-              <a:avLst/>
-            </a:prstGeom>
-            <a:solidFill>
-              <a:schemeClr val="bg1"/>
-            </a:solidFill>
-            <a:ln>
-              <a:solidFill>
-                <a:schemeClr val="tx1"/>
-              </a:solidFill>
-            </a:ln>
-          </p:spPr>
-          <p:txBody>
-            <a:bodyPr wrap="square" rtlCol="0">
-              <a:spAutoFit/>
-            </a:bodyPr>
-            <a:lstStyle/>
-            <a:p>
-              <a:r>
-                <a:rPr lang="en-US" altLang="ko-KR" dirty="0"/>
-                <a:t>8</a:t>
-              </a:r>
-              <a:endParaRPr lang="ko-KR" altLang="en-US" dirty="0"/>
-            </a:p>
-          </p:txBody>
-        </p:sp>
-        <p:sp>
-          <p:nvSpPr>
-            <p:cNvPr id="20" name="TextBox 19">
-              <a:extLst>
-                <a:ext uri="{FF2B5EF4-FFF2-40B4-BE49-F238E27FC236}">
-                  <a16:creationId xmlns:a16="http://schemas.microsoft.com/office/drawing/2014/main" id="{56F3CEF3-D41A-49A8-B2F5-08CEC4D5EA6B}"/>
-                </a:ext>
-              </a:extLst>
-            </p:cNvPr>
-            <p:cNvSpPr txBox="1"/>
-            <p:nvPr/>
-          </p:nvSpPr>
-          <p:spPr>
-            <a:xfrm>
-              <a:off x="1122950" y="1572125"/>
-              <a:ext cx="705852" cy="369332"/>
-            </a:xfrm>
-            <a:prstGeom prst="rect">
-              <a:avLst/>
-            </a:prstGeom>
-            <a:solidFill>
-              <a:schemeClr val="bg1"/>
-            </a:solidFill>
-            <a:ln>
-              <a:solidFill>
-                <a:schemeClr val="tx1"/>
-              </a:solidFill>
-            </a:ln>
-          </p:spPr>
-          <p:txBody>
-            <a:bodyPr wrap="square" rtlCol="0">
-              <a:spAutoFit/>
-            </a:bodyPr>
-            <a:lstStyle/>
-            <a:p>
-              <a:r>
-                <a:rPr lang="en-US" altLang="ko-KR" dirty="0"/>
-                <a:t>1</a:t>
-              </a:r>
-              <a:endParaRPr lang="ko-KR" altLang="en-US" dirty="0"/>
-            </a:p>
-          </p:txBody>
-        </p:sp>
-        <p:sp>
-          <p:nvSpPr>
-            <p:cNvPr id="21" name="TextBox 20">
-              <a:extLst>
-                <a:ext uri="{FF2B5EF4-FFF2-40B4-BE49-F238E27FC236}">
-                  <a16:creationId xmlns:a16="http://schemas.microsoft.com/office/drawing/2014/main" id="{418136DC-6431-415E-8EED-EF954C3534F5}"/>
-                </a:ext>
-              </a:extLst>
-            </p:cNvPr>
-            <p:cNvSpPr txBox="1"/>
-            <p:nvPr/>
-          </p:nvSpPr>
-          <p:spPr>
-            <a:xfrm>
-              <a:off x="-144376" y="1572125"/>
-              <a:ext cx="705852" cy="369332"/>
-            </a:xfrm>
-            <a:prstGeom prst="rect">
-              <a:avLst/>
-            </a:prstGeom>
-            <a:solidFill>
-              <a:schemeClr val="bg1"/>
-            </a:solidFill>
-            <a:ln>
-              <a:solidFill>
-                <a:schemeClr val="tx1"/>
-              </a:solidFill>
-            </a:ln>
-          </p:spPr>
-          <p:txBody>
-            <a:bodyPr wrap="square" rtlCol="0">
-              <a:spAutoFit/>
-            </a:bodyPr>
-            <a:lstStyle/>
-            <a:p>
-              <a:r>
-                <a:rPr lang="en-US" altLang="ko-KR" dirty="0"/>
-                <a:t>8</a:t>
-              </a:r>
-              <a:endParaRPr lang="ko-KR" altLang="en-US" dirty="0"/>
-            </a:p>
-          </p:txBody>
-        </p:sp>
-        <p:sp>
-          <p:nvSpPr>
-            <p:cNvPr id="22" name="TextBox 21">
-              <a:extLst>
-                <a:ext uri="{FF2B5EF4-FFF2-40B4-BE49-F238E27FC236}">
-                  <a16:creationId xmlns:a16="http://schemas.microsoft.com/office/drawing/2014/main" id="{09CBC4A9-3CC5-4CEC-AC2A-41BC385D1D4A}"/>
-                </a:ext>
-              </a:extLst>
-            </p:cNvPr>
-            <p:cNvSpPr txBox="1"/>
-            <p:nvPr/>
-          </p:nvSpPr>
-          <p:spPr>
-            <a:xfrm>
-              <a:off x="2390276" y="1572125"/>
-              <a:ext cx="705852" cy="369332"/>
-            </a:xfrm>
-            <a:prstGeom prst="rect">
-              <a:avLst/>
-            </a:prstGeom>
-            <a:solidFill>
-              <a:schemeClr val="bg1"/>
-            </a:solidFill>
-            <a:ln>
-              <a:solidFill>
-                <a:schemeClr val="tx1"/>
-              </a:solidFill>
-            </a:ln>
-          </p:spPr>
-          <p:txBody>
-            <a:bodyPr wrap="square" rtlCol="0">
-              <a:spAutoFit/>
-            </a:bodyPr>
-            <a:lstStyle/>
-            <a:p>
-              <a:r>
-                <a:rPr lang="en-US" altLang="ko-KR" dirty="0"/>
-                <a:t>3</a:t>
-              </a:r>
-              <a:endParaRPr lang="ko-KR" altLang="en-US" dirty="0"/>
-            </a:p>
-          </p:txBody>
-        </p:sp>
-        <p:sp>
-          <p:nvSpPr>
-            <p:cNvPr id="23" name="TextBox 22">
-              <a:extLst>
-                <a:ext uri="{FF2B5EF4-FFF2-40B4-BE49-F238E27FC236}">
-                  <a16:creationId xmlns:a16="http://schemas.microsoft.com/office/drawing/2014/main" id="{14CD9522-712D-4903-9E61-A5D54110BF01}"/>
-                </a:ext>
-              </a:extLst>
-            </p:cNvPr>
-            <p:cNvSpPr txBox="1"/>
-            <p:nvPr/>
-          </p:nvSpPr>
-          <p:spPr>
-            <a:xfrm>
-              <a:off x="1828802" y="2141256"/>
-              <a:ext cx="705852" cy="369332"/>
-            </a:xfrm>
-            <a:prstGeom prst="rect">
-              <a:avLst/>
-            </a:prstGeom>
-            <a:solidFill>
-              <a:schemeClr val="bg1"/>
-            </a:solidFill>
-            <a:ln>
-              <a:solidFill>
-                <a:schemeClr val="tx1"/>
-              </a:solidFill>
-            </a:ln>
-          </p:spPr>
-          <p:txBody>
-            <a:bodyPr wrap="square" rtlCol="0">
-              <a:spAutoFit/>
-            </a:bodyPr>
-            <a:lstStyle/>
-            <a:p>
-              <a:r>
-                <a:rPr lang="en-US" altLang="ko-KR" dirty="0"/>
-                <a:t>4</a:t>
-              </a:r>
-              <a:endParaRPr lang="ko-KR" altLang="en-US" dirty="0"/>
-            </a:p>
-          </p:txBody>
-        </p:sp>
-        <p:sp>
-          <p:nvSpPr>
-            <p:cNvPr id="24" name="TextBox 23">
-              <a:extLst>
-                <a:ext uri="{FF2B5EF4-FFF2-40B4-BE49-F238E27FC236}">
-                  <a16:creationId xmlns:a16="http://schemas.microsoft.com/office/drawing/2014/main" id="{F2ED36F2-1B31-4D14-A5B0-6068BBF86EC6}"/>
-                </a:ext>
-              </a:extLst>
-            </p:cNvPr>
-            <p:cNvSpPr txBox="1"/>
-            <p:nvPr/>
-          </p:nvSpPr>
-          <p:spPr>
-            <a:xfrm>
-              <a:off x="417098" y="2133598"/>
-              <a:ext cx="705852" cy="369332"/>
-            </a:xfrm>
-            <a:prstGeom prst="rect">
-              <a:avLst/>
-            </a:prstGeom>
-            <a:solidFill>
-              <a:schemeClr val="bg1"/>
-            </a:solidFill>
-            <a:ln>
-              <a:solidFill>
-                <a:schemeClr val="tx1"/>
-              </a:solidFill>
-            </a:ln>
-          </p:spPr>
-          <p:txBody>
-            <a:bodyPr wrap="square" rtlCol="0">
-              <a:spAutoFit/>
-            </a:bodyPr>
-            <a:lstStyle/>
-            <a:p>
-              <a:r>
-                <a:rPr lang="en-US" altLang="ko-KR" dirty="0"/>
-                <a:t>7</a:t>
-              </a:r>
-              <a:endParaRPr lang="ko-KR" altLang="en-US" dirty="0"/>
-            </a:p>
-          </p:txBody>
-        </p:sp>
-        <p:sp>
-          <p:nvSpPr>
-            <p:cNvPr id="25" name="TextBox 24">
-              <a:extLst>
-                <a:ext uri="{FF2B5EF4-FFF2-40B4-BE49-F238E27FC236}">
-                  <a16:creationId xmlns:a16="http://schemas.microsoft.com/office/drawing/2014/main" id="{B2375A28-DEE8-4880-89C7-C3B22249C184}"/>
-                </a:ext>
-              </a:extLst>
-            </p:cNvPr>
-            <p:cNvSpPr txBox="1"/>
-            <p:nvPr/>
-          </p:nvSpPr>
-          <p:spPr>
-            <a:xfrm>
-              <a:off x="-850228" y="2141256"/>
-              <a:ext cx="705852" cy="369332"/>
-            </a:xfrm>
-            <a:prstGeom prst="rect">
-              <a:avLst/>
-            </a:prstGeom>
-            <a:solidFill>
-              <a:schemeClr val="bg1"/>
-            </a:solidFill>
-            <a:ln>
-              <a:solidFill>
-                <a:schemeClr val="tx1"/>
-              </a:solidFill>
-            </a:ln>
-          </p:spPr>
-          <p:txBody>
-            <a:bodyPr wrap="square" rtlCol="0">
-              <a:spAutoFit/>
-            </a:bodyPr>
-            <a:lstStyle/>
-            <a:p>
-              <a:r>
-                <a:rPr lang="en-US" altLang="ko-KR" dirty="0"/>
-                <a:t>2</a:t>
-              </a:r>
-              <a:endParaRPr lang="ko-KR" altLang="en-US" dirty="0"/>
-            </a:p>
-          </p:txBody>
-        </p:sp>
-        <p:sp>
-          <p:nvSpPr>
-            <p:cNvPr id="26" name="TextBox 25">
-              <a:extLst>
-                <a:ext uri="{FF2B5EF4-FFF2-40B4-BE49-F238E27FC236}">
-                  <a16:creationId xmlns:a16="http://schemas.microsoft.com/office/drawing/2014/main" id="{58B2CE5E-D897-45CB-ABBF-F2B9920BBCE5}"/>
-                </a:ext>
-              </a:extLst>
-            </p:cNvPr>
-            <p:cNvSpPr txBox="1"/>
-            <p:nvPr/>
-          </p:nvSpPr>
-          <p:spPr>
-            <a:xfrm>
-              <a:off x="3080082" y="2133598"/>
-              <a:ext cx="705852" cy="369332"/>
-            </a:xfrm>
-            <a:prstGeom prst="rect">
-              <a:avLst/>
-            </a:prstGeom>
-            <a:solidFill>
-              <a:schemeClr val="bg1"/>
-            </a:solidFill>
-            <a:ln>
-              <a:solidFill>
-                <a:schemeClr val="tx1"/>
-              </a:solidFill>
-            </a:ln>
-          </p:spPr>
-          <p:txBody>
-            <a:bodyPr wrap="square" rtlCol="0">
-              <a:spAutoFit/>
-            </a:bodyPr>
-            <a:lstStyle/>
-            <a:p>
-              <a:r>
-                <a:rPr lang="en-US" altLang="ko-KR" dirty="0"/>
-                <a:t>4</a:t>
-              </a:r>
-              <a:endParaRPr lang="ko-KR" altLang="en-US" dirty="0"/>
-            </a:p>
-          </p:txBody>
-        </p:sp>
-      </p:grpSp>
-      <p:graphicFrame>
-        <p:nvGraphicFramePr>
-          <p:cNvPr id="27" name="표 26">
-            <a:extLst>
-              <a:ext uri="{FF2B5EF4-FFF2-40B4-BE49-F238E27FC236}">
-                <a16:creationId xmlns:a16="http://schemas.microsoft.com/office/drawing/2014/main" id="{C84BB150-E5ED-401A-9A7B-1637ADC102D9}"/>
-              </a:ext>
-            </a:extLst>
-          </p:cNvPr>
-          <p:cNvGraphicFramePr>
-            <a:graphicFrameLocks noGrp="1"/>
-          </p:cNvGraphicFramePr>
-          <p:nvPr>
-            <p:extLst>
-              <p:ext uri="{D42A27DB-BD31-4B8C-83A1-F6EECF244321}">
-                <p14:modId xmlns:p14="http://schemas.microsoft.com/office/powerpoint/2010/main" val="558268399"/>
-              </p:ext>
-            </p:extLst>
-          </p:nvPr>
-        </p:nvGraphicFramePr>
-        <p:xfrm>
-          <a:off x="1138995" y="961671"/>
-          <a:ext cx="812800" cy="370840"/>
-        </p:xfrm>
-        <a:graphic>
-          <a:graphicData uri="http://schemas.openxmlformats.org/drawingml/2006/table">
-            <a:tbl>
-              <a:tblPr firstRow="1" bandRow="1">
-                <a:tableStyleId>{5940675A-B579-460E-94D1-54222C63F5DA}</a:tableStyleId>
-              </a:tblPr>
-              <a:tblGrid>
-                <a:gridCol w="812800">
-                  <a:extLst>
-                    <a:ext uri="{9D8B030D-6E8A-4147-A177-3AD203B41FA5}">
-                      <a16:colId xmlns:a16="http://schemas.microsoft.com/office/drawing/2014/main" val="1879629432"/>
-                    </a:ext>
-                  </a:extLst>
-                </a:gridCol>
-              </a:tblGrid>
-              <a:tr h="370840">
-                <a:tc>
-                  <a:txBody>
-                    <a:bodyPr/>
-                    <a:lstStyle/>
-                    <a:p>
-                      <a:pPr latinLnBrk="1"/>
-                      <a:r>
-                        <a:rPr lang="en-US" altLang="ko-KR" dirty="0"/>
-                        <a:t>7</a:t>
-                      </a:r>
-                      <a:endParaRPr lang="ko-KR" altLang="en-US" dirty="0"/>
-                    </a:p>
-                  </a:txBody>
-                  <a:tcPr/>
-                </a:tc>
-                <a:extLst>
-                  <a:ext uri="{0D108BD9-81ED-4DB2-BD59-A6C34878D82A}">
-                    <a16:rowId xmlns:a16="http://schemas.microsoft.com/office/drawing/2014/main" val="2249273213"/>
-                  </a:ext>
-                </a:extLst>
-              </a:tr>
-            </a:tbl>
-          </a:graphicData>
-        </a:graphic>
-      </p:graphicFrame>
-      <p:graphicFrame>
-        <p:nvGraphicFramePr>
-          <p:cNvPr id="28" name="표 27">
-            <a:extLst>
-              <a:ext uri="{FF2B5EF4-FFF2-40B4-BE49-F238E27FC236}">
-                <a16:creationId xmlns:a16="http://schemas.microsoft.com/office/drawing/2014/main" id="{EF0FBEE5-30A6-4078-863B-8B9C280B83A4}"/>
-              </a:ext>
-            </a:extLst>
-          </p:cNvPr>
-          <p:cNvGraphicFramePr>
-            <a:graphicFrameLocks noGrp="1"/>
-          </p:cNvGraphicFramePr>
-          <p:nvPr>
-            <p:extLst>
-              <p:ext uri="{D42A27DB-BD31-4B8C-83A1-F6EECF244321}">
-                <p14:modId xmlns:p14="http://schemas.microsoft.com/office/powerpoint/2010/main" val="3275883264"/>
-              </p:ext>
-            </p:extLst>
-          </p:nvPr>
-        </p:nvGraphicFramePr>
-        <p:xfrm>
-          <a:off x="2235209" y="3233697"/>
-          <a:ext cx="1625600" cy="365760"/>
-        </p:xfrm>
-        <a:graphic>
-          <a:graphicData uri="http://schemas.openxmlformats.org/drawingml/2006/table">
-            <a:tbl>
-              <a:tblPr firstRow="1" bandRow="1">
-                <a:tableStyleId>{5940675A-B579-460E-94D1-54222C63F5DA}</a:tableStyleId>
-              </a:tblPr>
-              <a:tblGrid>
-                <a:gridCol w="812800">
-                  <a:extLst>
-                    <a:ext uri="{9D8B030D-6E8A-4147-A177-3AD203B41FA5}">
-                      <a16:colId xmlns:a16="http://schemas.microsoft.com/office/drawing/2014/main" val="1879629432"/>
-                    </a:ext>
-                  </a:extLst>
-                </a:gridCol>
-                <a:gridCol w="812800">
-                  <a:extLst>
-                    <a:ext uri="{9D8B030D-6E8A-4147-A177-3AD203B41FA5}">
-                      <a16:colId xmlns:a16="http://schemas.microsoft.com/office/drawing/2014/main" val="1066870167"/>
-                    </a:ext>
-                  </a:extLst>
-                </a:gridCol>
-              </a:tblGrid>
-              <a:tr h="135866">
-                <a:tc>
-                  <a:txBody>
-                    <a:bodyPr/>
-                    <a:lstStyle/>
-                    <a:p>
-                      <a:pPr latinLnBrk="1"/>
-                      <a:r>
-                        <a:rPr lang="en-US" altLang="ko-KR" dirty="0"/>
-                        <a:t>10</a:t>
-                      </a:r>
-                      <a:endParaRPr lang="ko-KR" altLang="en-US" dirty="0"/>
-                    </a:p>
-                  </a:txBody>
-                  <a:tcPr/>
-                </a:tc>
-                <a:tc>
-                  <a:txBody>
-                    <a:bodyPr/>
-                    <a:lstStyle/>
-                    <a:p>
-                      <a:pPr latinLnBrk="1"/>
-                      <a:r>
-                        <a:rPr lang="en-US" altLang="ko-KR" dirty="0"/>
-                        <a:t>15</a:t>
-                      </a:r>
-                      <a:endParaRPr lang="ko-KR" altLang="en-US" dirty="0"/>
-                    </a:p>
-                  </a:txBody>
-                  <a:tcPr/>
-                </a:tc>
-                <a:extLst>
-                  <a:ext uri="{0D108BD9-81ED-4DB2-BD59-A6C34878D82A}">
-                    <a16:rowId xmlns:a16="http://schemas.microsoft.com/office/drawing/2014/main" val="2249273213"/>
-                  </a:ext>
-                </a:extLst>
-              </a:tr>
-            </a:tbl>
-          </a:graphicData>
-        </a:graphic>
-      </p:graphicFrame>
-      <p:graphicFrame>
-        <p:nvGraphicFramePr>
-          <p:cNvPr id="29" name="표 28">
-            <a:extLst>
-              <a:ext uri="{FF2B5EF4-FFF2-40B4-BE49-F238E27FC236}">
-                <a16:creationId xmlns:a16="http://schemas.microsoft.com/office/drawing/2014/main" id="{FDD5A157-7D60-48D7-A74D-CFDF74D19848}"/>
-              </a:ext>
-            </a:extLst>
-          </p:cNvPr>
-          <p:cNvGraphicFramePr>
-            <a:graphicFrameLocks noGrp="1"/>
-          </p:cNvGraphicFramePr>
-          <p:nvPr>
-            <p:extLst>
-              <p:ext uri="{D42A27DB-BD31-4B8C-83A1-F6EECF244321}">
-                <p14:modId xmlns:p14="http://schemas.microsoft.com/office/powerpoint/2010/main" val="1972674182"/>
-              </p:ext>
-            </p:extLst>
-          </p:nvPr>
-        </p:nvGraphicFramePr>
-        <p:xfrm>
-          <a:off x="1411712" y="3805054"/>
-          <a:ext cx="3251200" cy="370840"/>
-        </p:xfrm>
-        <a:graphic>
-          <a:graphicData uri="http://schemas.openxmlformats.org/drawingml/2006/table">
-            <a:tbl>
-              <a:tblPr firstRow="1" bandRow="1">
-                <a:tableStyleId>{5940675A-B579-460E-94D1-54222C63F5DA}</a:tableStyleId>
-              </a:tblPr>
-              <a:tblGrid>
-                <a:gridCol w="812800">
-                  <a:extLst>
-                    <a:ext uri="{9D8B030D-6E8A-4147-A177-3AD203B41FA5}">
-                      <a16:colId xmlns:a16="http://schemas.microsoft.com/office/drawing/2014/main" val="1879629432"/>
-                    </a:ext>
-                  </a:extLst>
-                </a:gridCol>
-                <a:gridCol w="812800">
-                  <a:extLst>
-                    <a:ext uri="{9D8B030D-6E8A-4147-A177-3AD203B41FA5}">
-                      <a16:colId xmlns:a16="http://schemas.microsoft.com/office/drawing/2014/main" val="1066870167"/>
-                    </a:ext>
-                  </a:extLst>
-                </a:gridCol>
-                <a:gridCol w="812800">
-                  <a:extLst>
-                    <a:ext uri="{9D8B030D-6E8A-4147-A177-3AD203B41FA5}">
-                      <a16:colId xmlns:a16="http://schemas.microsoft.com/office/drawing/2014/main" val="2593153309"/>
-                    </a:ext>
-                  </a:extLst>
-                </a:gridCol>
-                <a:gridCol w="812800">
-                  <a:extLst>
-                    <a:ext uri="{9D8B030D-6E8A-4147-A177-3AD203B41FA5}">
-                      <a16:colId xmlns:a16="http://schemas.microsoft.com/office/drawing/2014/main" val="1746865125"/>
-                    </a:ext>
-                  </a:extLst>
-                </a:gridCol>
-              </a:tblGrid>
-              <a:tr h="370840">
-                <a:tc>
-                  <a:txBody>
-                    <a:bodyPr/>
-                    <a:lstStyle/>
-                    <a:p>
-                      <a:pPr latinLnBrk="1"/>
-                      <a:r>
-                        <a:rPr lang="en-US" altLang="ko-KR" dirty="0"/>
-                        <a:t>18</a:t>
-                      </a:r>
-                      <a:endParaRPr lang="ko-KR" altLang="en-US" dirty="0"/>
-                    </a:p>
-                  </a:txBody>
-                  <a:tcPr/>
-                </a:tc>
-                <a:tc>
-                  <a:txBody>
-                    <a:bodyPr/>
-                    <a:lstStyle/>
-                    <a:p>
-                      <a:pPr latinLnBrk="1"/>
-                      <a:r>
-                        <a:rPr lang="en-US" altLang="ko-KR" dirty="0"/>
-                        <a:t>11</a:t>
-                      </a:r>
-                      <a:endParaRPr lang="ko-KR" altLang="en-US" dirty="0"/>
-                    </a:p>
-                  </a:txBody>
-                  <a:tcPr/>
-                </a:tc>
-                <a:tc>
-                  <a:txBody>
-                    <a:bodyPr/>
-                    <a:lstStyle/>
-                    <a:p>
-                      <a:pPr latinLnBrk="1"/>
-                      <a:r>
-                        <a:rPr lang="en-US" altLang="ko-KR" dirty="0"/>
-                        <a:t>16</a:t>
-                      </a:r>
-                      <a:endParaRPr lang="ko-KR" altLang="en-US" dirty="0"/>
-                    </a:p>
-                  </a:txBody>
-                  <a:tcPr/>
-                </a:tc>
-                <a:tc>
-                  <a:txBody>
-                    <a:bodyPr/>
-                    <a:lstStyle/>
-                    <a:p>
-                      <a:pPr latinLnBrk="1"/>
-                      <a:r>
-                        <a:rPr lang="en-US" altLang="ko-KR" dirty="0"/>
-                        <a:t>19</a:t>
-                      </a:r>
-                      <a:endParaRPr lang="ko-KR" altLang="en-US" dirty="0"/>
-                    </a:p>
-                  </a:txBody>
-                  <a:tcPr/>
-                </a:tc>
-                <a:extLst>
-                  <a:ext uri="{0D108BD9-81ED-4DB2-BD59-A6C34878D82A}">
-                    <a16:rowId xmlns:a16="http://schemas.microsoft.com/office/drawing/2014/main" val="2249273213"/>
-                  </a:ext>
-                </a:extLst>
-              </a:tr>
-            </a:tbl>
-          </a:graphicData>
-        </a:graphic>
-      </p:graphicFrame>
-      <p:graphicFrame>
-        <p:nvGraphicFramePr>
-          <p:cNvPr id="30" name="표 29">
-            <a:extLst>
-              <a:ext uri="{FF2B5EF4-FFF2-40B4-BE49-F238E27FC236}">
-                <a16:creationId xmlns:a16="http://schemas.microsoft.com/office/drawing/2014/main" id="{D75F86FF-C445-402D-B12F-E68127C01CF4}"/>
-              </a:ext>
-            </a:extLst>
-          </p:cNvPr>
-          <p:cNvGraphicFramePr>
-            <a:graphicFrameLocks noGrp="1"/>
-          </p:cNvGraphicFramePr>
-          <p:nvPr>
-            <p:extLst>
-              <p:ext uri="{D42A27DB-BD31-4B8C-83A1-F6EECF244321}">
-                <p14:modId xmlns:p14="http://schemas.microsoft.com/office/powerpoint/2010/main" val="1312865177"/>
-              </p:ext>
-            </p:extLst>
-          </p:nvPr>
-        </p:nvGraphicFramePr>
-        <p:xfrm>
-          <a:off x="203203" y="4513899"/>
-          <a:ext cx="5459660" cy="370840"/>
-        </p:xfrm>
-        <a:graphic>
-          <a:graphicData uri="http://schemas.openxmlformats.org/drawingml/2006/table">
-            <a:tbl>
-              <a:tblPr firstRow="1" bandRow="1">
-                <a:tableStyleId>{5940675A-B579-460E-94D1-54222C63F5DA}</a:tableStyleId>
-              </a:tblPr>
-              <a:tblGrid>
-                <a:gridCol w="812800">
-                  <a:extLst>
-                    <a:ext uri="{9D8B030D-6E8A-4147-A177-3AD203B41FA5}">
-                      <a16:colId xmlns:a16="http://schemas.microsoft.com/office/drawing/2014/main" val="1879629432"/>
-                    </a:ext>
-                  </a:extLst>
-                </a:gridCol>
-                <a:gridCol w="588208">
-                  <a:extLst>
-                    <a:ext uri="{9D8B030D-6E8A-4147-A177-3AD203B41FA5}">
-                      <a16:colId xmlns:a16="http://schemas.microsoft.com/office/drawing/2014/main" val="1066870167"/>
-                    </a:ext>
-                  </a:extLst>
-                </a:gridCol>
-                <a:gridCol w="673768">
-                  <a:extLst>
-                    <a:ext uri="{9D8B030D-6E8A-4147-A177-3AD203B41FA5}">
-                      <a16:colId xmlns:a16="http://schemas.microsoft.com/office/drawing/2014/main" val="2593153309"/>
-                    </a:ext>
-                  </a:extLst>
-                </a:gridCol>
-                <a:gridCol w="625642">
-                  <a:extLst>
-                    <a:ext uri="{9D8B030D-6E8A-4147-A177-3AD203B41FA5}">
-                      <a16:colId xmlns:a16="http://schemas.microsoft.com/office/drawing/2014/main" val="1746865125"/>
-                    </a:ext>
-                  </a:extLst>
-                </a:gridCol>
-                <a:gridCol w="657726">
-                  <a:extLst>
-                    <a:ext uri="{9D8B030D-6E8A-4147-A177-3AD203B41FA5}">
-                      <a16:colId xmlns:a16="http://schemas.microsoft.com/office/drawing/2014/main" val="1624038765"/>
-                    </a:ext>
-                  </a:extLst>
-                </a:gridCol>
-                <a:gridCol w="818148">
-                  <a:extLst>
-                    <a:ext uri="{9D8B030D-6E8A-4147-A177-3AD203B41FA5}">
-                      <a16:colId xmlns:a16="http://schemas.microsoft.com/office/drawing/2014/main" val="3869276121"/>
-                    </a:ext>
-                  </a:extLst>
-                </a:gridCol>
-                <a:gridCol w="657726">
-                  <a:extLst>
-                    <a:ext uri="{9D8B030D-6E8A-4147-A177-3AD203B41FA5}">
-                      <a16:colId xmlns:a16="http://schemas.microsoft.com/office/drawing/2014/main" val="3014010636"/>
-                    </a:ext>
-                  </a:extLst>
-                </a:gridCol>
-                <a:gridCol w="625642">
-                  <a:extLst>
-                    <a:ext uri="{9D8B030D-6E8A-4147-A177-3AD203B41FA5}">
-                      <a16:colId xmlns:a16="http://schemas.microsoft.com/office/drawing/2014/main" val="3535995631"/>
-                    </a:ext>
-                  </a:extLst>
-                </a:gridCol>
-              </a:tblGrid>
-              <a:tr h="370840">
-                <a:tc>
-                  <a:txBody>
-                    <a:bodyPr/>
-                    <a:lstStyle/>
-                    <a:p>
-                      <a:pPr latinLnBrk="1"/>
-                      <a:r>
-                        <a:rPr lang="en-US" altLang="ko-KR" dirty="0"/>
-                        <a:t>20</a:t>
-                      </a:r>
-                      <a:endParaRPr lang="ko-KR" altLang="en-US" dirty="0"/>
-                    </a:p>
-                  </a:txBody>
-                  <a:tcPr/>
-                </a:tc>
-                <a:tc>
-                  <a:txBody>
-                    <a:bodyPr/>
-                    <a:lstStyle/>
-                    <a:p>
-                      <a:pPr latinLnBrk="1"/>
-                      <a:r>
-                        <a:rPr lang="en-US" altLang="ko-KR" dirty="0"/>
-                        <a:t>25</a:t>
-                      </a:r>
-                      <a:endParaRPr lang="ko-KR" altLang="en-US" dirty="0"/>
-                    </a:p>
-                  </a:txBody>
-                  <a:tcPr/>
-                </a:tc>
-                <a:tc>
-                  <a:txBody>
-                    <a:bodyPr/>
-                    <a:lstStyle/>
-                    <a:p>
-                      <a:pPr latinLnBrk="1"/>
-                      <a:r>
-                        <a:rPr lang="en-US" altLang="ko-KR" dirty="0"/>
-                        <a:t>18</a:t>
-                      </a:r>
-                      <a:endParaRPr lang="ko-KR" altLang="en-US" dirty="0"/>
-                    </a:p>
-                  </a:txBody>
-                  <a:tcPr/>
-                </a:tc>
-                <a:tc>
-                  <a:txBody>
-                    <a:bodyPr/>
-                    <a:lstStyle/>
-                    <a:p>
-                      <a:pPr latinLnBrk="1"/>
-                      <a:r>
-                        <a:rPr lang="en-US" altLang="ko-KR" dirty="0"/>
-                        <a:t>15</a:t>
-                      </a:r>
-                      <a:endParaRPr lang="ko-KR" altLang="en-US" dirty="0"/>
-                    </a:p>
-                  </a:txBody>
-                  <a:tcPr/>
-                </a:tc>
-                <a:tc>
-                  <a:txBody>
-                    <a:bodyPr/>
-                    <a:lstStyle/>
-                    <a:p>
-                      <a:pPr latinLnBrk="1"/>
-                      <a:r>
-                        <a:rPr lang="en-US" altLang="ko-KR" dirty="0"/>
-                        <a:t>23</a:t>
-                      </a:r>
-                      <a:endParaRPr lang="ko-KR" altLang="en-US" dirty="0"/>
-                    </a:p>
-                  </a:txBody>
-                  <a:tcPr/>
-                </a:tc>
-                <a:tc>
-                  <a:txBody>
-                    <a:bodyPr/>
-                    <a:lstStyle/>
-                    <a:p>
-                      <a:pPr latinLnBrk="1"/>
-                      <a:r>
-                        <a:rPr lang="en-US" altLang="ko-KR" dirty="0"/>
-                        <a:t>21</a:t>
-                      </a:r>
-                      <a:endParaRPr lang="ko-KR" altLang="en-US" dirty="0"/>
-                    </a:p>
-                  </a:txBody>
-                  <a:tcPr/>
-                </a:tc>
-                <a:tc>
-                  <a:txBody>
-                    <a:bodyPr/>
-                    <a:lstStyle/>
-                    <a:p>
-                      <a:pPr latinLnBrk="1"/>
-                      <a:r>
-                        <a:rPr lang="en-US" altLang="ko-KR" dirty="0"/>
-                        <a:t>23</a:t>
-                      </a:r>
-                      <a:endParaRPr lang="ko-KR" altLang="en-US" dirty="0"/>
-                    </a:p>
-                  </a:txBody>
-                  <a:tcPr/>
-                </a:tc>
-                <a:tc>
-                  <a:txBody>
-                    <a:bodyPr/>
-                    <a:lstStyle/>
-                    <a:p>
-                      <a:pPr latinLnBrk="1"/>
-                      <a:r>
-                        <a:rPr lang="en-US" altLang="ko-KR" dirty="0"/>
-                        <a:t>23</a:t>
-                      </a:r>
-                      <a:endParaRPr lang="ko-KR" altLang="en-US" dirty="0"/>
-                    </a:p>
-                  </a:txBody>
-                  <a:tcPr/>
-                </a:tc>
-                <a:extLst>
-                  <a:ext uri="{0D108BD9-81ED-4DB2-BD59-A6C34878D82A}">
-                    <a16:rowId xmlns:a16="http://schemas.microsoft.com/office/drawing/2014/main" val="2249273213"/>
-                  </a:ext>
-                </a:extLst>
-              </a:tr>
-            </a:tbl>
-          </a:graphicData>
-        </a:graphic>
-      </p:graphicFrame>
-      <p:grpSp>
-        <p:nvGrpSpPr>
-          <p:cNvPr id="31" name="그룹 30">
-            <a:extLst>
-              <a:ext uri="{FF2B5EF4-FFF2-40B4-BE49-F238E27FC236}">
-                <a16:creationId xmlns:a16="http://schemas.microsoft.com/office/drawing/2014/main" id="{F9990ED7-7493-4039-98E5-D3C400931004}"/>
-              </a:ext>
-            </a:extLst>
-          </p:cNvPr>
-          <p:cNvGrpSpPr/>
-          <p:nvPr/>
-        </p:nvGrpSpPr>
-        <p:grpSpPr>
-          <a:xfrm>
-            <a:off x="5526506" y="3721038"/>
-            <a:ext cx="5895464" cy="2607571"/>
-            <a:chOff x="-1419722" y="449178"/>
-            <a:chExt cx="5895464" cy="2607571"/>
-          </a:xfrm>
-        </p:grpSpPr>
-        <p:sp>
-          <p:nvSpPr>
-            <p:cNvPr id="32" name="TextBox 31">
-              <a:extLst>
-                <a:ext uri="{FF2B5EF4-FFF2-40B4-BE49-F238E27FC236}">
-                  <a16:creationId xmlns:a16="http://schemas.microsoft.com/office/drawing/2014/main" id="{854FD297-8114-4FA1-9545-3DDC693EA09E}"/>
-                </a:ext>
-              </a:extLst>
-            </p:cNvPr>
-            <p:cNvSpPr txBox="1"/>
-            <p:nvPr/>
-          </p:nvSpPr>
-          <p:spPr>
-            <a:xfrm>
-              <a:off x="1122950" y="449178"/>
-              <a:ext cx="705852" cy="369332"/>
-            </a:xfrm>
-            <a:prstGeom prst="rect">
-              <a:avLst/>
-            </a:prstGeom>
-            <a:solidFill>
-              <a:schemeClr val="bg1"/>
-            </a:solidFill>
-            <a:ln>
-              <a:solidFill>
-                <a:schemeClr val="tx1"/>
-              </a:solidFill>
-            </a:ln>
-          </p:spPr>
-          <p:txBody>
-            <a:bodyPr wrap="square" rtlCol="0">
-              <a:spAutoFit/>
-            </a:bodyPr>
-            <a:lstStyle/>
-            <a:p>
-              <a:r>
-                <a:rPr lang="en-US" altLang="ko-KR" dirty="0"/>
-                <a:t>7</a:t>
-              </a:r>
-              <a:endParaRPr lang="ko-KR" altLang="en-US" dirty="0"/>
-            </a:p>
-          </p:txBody>
-        </p:sp>
-        <p:sp>
-          <p:nvSpPr>
-            <p:cNvPr id="33" name="TextBox 32">
-              <a:extLst>
-                <a:ext uri="{FF2B5EF4-FFF2-40B4-BE49-F238E27FC236}">
-                  <a16:creationId xmlns:a16="http://schemas.microsoft.com/office/drawing/2014/main" id="{AC0B16AE-8723-4284-A4A3-6014CF15C7EB}"/>
-                </a:ext>
-              </a:extLst>
-            </p:cNvPr>
-            <p:cNvSpPr txBox="1"/>
-            <p:nvPr/>
-          </p:nvSpPr>
-          <p:spPr>
-            <a:xfrm>
-              <a:off x="417098" y="1010651"/>
-              <a:ext cx="705852" cy="369332"/>
-            </a:xfrm>
-            <a:prstGeom prst="rect">
-              <a:avLst/>
-            </a:prstGeom>
-            <a:solidFill>
-              <a:schemeClr val="bg1"/>
-            </a:solidFill>
-            <a:ln>
-              <a:solidFill>
-                <a:schemeClr val="tx1"/>
-              </a:solidFill>
-            </a:ln>
-          </p:spPr>
-          <p:txBody>
-            <a:bodyPr wrap="square" rtlCol="0">
-              <a:spAutoFit/>
-            </a:bodyPr>
-            <a:lstStyle/>
-            <a:p>
-              <a:r>
-                <a:rPr lang="en-US" altLang="ko-KR" dirty="0"/>
-                <a:t>3</a:t>
-              </a:r>
-              <a:endParaRPr lang="ko-KR" altLang="en-US" dirty="0"/>
-            </a:p>
-          </p:txBody>
-        </p:sp>
-        <p:sp>
-          <p:nvSpPr>
-            <p:cNvPr id="34" name="TextBox 33">
-              <a:extLst>
-                <a:ext uri="{FF2B5EF4-FFF2-40B4-BE49-F238E27FC236}">
-                  <a16:creationId xmlns:a16="http://schemas.microsoft.com/office/drawing/2014/main" id="{5EDD63DA-F715-4D07-8BD4-ABD746699323}"/>
-                </a:ext>
-              </a:extLst>
-            </p:cNvPr>
-            <p:cNvSpPr txBox="1"/>
-            <p:nvPr/>
-          </p:nvSpPr>
-          <p:spPr>
-            <a:xfrm>
-              <a:off x="1828802" y="1010651"/>
-              <a:ext cx="705852" cy="369332"/>
-            </a:xfrm>
-            <a:prstGeom prst="rect">
-              <a:avLst/>
-            </a:prstGeom>
-            <a:solidFill>
-              <a:schemeClr val="bg1"/>
-            </a:solidFill>
-            <a:ln>
-              <a:solidFill>
-                <a:schemeClr val="tx1"/>
-              </a:solidFill>
-            </a:ln>
-          </p:spPr>
-          <p:txBody>
-            <a:bodyPr wrap="square" rtlCol="0">
-              <a:spAutoFit/>
-            </a:bodyPr>
-            <a:lstStyle/>
-            <a:p>
-              <a:r>
-                <a:rPr lang="en-US" altLang="ko-KR" dirty="0"/>
-                <a:t>8</a:t>
-              </a:r>
-              <a:endParaRPr lang="ko-KR" altLang="en-US" dirty="0"/>
-            </a:p>
-          </p:txBody>
-        </p:sp>
-        <p:sp>
-          <p:nvSpPr>
-            <p:cNvPr id="35" name="TextBox 34">
-              <a:extLst>
-                <a:ext uri="{FF2B5EF4-FFF2-40B4-BE49-F238E27FC236}">
-                  <a16:creationId xmlns:a16="http://schemas.microsoft.com/office/drawing/2014/main" id="{C67BCD39-3DA4-43EA-9A9E-3B0AF7AA121E}"/>
-                </a:ext>
-              </a:extLst>
-            </p:cNvPr>
-            <p:cNvSpPr txBox="1"/>
-            <p:nvPr/>
-          </p:nvSpPr>
-          <p:spPr>
-            <a:xfrm>
-              <a:off x="1122950" y="1572125"/>
-              <a:ext cx="705852" cy="369332"/>
-            </a:xfrm>
-            <a:prstGeom prst="rect">
-              <a:avLst/>
-            </a:prstGeom>
-            <a:solidFill>
-              <a:schemeClr val="bg1"/>
-            </a:solidFill>
-            <a:ln>
-              <a:solidFill>
-                <a:schemeClr val="tx1"/>
-              </a:solidFill>
-            </a:ln>
-          </p:spPr>
-          <p:txBody>
-            <a:bodyPr wrap="square" rtlCol="0">
-              <a:spAutoFit/>
-            </a:bodyPr>
-            <a:lstStyle/>
-            <a:p>
-              <a:r>
-                <a:rPr lang="en-US" altLang="ko-KR" dirty="0"/>
-                <a:t>1</a:t>
-              </a:r>
-              <a:endParaRPr lang="ko-KR" altLang="en-US" dirty="0"/>
-            </a:p>
-          </p:txBody>
-        </p:sp>
-        <p:sp>
-          <p:nvSpPr>
-            <p:cNvPr id="36" name="TextBox 35">
-              <a:extLst>
-                <a:ext uri="{FF2B5EF4-FFF2-40B4-BE49-F238E27FC236}">
-                  <a16:creationId xmlns:a16="http://schemas.microsoft.com/office/drawing/2014/main" id="{60C83633-4BE9-4761-AA6E-2098618AC910}"/>
-                </a:ext>
-              </a:extLst>
-            </p:cNvPr>
-            <p:cNvSpPr txBox="1"/>
-            <p:nvPr/>
-          </p:nvSpPr>
-          <p:spPr>
-            <a:xfrm>
-              <a:off x="-144376" y="1572125"/>
-              <a:ext cx="705852" cy="369332"/>
-            </a:xfrm>
-            <a:prstGeom prst="rect">
-              <a:avLst/>
-            </a:prstGeom>
-            <a:solidFill>
-              <a:schemeClr val="bg1"/>
-            </a:solidFill>
-            <a:ln>
-              <a:solidFill>
-                <a:schemeClr val="tx1"/>
-              </a:solidFill>
-            </a:ln>
-          </p:spPr>
-          <p:txBody>
-            <a:bodyPr wrap="square" rtlCol="0">
-              <a:spAutoFit/>
-            </a:bodyPr>
-            <a:lstStyle/>
-            <a:p>
-              <a:r>
-                <a:rPr lang="en-US" altLang="ko-KR" dirty="0"/>
-                <a:t>8</a:t>
-              </a:r>
-              <a:endParaRPr lang="ko-KR" altLang="en-US" dirty="0"/>
-            </a:p>
-          </p:txBody>
-        </p:sp>
-        <p:sp>
-          <p:nvSpPr>
-            <p:cNvPr id="37" name="TextBox 36">
-              <a:extLst>
-                <a:ext uri="{FF2B5EF4-FFF2-40B4-BE49-F238E27FC236}">
-                  <a16:creationId xmlns:a16="http://schemas.microsoft.com/office/drawing/2014/main" id="{6049BA1A-53A6-4384-8454-A4A158B87929}"/>
-                </a:ext>
-              </a:extLst>
-            </p:cNvPr>
-            <p:cNvSpPr txBox="1"/>
-            <p:nvPr/>
-          </p:nvSpPr>
-          <p:spPr>
-            <a:xfrm>
-              <a:off x="2390276" y="1572125"/>
-              <a:ext cx="705852" cy="369332"/>
-            </a:xfrm>
-            <a:prstGeom prst="rect">
-              <a:avLst/>
-            </a:prstGeom>
-            <a:solidFill>
-              <a:schemeClr val="bg1"/>
-            </a:solidFill>
-            <a:ln>
-              <a:solidFill>
-                <a:schemeClr val="tx1"/>
-              </a:solidFill>
-            </a:ln>
-          </p:spPr>
-          <p:txBody>
-            <a:bodyPr wrap="square" rtlCol="0">
-              <a:spAutoFit/>
-            </a:bodyPr>
-            <a:lstStyle/>
-            <a:p>
-              <a:r>
-                <a:rPr lang="en-US" altLang="ko-KR" dirty="0"/>
-                <a:t>3</a:t>
-              </a:r>
-              <a:endParaRPr lang="ko-KR" altLang="en-US" dirty="0"/>
-            </a:p>
-          </p:txBody>
-        </p:sp>
-        <p:sp>
-          <p:nvSpPr>
-            <p:cNvPr id="38" name="TextBox 37">
-              <a:extLst>
-                <a:ext uri="{FF2B5EF4-FFF2-40B4-BE49-F238E27FC236}">
-                  <a16:creationId xmlns:a16="http://schemas.microsoft.com/office/drawing/2014/main" id="{58B137D7-6779-4F23-BB9D-F6BF6BA1371C}"/>
-                </a:ext>
-              </a:extLst>
-            </p:cNvPr>
-            <p:cNvSpPr txBox="1"/>
-            <p:nvPr/>
-          </p:nvSpPr>
-          <p:spPr>
-            <a:xfrm>
-              <a:off x="1892971" y="2141256"/>
-              <a:ext cx="705852" cy="369332"/>
-            </a:xfrm>
-            <a:prstGeom prst="rect">
-              <a:avLst/>
-            </a:prstGeom>
-            <a:solidFill>
-              <a:schemeClr val="bg1"/>
-            </a:solidFill>
-            <a:ln>
-              <a:solidFill>
-                <a:schemeClr val="tx1"/>
-              </a:solidFill>
-            </a:ln>
-          </p:spPr>
-          <p:txBody>
-            <a:bodyPr wrap="square" rtlCol="0">
-              <a:spAutoFit/>
-            </a:bodyPr>
-            <a:lstStyle/>
-            <a:p>
-              <a:r>
-                <a:rPr lang="en-US" altLang="ko-KR" dirty="0"/>
-                <a:t>4</a:t>
-              </a:r>
-              <a:endParaRPr lang="ko-KR" altLang="en-US" dirty="0"/>
-            </a:p>
-          </p:txBody>
-        </p:sp>
-        <p:sp>
-          <p:nvSpPr>
-            <p:cNvPr id="39" name="TextBox 38">
-              <a:extLst>
-                <a:ext uri="{FF2B5EF4-FFF2-40B4-BE49-F238E27FC236}">
-                  <a16:creationId xmlns:a16="http://schemas.microsoft.com/office/drawing/2014/main" id="{2310FB7B-7937-486F-9A52-4E68CD3E54FB}"/>
-                </a:ext>
-              </a:extLst>
-            </p:cNvPr>
-            <p:cNvSpPr txBox="1"/>
-            <p:nvPr/>
-          </p:nvSpPr>
-          <p:spPr>
-            <a:xfrm>
-              <a:off x="481267" y="2133598"/>
-              <a:ext cx="705852" cy="369332"/>
-            </a:xfrm>
-            <a:prstGeom prst="rect">
-              <a:avLst/>
-            </a:prstGeom>
-            <a:solidFill>
-              <a:schemeClr val="bg1"/>
-            </a:solidFill>
-            <a:ln>
-              <a:solidFill>
-                <a:schemeClr val="tx1"/>
-              </a:solidFill>
-            </a:ln>
-          </p:spPr>
-          <p:txBody>
-            <a:bodyPr wrap="square" rtlCol="0">
-              <a:spAutoFit/>
-            </a:bodyPr>
-            <a:lstStyle/>
-            <a:p>
-              <a:r>
-                <a:rPr lang="en-US" altLang="ko-KR" dirty="0"/>
-                <a:t>7</a:t>
-              </a:r>
-              <a:endParaRPr lang="ko-KR" altLang="en-US" dirty="0"/>
-            </a:p>
-          </p:txBody>
-        </p:sp>
-        <p:sp>
-          <p:nvSpPr>
-            <p:cNvPr id="40" name="TextBox 39">
-              <a:extLst>
-                <a:ext uri="{FF2B5EF4-FFF2-40B4-BE49-F238E27FC236}">
-                  <a16:creationId xmlns:a16="http://schemas.microsoft.com/office/drawing/2014/main" id="{5EE08A7B-9A3C-4D6F-B449-377522658B69}"/>
-                </a:ext>
-              </a:extLst>
-            </p:cNvPr>
-            <p:cNvSpPr txBox="1"/>
-            <p:nvPr/>
-          </p:nvSpPr>
-          <p:spPr>
-            <a:xfrm>
-              <a:off x="-786059" y="2141256"/>
-              <a:ext cx="705852" cy="369332"/>
-            </a:xfrm>
-            <a:prstGeom prst="rect">
-              <a:avLst/>
-            </a:prstGeom>
-            <a:solidFill>
-              <a:schemeClr val="bg1"/>
-            </a:solidFill>
-            <a:ln>
-              <a:solidFill>
-                <a:schemeClr val="tx1"/>
-              </a:solidFill>
-            </a:ln>
-          </p:spPr>
-          <p:txBody>
-            <a:bodyPr wrap="square" rtlCol="0">
-              <a:spAutoFit/>
-            </a:bodyPr>
-            <a:lstStyle/>
-            <a:p>
-              <a:r>
-                <a:rPr lang="en-US" altLang="ko-KR" dirty="0"/>
-                <a:t>2</a:t>
-              </a:r>
-              <a:endParaRPr lang="ko-KR" altLang="en-US" dirty="0"/>
-            </a:p>
-          </p:txBody>
-        </p:sp>
-        <p:sp>
-          <p:nvSpPr>
-            <p:cNvPr id="41" name="TextBox 40">
-              <a:extLst>
-                <a:ext uri="{FF2B5EF4-FFF2-40B4-BE49-F238E27FC236}">
-                  <a16:creationId xmlns:a16="http://schemas.microsoft.com/office/drawing/2014/main" id="{F38DFCA5-A372-4580-9777-4C3411FB6C9C}"/>
-                </a:ext>
-              </a:extLst>
-            </p:cNvPr>
-            <p:cNvSpPr txBox="1"/>
-            <p:nvPr/>
-          </p:nvSpPr>
-          <p:spPr>
-            <a:xfrm>
-              <a:off x="3080082" y="2133598"/>
-              <a:ext cx="705852" cy="369332"/>
-            </a:xfrm>
-            <a:prstGeom prst="rect">
-              <a:avLst/>
-            </a:prstGeom>
-            <a:solidFill>
-              <a:schemeClr val="bg1"/>
-            </a:solidFill>
-            <a:ln>
-              <a:solidFill>
-                <a:schemeClr val="tx1"/>
-              </a:solidFill>
-            </a:ln>
-          </p:spPr>
-          <p:txBody>
-            <a:bodyPr wrap="square" rtlCol="0">
-              <a:spAutoFit/>
-            </a:bodyPr>
-            <a:lstStyle/>
-            <a:p>
-              <a:r>
-                <a:rPr lang="en-US" altLang="ko-KR" dirty="0"/>
-                <a:t>4</a:t>
-              </a:r>
-              <a:endParaRPr lang="ko-KR" altLang="en-US" dirty="0"/>
-            </a:p>
-          </p:txBody>
-        </p:sp>
-        <p:sp>
-          <p:nvSpPr>
-            <p:cNvPr id="42" name="TextBox 41">
-              <a:extLst>
-                <a:ext uri="{FF2B5EF4-FFF2-40B4-BE49-F238E27FC236}">
-                  <a16:creationId xmlns:a16="http://schemas.microsoft.com/office/drawing/2014/main" id="{10F2C25B-031B-4A1D-B20C-72251320684E}"/>
-                </a:ext>
-              </a:extLst>
-            </p:cNvPr>
-            <p:cNvSpPr txBox="1"/>
-            <p:nvPr/>
-          </p:nvSpPr>
-          <p:spPr>
-            <a:xfrm>
-              <a:off x="2454445" y="2687417"/>
-              <a:ext cx="705852" cy="369332"/>
-            </a:xfrm>
-            <a:prstGeom prst="rect">
-              <a:avLst/>
-            </a:prstGeom>
-            <a:solidFill>
-              <a:schemeClr val="bg1"/>
-            </a:solidFill>
-            <a:ln>
-              <a:solidFill>
-                <a:schemeClr val="tx1"/>
-              </a:solidFill>
-            </a:ln>
-          </p:spPr>
-          <p:txBody>
-            <a:bodyPr wrap="square" rtlCol="0">
-              <a:spAutoFit/>
-            </a:bodyPr>
-            <a:lstStyle/>
-            <a:p>
-              <a:r>
-                <a:rPr lang="en-US" altLang="ko-KR" dirty="0"/>
-                <a:t>6</a:t>
-              </a:r>
-              <a:endParaRPr lang="ko-KR" altLang="en-US" dirty="0"/>
-            </a:p>
-          </p:txBody>
-        </p:sp>
-        <p:sp>
-          <p:nvSpPr>
-            <p:cNvPr id="43" name="TextBox 42">
-              <a:extLst>
-                <a:ext uri="{FF2B5EF4-FFF2-40B4-BE49-F238E27FC236}">
-                  <a16:creationId xmlns:a16="http://schemas.microsoft.com/office/drawing/2014/main" id="{1E21058B-F916-495E-BCC3-D7275CC865F4}"/>
-                </a:ext>
-              </a:extLst>
-            </p:cNvPr>
-            <p:cNvSpPr txBox="1"/>
-            <p:nvPr/>
-          </p:nvSpPr>
-          <p:spPr>
-            <a:xfrm>
-              <a:off x="1122950" y="2685958"/>
-              <a:ext cx="705852" cy="369332"/>
-            </a:xfrm>
-            <a:prstGeom prst="rect">
-              <a:avLst/>
-            </a:prstGeom>
-            <a:solidFill>
-              <a:schemeClr val="bg1"/>
-            </a:solidFill>
-            <a:ln>
-              <a:solidFill>
-                <a:schemeClr val="tx1"/>
-              </a:solidFill>
-            </a:ln>
-          </p:spPr>
-          <p:txBody>
-            <a:bodyPr wrap="square" rtlCol="0">
-              <a:spAutoFit/>
-            </a:bodyPr>
-            <a:lstStyle/>
-            <a:p>
-              <a:r>
-                <a:rPr lang="en-US" altLang="ko-KR" dirty="0"/>
-                <a:t>2</a:t>
-              </a:r>
-              <a:endParaRPr lang="ko-KR" altLang="en-US" dirty="0"/>
-            </a:p>
-          </p:txBody>
-        </p:sp>
-        <p:sp>
-          <p:nvSpPr>
-            <p:cNvPr id="44" name="TextBox 43">
-              <a:extLst>
-                <a:ext uri="{FF2B5EF4-FFF2-40B4-BE49-F238E27FC236}">
-                  <a16:creationId xmlns:a16="http://schemas.microsoft.com/office/drawing/2014/main" id="{EDDBD668-0F97-487D-AD64-3F8C4AD060B6}"/>
-                </a:ext>
-              </a:extLst>
-            </p:cNvPr>
-            <p:cNvSpPr txBox="1"/>
-            <p:nvPr/>
-          </p:nvSpPr>
-          <p:spPr>
-            <a:xfrm>
-              <a:off x="-176460" y="2685958"/>
-              <a:ext cx="705852" cy="369332"/>
-            </a:xfrm>
-            <a:prstGeom prst="rect">
-              <a:avLst/>
-            </a:prstGeom>
-            <a:solidFill>
-              <a:schemeClr val="bg1"/>
-            </a:solidFill>
-            <a:ln>
-              <a:solidFill>
-                <a:schemeClr val="tx1"/>
-              </a:solidFill>
-            </a:ln>
-          </p:spPr>
-          <p:txBody>
-            <a:bodyPr wrap="square" rtlCol="0">
-              <a:spAutoFit/>
-            </a:bodyPr>
-            <a:lstStyle/>
-            <a:p>
-              <a:r>
-                <a:rPr lang="en-US" altLang="ko-KR" dirty="0"/>
-                <a:t>5</a:t>
-              </a:r>
-              <a:endParaRPr lang="ko-KR" altLang="en-US" dirty="0"/>
-            </a:p>
-          </p:txBody>
-        </p:sp>
-        <p:sp>
-          <p:nvSpPr>
-            <p:cNvPr id="45" name="TextBox 44">
-              <a:extLst>
-                <a:ext uri="{FF2B5EF4-FFF2-40B4-BE49-F238E27FC236}">
-                  <a16:creationId xmlns:a16="http://schemas.microsoft.com/office/drawing/2014/main" id="{9C78FE04-F4A3-49A0-984D-72A92EF14517}"/>
-                </a:ext>
-              </a:extLst>
-            </p:cNvPr>
-            <p:cNvSpPr txBox="1"/>
-            <p:nvPr/>
-          </p:nvSpPr>
-          <p:spPr>
-            <a:xfrm>
-              <a:off x="-1419722" y="2685958"/>
-              <a:ext cx="705852" cy="369332"/>
-            </a:xfrm>
-            <a:prstGeom prst="rect">
-              <a:avLst/>
-            </a:prstGeom>
-            <a:solidFill>
-              <a:schemeClr val="bg1"/>
-            </a:solidFill>
-            <a:ln>
-              <a:solidFill>
-                <a:schemeClr val="tx1"/>
-              </a:solidFill>
-            </a:ln>
-          </p:spPr>
-          <p:txBody>
-            <a:bodyPr wrap="square" rtlCol="0">
-              <a:spAutoFit/>
-            </a:bodyPr>
-            <a:lstStyle/>
-            <a:p>
-              <a:r>
-                <a:rPr lang="en-US" altLang="ko-KR" dirty="0"/>
-                <a:t>4</a:t>
-              </a:r>
-              <a:endParaRPr lang="ko-KR" altLang="en-US" dirty="0"/>
-            </a:p>
-          </p:txBody>
-        </p:sp>
-        <p:sp>
-          <p:nvSpPr>
-            <p:cNvPr id="47" name="TextBox 46">
-              <a:extLst>
-                <a:ext uri="{FF2B5EF4-FFF2-40B4-BE49-F238E27FC236}">
-                  <a16:creationId xmlns:a16="http://schemas.microsoft.com/office/drawing/2014/main" id="{4A4C6566-449A-427F-B996-31DB674801B9}"/>
-                </a:ext>
-              </a:extLst>
-            </p:cNvPr>
-            <p:cNvSpPr txBox="1"/>
-            <p:nvPr/>
-          </p:nvSpPr>
-          <p:spPr>
-            <a:xfrm>
-              <a:off x="3769890" y="2687417"/>
-              <a:ext cx="705852" cy="369332"/>
-            </a:xfrm>
-            <a:prstGeom prst="rect">
-              <a:avLst/>
-            </a:prstGeom>
-            <a:solidFill>
-              <a:schemeClr val="bg1"/>
-            </a:solidFill>
-            <a:ln>
-              <a:solidFill>
-                <a:schemeClr val="tx1"/>
-              </a:solidFill>
-            </a:ln>
-          </p:spPr>
-          <p:txBody>
-            <a:bodyPr wrap="square" rtlCol="0">
-              <a:spAutoFit/>
-            </a:bodyPr>
-            <a:lstStyle/>
-            <a:p>
-              <a:r>
-                <a:rPr lang="en-US" altLang="ko-KR" dirty="0"/>
-                <a:t>5</a:t>
-              </a:r>
-              <a:endParaRPr lang="ko-KR" altLang="en-US" dirty="0"/>
-            </a:p>
-          </p:txBody>
-        </p:sp>
-      </p:grpSp>
-      <p:graphicFrame>
-        <p:nvGraphicFramePr>
-          <p:cNvPr id="48" name="표 47">
-            <a:extLst>
-              <a:ext uri="{FF2B5EF4-FFF2-40B4-BE49-F238E27FC236}">
-                <a16:creationId xmlns:a16="http://schemas.microsoft.com/office/drawing/2014/main" id="{45ABA211-2E5F-48D8-913A-13DD209C7AF9}"/>
-              </a:ext>
-            </a:extLst>
-          </p:cNvPr>
-          <p:cNvGraphicFramePr>
-            <a:graphicFrameLocks noGrp="1"/>
-          </p:cNvGraphicFramePr>
-          <p:nvPr>
-            <p:extLst>
-              <p:ext uri="{D42A27DB-BD31-4B8C-83A1-F6EECF244321}">
-                <p14:modId xmlns:p14="http://schemas.microsoft.com/office/powerpoint/2010/main" val="545523982"/>
-              </p:ext>
-            </p:extLst>
-          </p:nvPr>
-        </p:nvGraphicFramePr>
-        <p:xfrm>
-          <a:off x="909054" y="-1017890"/>
-          <a:ext cx="10512920" cy="370840"/>
-        </p:xfrm>
-        <a:graphic>
-          <a:graphicData uri="http://schemas.openxmlformats.org/drawingml/2006/table">
-            <a:tbl>
-              <a:tblPr firstRow="1" bandRow="1">
-                <a:tableStyleId>{5940675A-B579-460E-94D1-54222C63F5DA}</a:tableStyleId>
-              </a:tblPr>
-              <a:tblGrid>
-                <a:gridCol w="1051292">
-                  <a:extLst>
-                    <a:ext uri="{9D8B030D-6E8A-4147-A177-3AD203B41FA5}">
-                      <a16:colId xmlns:a16="http://schemas.microsoft.com/office/drawing/2014/main" val="1879629432"/>
-                    </a:ext>
-                  </a:extLst>
-                </a:gridCol>
-                <a:gridCol w="1051292">
-                  <a:extLst>
-                    <a:ext uri="{9D8B030D-6E8A-4147-A177-3AD203B41FA5}">
-                      <a16:colId xmlns:a16="http://schemas.microsoft.com/office/drawing/2014/main" val="1066870167"/>
-                    </a:ext>
-                  </a:extLst>
-                </a:gridCol>
-                <a:gridCol w="1051292">
-                  <a:extLst>
-                    <a:ext uri="{9D8B030D-6E8A-4147-A177-3AD203B41FA5}">
-                      <a16:colId xmlns:a16="http://schemas.microsoft.com/office/drawing/2014/main" val="2593153309"/>
-                    </a:ext>
-                  </a:extLst>
-                </a:gridCol>
-                <a:gridCol w="1051292">
-                  <a:extLst>
-                    <a:ext uri="{9D8B030D-6E8A-4147-A177-3AD203B41FA5}">
-                      <a16:colId xmlns:a16="http://schemas.microsoft.com/office/drawing/2014/main" val="1746865125"/>
-                    </a:ext>
-                  </a:extLst>
-                </a:gridCol>
-                <a:gridCol w="1051292">
-                  <a:extLst>
-                    <a:ext uri="{9D8B030D-6E8A-4147-A177-3AD203B41FA5}">
-                      <a16:colId xmlns:a16="http://schemas.microsoft.com/office/drawing/2014/main" val="1624038765"/>
-                    </a:ext>
-                  </a:extLst>
-                </a:gridCol>
-                <a:gridCol w="1051292">
-                  <a:extLst>
-                    <a:ext uri="{9D8B030D-6E8A-4147-A177-3AD203B41FA5}">
-                      <a16:colId xmlns:a16="http://schemas.microsoft.com/office/drawing/2014/main" val="3869276121"/>
-                    </a:ext>
-                  </a:extLst>
-                </a:gridCol>
-                <a:gridCol w="1051292">
-                  <a:extLst>
-                    <a:ext uri="{9D8B030D-6E8A-4147-A177-3AD203B41FA5}">
-                      <a16:colId xmlns:a16="http://schemas.microsoft.com/office/drawing/2014/main" val="3014010636"/>
-                    </a:ext>
-                  </a:extLst>
-                </a:gridCol>
-                <a:gridCol w="1051292">
-                  <a:extLst>
-                    <a:ext uri="{9D8B030D-6E8A-4147-A177-3AD203B41FA5}">
-                      <a16:colId xmlns:a16="http://schemas.microsoft.com/office/drawing/2014/main" val="3535995631"/>
-                    </a:ext>
-                  </a:extLst>
-                </a:gridCol>
-                <a:gridCol w="1051292">
-                  <a:extLst>
-                    <a:ext uri="{9D8B030D-6E8A-4147-A177-3AD203B41FA5}">
-                      <a16:colId xmlns:a16="http://schemas.microsoft.com/office/drawing/2014/main" val="1101501001"/>
-                    </a:ext>
-                  </a:extLst>
-                </a:gridCol>
-                <a:gridCol w="1051292">
-                  <a:extLst>
-                    <a:ext uri="{9D8B030D-6E8A-4147-A177-3AD203B41FA5}">
-                      <a16:colId xmlns:a16="http://schemas.microsoft.com/office/drawing/2014/main" val="2767368172"/>
-                    </a:ext>
-                  </a:extLst>
-                </a:gridCol>
-              </a:tblGrid>
-              <a:tr h="370840">
-                <a:tc>
-                  <a:txBody>
-                    <a:bodyPr/>
-                    <a:lstStyle/>
-                    <a:p>
-                      <a:pPr latinLnBrk="1"/>
-                      <a:r>
-                        <a:rPr lang="en-US" altLang="ko-KR" dirty="0"/>
-                        <a:t>20</a:t>
-                      </a:r>
-                      <a:endParaRPr lang="ko-KR" altLang="en-US" dirty="0"/>
-                    </a:p>
-                  </a:txBody>
-                  <a:tcPr/>
-                </a:tc>
-                <a:tc>
-                  <a:txBody>
-                    <a:bodyPr/>
-                    <a:lstStyle/>
-                    <a:p>
-                      <a:pPr latinLnBrk="1"/>
-                      <a:r>
-                        <a:rPr lang="en-US" altLang="ko-KR" dirty="0"/>
-                        <a:t>25</a:t>
-                      </a:r>
-                      <a:endParaRPr lang="ko-KR" altLang="en-US" dirty="0"/>
-                    </a:p>
-                  </a:txBody>
-                  <a:tcPr/>
-                </a:tc>
-                <a:tc>
-                  <a:txBody>
-                    <a:bodyPr/>
-                    <a:lstStyle/>
-                    <a:p>
-                      <a:pPr latinLnBrk="1"/>
-                      <a:r>
-                        <a:rPr lang="en-US" altLang="ko-KR" dirty="0"/>
-                        <a:t>18</a:t>
-                      </a:r>
-                      <a:endParaRPr lang="ko-KR" altLang="en-US" dirty="0"/>
-                    </a:p>
-                  </a:txBody>
-                  <a:tcPr/>
-                </a:tc>
-                <a:tc>
-                  <a:txBody>
-                    <a:bodyPr/>
-                    <a:lstStyle/>
-                    <a:p>
-                      <a:pPr latinLnBrk="1"/>
-                      <a:r>
-                        <a:rPr lang="en-US" altLang="ko-KR" dirty="0"/>
-                        <a:t>15</a:t>
-                      </a:r>
-                      <a:endParaRPr lang="ko-KR" altLang="en-US" dirty="0"/>
-                    </a:p>
-                  </a:txBody>
-                  <a:tcPr/>
-                </a:tc>
-                <a:tc>
-                  <a:txBody>
-                    <a:bodyPr/>
-                    <a:lstStyle/>
-                    <a:p>
-                      <a:pPr latinLnBrk="1"/>
-                      <a:r>
-                        <a:rPr lang="en-US" altLang="ko-KR" dirty="0"/>
-                        <a:t>23</a:t>
-                      </a:r>
-                      <a:endParaRPr lang="ko-KR" altLang="en-US" dirty="0"/>
-                    </a:p>
-                  </a:txBody>
-                  <a:tcPr/>
-                </a:tc>
-                <a:tc>
-                  <a:txBody>
-                    <a:bodyPr/>
-                    <a:lstStyle/>
-                    <a:p>
-                      <a:pPr latinLnBrk="1"/>
-                      <a:r>
-                        <a:rPr lang="en-US" altLang="ko-KR" dirty="0"/>
-                        <a:t>21</a:t>
-                      </a:r>
-                      <a:endParaRPr lang="ko-KR" altLang="en-US" dirty="0"/>
-                    </a:p>
-                  </a:txBody>
-                  <a:tcPr/>
-                </a:tc>
-                <a:tc>
-                  <a:txBody>
-                    <a:bodyPr/>
-                    <a:lstStyle/>
-                    <a:p>
-                      <a:pPr latinLnBrk="1"/>
-                      <a:r>
-                        <a:rPr lang="en-US" altLang="ko-KR" dirty="0"/>
-                        <a:t>23</a:t>
-                      </a:r>
-                      <a:endParaRPr lang="ko-KR" altLang="en-US" dirty="0"/>
-                    </a:p>
-                  </a:txBody>
-                  <a:tcPr/>
-                </a:tc>
-                <a:tc>
-                  <a:txBody>
-                    <a:bodyPr/>
-                    <a:lstStyle/>
-                    <a:p>
-                      <a:pPr latinLnBrk="1"/>
-                      <a:r>
-                        <a:rPr lang="en-US" altLang="ko-KR" dirty="0"/>
-                        <a:t>23</a:t>
-                      </a:r>
-                      <a:endParaRPr lang="ko-KR" altLang="en-US" dirty="0"/>
-                    </a:p>
-                  </a:txBody>
-                  <a:tcPr/>
-                </a:tc>
-                <a:tc>
-                  <a:txBody>
-                    <a:bodyPr/>
-                    <a:lstStyle/>
-                    <a:p>
-                      <a:pPr latinLnBrk="1"/>
-                      <a:endParaRPr lang="ko-KR" altLang="en-US"/>
-                    </a:p>
-                  </a:txBody>
-                  <a:tcPr/>
-                </a:tc>
-                <a:tc>
-                  <a:txBody>
-                    <a:bodyPr/>
-                    <a:lstStyle/>
-                    <a:p>
-                      <a:pPr latinLnBrk="1"/>
-                      <a:endParaRPr lang="ko-KR" altLang="en-US" dirty="0"/>
-                    </a:p>
-                  </a:txBody>
-                  <a:tcPr/>
-                </a:tc>
-                <a:extLst>
-                  <a:ext uri="{0D108BD9-81ED-4DB2-BD59-A6C34878D82A}">
-                    <a16:rowId xmlns:a16="http://schemas.microsoft.com/office/drawing/2014/main" val="2249273213"/>
-                  </a:ext>
-                </a:extLst>
-              </a:tr>
-            </a:tbl>
-          </a:graphicData>
-        </a:graphic>
-      </p:graphicFrame>
-    </p:spTree>
-    <p:extLst>
-      <p:ext uri="{BB962C8B-B14F-4D97-AF65-F5344CB8AC3E}">
-        <p14:creationId xmlns:p14="http://schemas.microsoft.com/office/powerpoint/2010/main" val="2148817020"/>
-      </p:ext>
-    </p:extLst>
-  </p:cSld>
-  <p:clrMapOvr>
-    <a:masterClrMapping/>
-  </p:clrMapOvr>
-</p:sld>
-</file>
-
-<file path=ppt/slides/slide2.xml><?xml version="1.0" encoding="utf-8"?>
-<p:sld xmlns:a="http://schemas.openxmlformats.org/drawingml/2006/main" xmlns:r="http://schemas.openxmlformats.org/officeDocument/2006/relationships" xmlns:p="http://schemas.openxmlformats.org/presentationml/2006/main">
-  <p:cSld>
-    <p:spTree>
-      <p:nvGrpSpPr>
-        <p:cNvPr id="1" name=""/>
-        <p:cNvGrpSpPr/>
-        <p:nvPr/>
-      </p:nvGrpSpPr>
-      <p:grpSpPr>
-        <a:xfrm>
-          <a:off x="0" y="0"/>
-          <a:ext cx="0" cy="0"/>
-          <a:chOff x="0" y="0"/>
-          <a:chExt cx="0" cy="0"/>
-        </a:xfrm>
-      </p:grpSpPr>
-      <p:sp>
-        <p:nvSpPr>
-          <p:cNvPr id="5" name="TextBox 4">
-            <a:extLst>
-              <a:ext uri="{FF2B5EF4-FFF2-40B4-BE49-F238E27FC236}">
-                <a16:creationId xmlns:a16="http://schemas.microsoft.com/office/drawing/2014/main" id="{73FA8131-9A40-48B9-AA5B-B5420035612B}"/>
-              </a:ext>
-            </a:extLst>
-          </p:cNvPr>
-          <p:cNvSpPr txBox="1"/>
-          <p:nvPr/>
-        </p:nvSpPr>
-        <p:spPr>
-          <a:xfrm>
-            <a:off x="3433016" y="140549"/>
-            <a:ext cx="705852" cy="369332"/>
-          </a:xfrm>
-          <a:prstGeom prst="rect">
-            <a:avLst/>
-          </a:prstGeom>
-          <a:solidFill>
-            <a:schemeClr val="bg1"/>
-          </a:solidFill>
-          <a:ln>
-            <a:solidFill>
-              <a:schemeClr val="tx1"/>
-            </a:solidFill>
-          </a:ln>
-        </p:spPr>
-        <p:txBody>
-          <a:bodyPr wrap="square" rtlCol="0">
-            <a:spAutoFit/>
-          </a:bodyPr>
-          <a:lstStyle/>
-          <a:p>
-            <a:r>
-              <a:rPr lang="en-US" altLang="ko-KR" dirty="0"/>
-              <a:t>7</a:t>
-            </a:r>
-            <a:endParaRPr lang="ko-KR" altLang="en-US" dirty="0"/>
-          </a:p>
-        </p:txBody>
-      </p:sp>
-      <p:sp>
-        <p:nvSpPr>
-          <p:cNvPr id="6" name="TextBox 5">
-            <a:extLst>
-              <a:ext uri="{FF2B5EF4-FFF2-40B4-BE49-F238E27FC236}">
-                <a16:creationId xmlns:a16="http://schemas.microsoft.com/office/drawing/2014/main" id="{05CB1DDB-339F-472B-821D-98ABDCA96C87}"/>
-              </a:ext>
-            </a:extLst>
-          </p:cNvPr>
-          <p:cNvSpPr txBox="1"/>
-          <p:nvPr/>
-        </p:nvSpPr>
-        <p:spPr>
-          <a:xfrm>
-            <a:off x="2727164" y="1121316"/>
-            <a:ext cx="705852" cy="369332"/>
-          </a:xfrm>
-          <a:prstGeom prst="rect">
-            <a:avLst/>
-          </a:prstGeom>
-          <a:solidFill>
-            <a:schemeClr val="bg1"/>
-          </a:solidFill>
-          <a:ln>
-            <a:solidFill>
-              <a:schemeClr val="tx1"/>
-            </a:solidFill>
-          </a:ln>
-        </p:spPr>
-        <p:txBody>
-          <a:bodyPr wrap="square" rtlCol="0">
-            <a:spAutoFit/>
-          </a:bodyPr>
-          <a:lstStyle/>
-          <a:p>
-            <a:r>
-              <a:rPr lang="en-US" altLang="ko-KR" dirty="0"/>
-              <a:t>3</a:t>
-            </a:r>
-            <a:endParaRPr lang="ko-KR" altLang="en-US" dirty="0"/>
-          </a:p>
-        </p:txBody>
-      </p:sp>
-      <p:sp>
-        <p:nvSpPr>
-          <p:cNvPr id="7" name="TextBox 6">
-            <a:extLst>
-              <a:ext uri="{FF2B5EF4-FFF2-40B4-BE49-F238E27FC236}">
-                <a16:creationId xmlns:a16="http://schemas.microsoft.com/office/drawing/2014/main" id="{B4309BDE-3E2B-4AD1-AF7C-B5D5D10189DF}"/>
-              </a:ext>
-            </a:extLst>
-          </p:cNvPr>
-          <p:cNvSpPr txBox="1"/>
-          <p:nvPr/>
-        </p:nvSpPr>
-        <p:spPr>
-          <a:xfrm>
-            <a:off x="4138868" y="1121316"/>
-            <a:ext cx="705852" cy="369332"/>
-          </a:xfrm>
-          <a:prstGeom prst="rect">
-            <a:avLst/>
-          </a:prstGeom>
-          <a:solidFill>
-            <a:schemeClr val="bg1"/>
-          </a:solidFill>
-          <a:ln>
-            <a:solidFill>
-              <a:schemeClr val="tx1"/>
-            </a:solidFill>
-          </a:ln>
-        </p:spPr>
-        <p:txBody>
-          <a:bodyPr wrap="square" rtlCol="0">
-            <a:spAutoFit/>
-          </a:bodyPr>
-          <a:lstStyle/>
-          <a:p>
-            <a:r>
-              <a:rPr lang="en-US" altLang="ko-KR" dirty="0"/>
-              <a:t>8</a:t>
-            </a:r>
-            <a:endParaRPr lang="ko-KR" altLang="en-US" dirty="0"/>
-          </a:p>
-        </p:txBody>
-      </p:sp>
-      <p:sp>
-        <p:nvSpPr>
-          <p:cNvPr id="8" name="TextBox 7">
-            <a:extLst>
-              <a:ext uri="{FF2B5EF4-FFF2-40B4-BE49-F238E27FC236}">
-                <a16:creationId xmlns:a16="http://schemas.microsoft.com/office/drawing/2014/main" id="{5D162D1D-2B74-4945-9367-05DDE2F23C86}"/>
-              </a:ext>
-            </a:extLst>
-          </p:cNvPr>
-          <p:cNvSpPr txBox="1"/>
-          <p:nvPr/>
-        </p:nvSpPr>
-        <p:spPr>
-          <a:xfrm>
-            <a:off x="3433016" y="2238442"/>
-            <a:ext cx="705852" cy="369332"/>
-          </a:xfrm>
-          <a:prstGeom prst="rect">
-            <a:avLst/>
-          </a:prstGeom>
-          <a:solidFill>
-            <a:schemeClr val="bg1"/>
-          </a:solidFill>
-          <a:ln>
-            <a:solidFill>
-              <a:schemeClr val="tx1"/>
-            </a:solidFill>
-          </a:ln>
-        </p:spPr>
-        <p:txBody>
-          <a:bodyPr wrap="square" rtlCol="0">
-            <a:spAutoFit/>
-          </a:bodyPr>
-          <a:lstStyle/>
-          <a:p>
-            <a:r>
-              <a:rPr lang="en-US" altLang="ko-KR" dirty="0"/>
-              <a:t>1</a:t>
-            </a:r>
-            <a:endParaRPr lang="ko-KR" altLang="en-US" dirty="0"/>
-          </a:p>
-        </p:txBody>
-      </p:sp>
-      <p:sp>
-        <p:nvSpPr>
-          <p:cNvPr id="9" name="TextBox 8">
-            <a:extLst>
-              <a:ext uri="{FF2B5EF4-FFF2-40B4-BE49-F238E27FC236}">
-                <a16:creationId xmlns:a16="http://schemas.microsoft.com/office/drawing/2014/main" id="{AF0553CB-E2C6-4EBA-AFC1-85C80ECD4A68}"/>
-              </a:ext>
-            </a:extLst>
-          </p:cNvPr>
-          <p:cNvSpPr txBox="1"/>
-          <p:nvPr/>
-        </p:nvSpPr>
-        <p:spPr>
-          <a:xfrm>
-            <a:off x="2165690" y="2238442"/>
-            <a:ext cx="705852" cy="369332"/>
-          </a:xfrm>
-          <a:prstGeom prst="rect">
-            <a:avLst/>
-          </a:prstGeom>
-          <a:solidFill>
-            <a:schemeClr val="bg1"/>
-          </a:solidFill>
-          <a:ln>
-            <a:solidFill>
-              <a:schemeClr val="tx1"/>
-            </a:solidFill>
-          </a:ln>
-        </p:spPr>
-        <p:txBody>
-          <a:bodyPr wrap="square" rtlCol="0">
-            <a:spAutoFit/>
-          </a:bodyPr>
-          <a:lstStyle/>
-          <a:p>
-            <a:r>
-              <a:rPr lang="en-US" altLang="ko-KR" dirty="0"/>
-              <a:t>8</a:t>
-            </a:r>
-            <a:endParaRPr lang="ko-KR" altLang="en-US" dirty="0"/>
-          </a:p>
-        </p:txBody>
-      </p:sp>
-      <p:sp>
-        <p:nvSpPr>
-          <p:cNvPr id="10" name="TextBox 9">
-            <a:extLst>
-              <a:ext uri="{FF2B5EF4-FFF2-40B4-BE49-F238E27FC236}">
-                <a16:creationId xmlns:a16="http://schemas.microsoft.com/office/drawing/2014/main" id="{C8E50608-952D-487A-8B63-0B9E71A13087}"/>
-              </a:ext>
-            </a:extLst>
-          </p:cNvPr>
-          <p:cNvSpPr txBox="1"/>
-          <p:nvPr/>
-        </p:nvSpPr>
-        <p:spPr>
-          <a:xfrm>
-            <a:off x="4700342" y="2238442"/>
-            <a:ext cx="705852" cy="369332"/>
-          </a:xfrm>
-          <a:prstGeom prst="rect">
-            <a:avLst/>
-          </a:prstGeom>
-          <a:solidFill>
-            <a:schemeClr val="bg1"/>
-          </a:solidFill>
-          <a:ln>
-            <a:solidFill>
-              <a:schemeClr val="tx1"/>
-            </a:solidFill>
-          </a:ln>
-        </p:spPr>
-        <p:txBody>
-          <a:bodyPr wrap="square" rtlCol="0">
-            <a:spAutoFit/>
-          </a:bodyPr>
-          <a:lstStyle/>
-          <a:p>
-            <a:r>
-              <a:rPr lang="en-US" altLang="ko-KR" dirty="0"/>
-              <a:t>3</a:t>
-            </a:r>
-            <a:endParaRPr lang="ko-KR" altLang="en-US" dirty="0"/>
-          </a:p>
-        </p:txBody>
-      </p:sp>
-      <p:sp>
-        <p:nvSpPr>
-          <p:cNvPr id="11" name="TextBox 10">
-            <a:extLst>
-              <a:ext uri="{FF2B5EF4-FFF2-40B4-BE49-F238E27FC236}">
-                <a16:creationId xmlns:a16="http://schemas.microsoft.com/office/drawing/2014/main" id="{94D92C86-87C6-495A-88B9-9455FF02E36F}"/>
-              </a:ext>
-            </a:extLst>
-          </p:cNvPr>
-          <p:cNvSpPr txBox="1"/>
-          <p:nvPr/>
-        </p:nvSpPr>
-        <p:spPr>
-          <a:xfrm>
-            <a:off x="4138868" y="3323999"/>
-            <a:ext cx="705852" cy="369332"/>
-          </a:xfrm>
-          <a:prstGeom prst="rect">
-            <a:avLst/>
-          </a:prstGeom>
-          <a:solidFill>
-            <a:schemeClr val="bg1"/>
-          </a:solidFill>
-          <a:ln>
-            <a:solidFill>
-              <a:schemeClr val="tx1"/>
-            </a:solidFill>
-          </a:ln>
-        </p:spPr>
-        <p:txBody>
-          <a:bodyPr wrap="square" rtlCol="0">
-            <a:spAutoFit/>
-          </a:bodyPr>
-          <a:lstStyle/>
-          <a:p>
-            <a:r>
-              <a:rPr lang="en-US" altLang="ko-KR" dirty="0"/>
-              <a:t>4</a:t>
-            </a:r>
-            <a:endParaRPr lang="ko-KR" altLang="en-US" dirty="0"/>
-          </a:p>
-        </p:txBody>
-      </p:sp>
-      <p:sp>
-        <p:nvSpPr>
-          <p:cNvPr id="12" name="TextBox 11">
-            <a:extLst>
-              <a:ext uri="{FF2B5EF4-FFF2-40B4-BE49-F238E27FC236}">
-                <a16:creationId xmlns:a16="http://schemas.microsoft.com/office/drawing/2014/main" id="{81B6C559-0042-4F5B-972E-9839C68FC51C}"/>
-              </a:ext>
-            </a:extLst>
-          </p:cNvPr>
-          <p:cNvSpPr txBox="1"/>
-          <p:nvPr/>
-        </p:nvSpPr>
-        <p:spPr>
-          <a:xfrm>
-            <a:off x="2727164" y="3316341"/>
-            <a:ext cx="705852" cy="369332"/>
-          </a:xfrm>
-          <a:prstGeom prst="rect">
-            <a:avLst/>
-          </a:prstGeom>
-          <a:solidFill>
-            <a:schemeClr val="bg1"/>
-          </a:solidFill>
-          <a:ln>
-            <a:solidFill>
-              <a:schemeClr val="tx1"/>
-            </a:solidFill>
-          </a:ln>
-        </p:spPr>
-        <p:txBody>
-          <a:bodyPr wrap="square" rtlCol="0">
-            <a:spAutoFit/>
-          </a:bodyPr>
-          <a:lstStyle/>
-          <a:p>
-            <a:r>
-              <a:rPr lang="en-US" altLang="ko-KR" dirty="0"/>
-              <a:t>7</a:t>
-            </a:r>
-            <a:endParaRPr lang="ko-KR" altLang="en-US" dirty="0"/>
-          </a:p>
-        </p:txBody>
-      </p:sp>
-      <p:sp>
-        <p:nvSpPr>
-          <p:cNvPr id="13" name="TextBox 12">
-            <a:extLst>
-              <a:ext uri="{FF2B5EF4-FFF2-40B4-BE49-F238E27FC236}">
-                <a16:creationId xmlns:a16="http://schemas.microsoft.com/office/drawing/2014/main" id="{188B8EE9-32FE-49BB-B103-11857B084CC7}"/>
-              </a:ext>
-            </a:extLst>
-          </p:cNvPr>
-          <p:cNvSpPr txBox="1"/>
-          <p:nvPr/>
-        </p:nvSpPr>
-        <p:spPr>
-          <a:xfrm>
-            <a:off x="1459838" y="3323999"/>
-            <a:ext cx="705852" cy="369332"/>
-          </a:xfrm>
-          <a:prstGeom prst="rect">
-            <a:avLst/>
-          </a:prstGeom>
-          <a:solidFill>
-            <a:schemeClr val="bg1"/>
-          </a:solidFill>
-          <a:ln>
-            <a:solidFill>
-              <a:schemeClr val="tx1"/>
-            </a:solidFill>
-          </a:ln>
-        </p:spPr>
-        <p:txBody>
-          <a:bodyPr wrap="square" rtlCol="0">
-            <a:spAutoFit/>
-          </a:bodyPr>
-          <a:lstStyle/>
-          <a:p>
-            <a:r>
-              <a:rPr lang="en-US" altLang="ko-KR" dirty="0"/>
-              <a:t>2</a:t>
-            </a:r>
-            <a:endParaRPr lang="ko-KR" altLang="en-US" dirty="0"/>
-          </a:p>
-        </p:txBody>
-      </p:sp>
-      <p:sp>
-        <p:nvSpPr>
-          <p:cNvPr id="14" name="TextBox 13">
-            <a:extLst>
-              <a:ext uri="{FF2B5EF4-FFF2-40B4-BE49-F238E27FC236}">
-                <a16:creationId xmlns:a16="http://schemas.microsoft.com/office/drawing/2014/main" id="{9D9A4B59-5B92-448F-AEE6-5049D2A38239}"/>
-              </a:ext>
-            </a:extLst>
-          </p:cNvPr>
-          <p:cNvSpPr txBox="1"/>
-          <p:nvPr/>
-        </p:nvSpPr>
-        <p:spPr>
-          <a:xfrm>
-            <a:off x="5390148" y="3316341"/>
-            <a:ext cx="705852" cy="369332"/>
-          </a:xfrm>
-          <a:prstGeom prst="rect">
-            <a:avLst/>
-          </a:prstGeom>
-          <a:solidFill>
-            <a:schemeClr val="bg1"/>
-          </a:solidFill>
-          <a:ln>
-            <a:solidFill>
-              <a:schemeClr val="tx1"/>
-            </a:solidFill>
-          </a:ln>
-        </p:spPr>
-        <p:txBody>
-          <a:bodyPr wrap="square" rtlCol="0">
-            <a:spAutoFit/>
-          </a:bodyPr>
-          <a:lstStyle/>
-          <a:p>
-            <a:r>
-              <a:rPr lang="en-US" altLang="ko-KR" dirty="0"/>
-              <a:t>4</a:t>
-            </a:r>
-            <a:endParaRPr lang="ko-KR" altLang="en-US" dirty="0"/>
-          </a:p>
-        </p:txBody>
-      </p:sp>
-      <p:graphicFrame>
-        <p:nvGraphicFramePr>
-          <p:cNvPr id="15" name="표 14">
-            <a:extLst>
-              <a:ext uri="{FF2B5EF4-FFF2-40B4-BE49-F238E27FC236}">
-                <a16:creationId xmlns:a16="http://schemas.microsoft.com/office/drawing/2014/main" id="{75736383-8A1F-4547-95A4-E16C788DEC77}"/>
-              </a:ext>
-            </a:extLst>
-          </p:cNvPr>
-          <p:cNvGraphicFramePr>
-            <a:graphicFrameLocks noGrp="1"/>
-          </p:cNvGraphicFramePr>
-          <p:nvPr>
-            <p:extLst>
-              <p:ext uri="{D42A27DB-BD31-4B8C-83A1-F6EECF244321}">
-                <p14:modId xmlns:p14="http://schemas.microsoft.com/office/powerpoint/2010/main" val="3517103568"/>
-              </p:ext>
-            </p:extLst>
-          </p:nvPr>
-        </p:nvGraphicFramePr>
-        <p:xfrm>
-          <a:off x="2973142" y="1537391"/>
-          <a:ext cx="1625600" cy="365760"/>
-        </p:xfrm>
-        <a:graphic>
-          <a:graphicData uri="http://schemas.openxmlformats.org/drawingml/2006/table">
-            <a:tbl>
-              <a:tblPr firstRow="1" bandRow="1">
-                <a:tableStyleId>{5940675A-B579-460E-94D1-54222C63F5DA}</a:tableStyleId>
-              </a:tblPr>
-              <a:tblGrid>
-                <a:gridCol w="812800">
-                  <a:extLst>
-                    <a:ext uri="{9D8B030D-6E8A-4147-A177-3AD203B41FA5}">
-                      <a16:colId xmlns:a16="http://schemas.microsoft.com/office/drawing/2014/main" val="1879629432"/>
-                    </a:ext>
-                  </a:extLst>
-                </a:gridCol>
-                <a:gridCol w="812800">
-                  <a:extLst>
-                    <a:ext uri="{9D8B030D-6E8A-4147-A177-3AD203B41FA5}">
-                      <a16:colId xmlns:a16="http://schemas.microsoft.com/office/drawing/2014/main" val="1066870167"/>
-                    </a:ext>
-                  </a:extLst>
-                </a:gridCol>
-              </a:tblGrid>
-              <a:tr h="135866">
-                <a:tc>
-                  <a:txBody>
-                    <a:bodyPr/>
-                    <a:lstStyle/>
-                    <a:p>
-                      <a:pPr latinLnBrk="1"/>
-                      <a:r>
-                        <a:rPr lang="en-US" altLang="ko-KR" dirty="0"/>
-                        <a:t>10</a:t>
-                      </a:r>
-                      <a:endParaRPr lang="ko-KR" altLang="en-US" dirty="0"/>
-                    </a:p>
-                  </a:txBody>
-                  <a:tcPr/>
-                </a:tc>
-                <a:tc>
-                  <a:txBody>
-                    <a:bodyPr/>
-                    <a:lstStyle/>
-                    <a:p>
-                      <a:pPr latinLnBrk="1"/>
-                      <a:r>
-                        <a:rPr lang="en-US" altLang="ko-KR" dirty="0"/>
-                        <a:t>15</a:t>
-                      </a:r>
-                      <a:endParaRPr lang="ko-KR" altLang="en-US" dirty="0"/>
-                    </a:p>
-                  </a:txBody>
-                  <a:tcPr/>
-                </a:tc>
-                <a:extLst>
-                  <a:ext uri="{0D108BD9-81ED-4DB2-BD59-A6C34878D82A}">
-                    <a16:rowId xmlns:a16="http://schemas.microsoft.com/office/drawing/2014/main" val="2249273213"/>
-                  </a:ext>
-                </a:extLst>
-              </a:tr>
-            </a:tbl>
-          </a:graphicData>
-        </a:graphic>
-      </p:graphicFrame>
-      <p:graphicFrame>
-        <p:nvGraphicFramePr>
-          <p:cNvPr id="16" name="표 15">
-            <a:extLst>
-              <a:ext uri="{FF2B5EF4-FFF2-40B4-BE49-F238E27FC236}">
-                <a16:creationId xmlns:a16="http://schemas.microsoft.com/office/drawing/2014/main" id="{847A1C6B-E80B-4497-98A1-786944C9A8BD}"/>
-              </a:ext>
-            </a:extLst>
-          </p:cNvPr>
-          <p:cNvGraphicFramePr>
-            <a:graphicFrameLocks noGrp="1"/>
-          </p:cNvGraphicFramePr>
-          <p:nvPr>
-            <p:extLst>
-              <p:ext uri="{D42A27DB-BD31-4B8C-83A1-F6EECF244321}">
-                <p14:modId xmlns:p14="http://schemas.microsoft.com/office/powerpoint/2010/main" val="1057177923"/>
-              </p:ext>
-            </p:extLst>
-          </p:nvPr>
-        </p:nvGraphicFramePr>
-        <p:xfrm>
-          <a:off x="2165690" y="2650945"/>
-          <a:ext cx="3251200" cy="370840"/>
-        </p:xfrm>
-        <a:graphic>
-          <a:graphicData uri="http://schemas.openxmlformats.org/drawingml/2006/table">
-            <a:tbl>
-              <a:tblPr firstRow="1" bandRow="1">
-                <a:tableStyleId>{5940675A-B579-460E-94D1-54222C63F5DA}</a:tableStyleId>
-              </a:tblPr>
-              <a:tblGrid>
-                <a:gridCol w="812800">
-                  <a:extLst>
-                    <a:ext uri="{9D8B030D-6E8A-4147-A177-3AD203B41FA5}">
-                      <a16:colId xmlns:a16="http://schemas.microsoft.com/office/drawing/2014/main" val="1879629432"/>
-                    </a:ext>
-                  </a:extLst>
-                </a:gridCol>
-                <a:gridCol w="812800">
-                  <a:extLst>
-                    <a:ext uri="{9D8B030D-6E8A-4147-A177-3AD203B41FA5}">
-                      <a16:colId xmlns:a16="http://schemas.microsoft.com/office/drawing/2014/main" val="1066870167"/>
-                    </a:ext>
-                  </a:extLst>
-                </a:gridCol>
-                <a:gridCol w="812800">
-                  <a:extLst>
-                    <a:ext uri="{9D8B030D-6E8A-4147-A177-3AD203B41FA5}">
-                      <a16:colId xmlns:a16="http://schemas.microsoft.com/office/drawing/2014/main" val="2593153309"/>
-                    </a:ext>
-                  </a:extLst>
-                </a:gridCol>
-                <a:gridCol w="812800">
-                  <a:extLst>
-                    <a:ext uri="{9D8B030D-6E8A-4147-A177-3AD203B41FA5}">
-                      <a16:colId xmlns:a16="http://schemas.microsoft.com/office/drawing/2014/main" val="1746865125"/>
-                    </a:ext>
-                  </a:extLst>
-                </a:gridCol>
-              </a:tblGrid>
-              <a:tr h="370840">
-                <a:tc>
-                  <a:txBody>
-                    <a:bodyPr/>
-                    <a:lstStyle/>
-                    <a:p>
-                      <a:pPr latinLnBrk="1"/>
-                      <a:r>
-                        <a:rPr lang="en-US" altLang="ko-KR" dirty="0"/>
-                        <a:t>18</a:t>
-                      </a:r>
-                      <a:endParaRPr lang="ko-KR" altLang="en-US" dirty="0"/>
-                    </a:p>
-                  </a:txBody>
-                  <a:tcPr/>
-                </a:tc>
-                <a:tc>
-                  <a:txBody>
-                    <a:bodyPr/>
-                    <a:lstStyle/>
-                    <a:p>
-                      <a:pPr latinLnBrk="1"/>
-                      <a:r>
-                        <a:rPr lang="en-US" altLang="ko-KR" dirty="0"/>
-                        <a:t>11</a:t>
-                      </a:r>
-                      <a:endParaRPr lang="ko-KR" altLang="en-US" dirty="0"/>
-                    </a:p>
-                  </a:txBody>
-                  <a:tcPr/>
-                </a:tc>
-                <a:tc>
-                  <a:txBody>
-                    <a:bodyPr/>
-                    <a:lstStyle/>
-                    <a:p>
-                      <a:pPr latinLnBrk="1"/>
-                      <a:r>
-                        <a:rPr lang="en-US" altLang="ko-KR" dirty="0"/>
-                        <a:t>16</a:t>
-                      </a:r>
-                      <a:endParaRPr lang="ko-KR" altLang="en-US" dirty="0"/>
-                    </a:p>
-                  </a:txBody>
-                  <a:tcPr/>
-                </a:tc>
-                <a:tc>
-                  <a:txBody>
-                    <a:bodyPr/>
-                    <a:lstStyle/>
-                    <a:p>
-                      <a:pPr latinLnBrk="1"/>
-                      <a:r>
-                        <a:rPr lang="en-US" altLang="ko-KR" dirty="0"/>
-                        <a:t>19</a:t>
-                      </a:r>
-                      <a:endParaRPr lang="ko-KR" altLang="en-US" dirty="0"/>
-                    </a:p>
-                  </a:txBody>
-                  <a:tcPr/>
-                </a:tc>
-                <a:extLst>
-                  <a:ext uri="{0D108BD9-81ED-4DB2-BD59-A6C34878D82A}">
-                    <a16:rowId xmlns:a16="http://schemas.microsoft.com/office/drawing/2014/main" val="2249273213"/>
-                  </a:ext>
-                </a:extLst>
-              </a:tr>
-            </a:tbl>
-          </a:graphicData>
-        </a:graphic>
-      </p:graphicFrame>
-      <p:graphicFrame>
-        <p:nvGraphicFramePr>
-          <p:cNvPr id="17" name="표 16">
-            <a:extLst>
-              <a:ext uri="{FF2B5EF4-FFF2-40B4-BE49-F238E27FC236}">
-                <a16:creationId xmlns:a16="http://schemas.microsoft.com/office/drawing/2014/main" id="{FF97D9DD-5A46-459F-92AB-40C377E16E02}"/>
-              </a:ext>
-            </a:extLst>
-          </p:cNvPr>
-          <p:cNvGraphicFramePr>
-            <a:graphicFrameLocks noGrp="1"/>
-          </p:cNvGraphicFramePr>
-          <p:nvPr>
-            <p:extLst>
-              <p:ext uri="{D42A27DB-BD31-4B8C-83A1-F6EECF244321}">
-                <p14:modId xmlns:p14="http://schemas.microsoft.com/office/powerpoint/2010/main" val="4058529769"/>
-              </p:ext>
-            </p:extLst>
-          </p:nvPr>
-        </p:nvGraphicFramePr>
-        <p:xfrm>
-          <a:off x="1251284" y="3768071"/>
-          <a:ext cx="5362508" cy="370840"/>
-        </p:xfrm>
-        <a:graphic>
-          <a:graphicData uri="http://schemas.openxmlformats.org/drawingml/2006/table">
-            <a:tbl>
-              <a:tblPr firstRow="1" bandRow="1">
-                <a:tableStyleId>{5940675A-B579-460E-94D1-54222C63F5DA}</a:tableStyleId>
-              </a:tblPr>
-              <a:tblGrid>
-                <a:gridCol w="1042737">
-                  <a:extLst>
-                    <a:ext uri="{9D8B030D-6E8A-4147-A177-3AD203B41FA5}">
-                      <a16:colId xmlns:a16="http://schemas.microsoft.com/office/drawing/2014/main" val="1879629432"/>
-                    </a:ext>
-                  </a:extLst>
-                </a:gridCol>
-                <a:gridCol w="802105">
-                  <a:extLst>
-                    <a:ext uri="{9D8B030D-6E8A-4147-A177-3AD203B41FA5}">
-                      <a16:colId xmlns:a16="http://schemas.microsoft.com/office/drawing/2014/main" val="1066870167"/>
-                    </a:ext>
-                  </a:extLst>
-                </a:gridCol>
-                <a:gridCol w="609600">
-                  <a:extLst>
-                    <a:ext uri="{9D8B030D-6E8A-4147-A177-3AD203B41FA5}">
-                      <a16:colId xmlns:a16="http://schemas.microsoft.com/office/drawing/2014/main" val="2593153309"/>
-                    </a:ext>
-                  </a:extLst>
-                </a:gridCol>
-                <a:gridCol w="792626">
-                  <a:extLst>
-                    <a:ext uri="{9D8B030D-6E8A-4147-A177-3AD203B41FA5}">
-                      <a16:colId xmlns:a16="http://schemas.microsoft.com/office/drawing/2014/main" val="1746865125"/>
-                    </a:ext>
-                  </a:extLst>
-                </a:gridCol>
-                <a:gridCol w="1064909">
-                  <a:extLst>
-                    <a:ext uri="{9D8B030D-6E8A-4147-A177-3AD203B41FA5}">
-                      <a16:colId xmlns:a16="http://schemas.microsoft.com/office/drawing/2014/main" val="1624038765"/>
-                    </a:ext>
-                  </a:extLst>
-                </a:gridCol>
-                <a:gridCol w="1050531">
-                  <a:extLst>
-                    <a:ext uri="{9D8B030D-6E8A-4147-A177-3AD203B41FA5}">
-                      <a16:colId xmlns:a16="http://schemas.microsoft.com/office/drawing/2014/main" val="3869276121"/>
-                    </a:ext>
-                  </a:extLst>
-                </a:gridCol>
-              </a:tblGrid>
-              <a:tr h="370840">
-                <a:tc>
-                  <a:txBody>
-                    <a:bodyPr/>
-                    <a:lstStyle/>
-                    <a:p>
-                      <a:pPr algn="l" latinLnBrk="1"/>
-                      <a:r>
-                        <a:rPr lang="en-US" altLang="ko-KR" dirty="0"/>
-                        <a:t>20</a:t>
-                      </a:r>
-                      <a:endParaRPr lang="ko-KR" altLang="en-US" dirty="0"/>
-                    </a:p>
-                  </a:txBody>
-                  <a:tcPr/>
-                </a:tc>
-                <a:tc>
-                  <a:txBody>
-                    <a:bodyPr/>
-                    <a:lstStyle/>
-                    <a:p>
-                      <a:pPr algn="r" latinLnBrk="1"/>
-                      <a:r>
-                        <a:rPr lang="en-US" altLang="ko-KR" dirty="0"/>
-                        <a:t>25</a:t>
-                      </a:r>
-                      <a:endParaRPr lang="ko-KR" altLang="en-US" dirty="0"/>
-                    </a:p>
-                  </a:txBody>
-                  <a:tcPr/>
-                </a:tc>
-                <a:tc>
-                  <a:txBody>
-                    <a:bodyPr/>
-                    <a:lstStyle/>
-                    <a:p>
-                      <a:pPr algn="l" latinLnBrk="1"/>
-                      <a:r>
-                        <a:rPr lang="en-US" altLang="ko-KR" dirty="0"/>
-                        <a:t>18</a:t>
-                      </a:r>
-                      <a:endParaRPr lang="ko-KR" altLang="en-US" dirty="0"/>
-                    </a:p>
-                  </a:txBody>
-                  <a:tcPr/>
-                </a:tc>
-                <a:tc>
-                  <a:txBody>
-                    <a:bodyPr/>
-                    <a:lstStyle/>
-                    <a:p>
-                      <a:pPr algn="r" latinLnBrk="1"/>
-                      <a:r>
-                        <a:rPr lang="en-US" altLang="ko-KR" dirty="0"/>
-                        <a:t>15</a:t>
-                      </a:r>
-                      <a:endParaRPr lang="ko-KR" altLang="en-US" dirty="0"/>
-                    </a:p>
-                  </a:txBody>
-                  <a:tcPr/>
-                </a:tc>
-                <a:tc>
-                  <a:txBody>
-                    <a:bodyPr/>
-                    <a:lstStyle/>
-                    <a:p>
-                      <a:pPr algn="l" latinLnBrk="1"/>
-                      <a:r>
-                        <a:rPr lang="en-US" altLang="ko-KR" dirty="0"/>
-                        <a:t>20</a:t>
-                      </a:r>
-                      <a:endParaRPr lang="ko-KR" altLang="en-US" dirty="0"/>
-                    </a:p>
-                  </a:txBody>
-                  <a:tcPr/>
-                </a:tc>
-                <a:tc>
-                  <a:txBody>
-                    <a:bodyPr/>
-                    <a:lstStyle/>
-                    <a:p>
-                      <a:pPr algn="r" latinLnBrk="1"/>
-                      <a:r>
-                        <a:rPr lang="en-US" altLang="ko-KR" dirty="0"/>
-                        <a:t>23</a:t>
-                      </a:r>
-                      <a:endParaRPr lang="ko-KR" altLang="en-US" dirty="0"/>
-                    </a:p>
-                  </a:txBody>
-                  <a:tcPr/>
-                </a:tc>
-                <a:extLst>
-                  <a:ext uri="{0D108BD9-81ED-4DB2-BD59-A6C34878D82A}">
-                    <a16:rowId xmlns:a16="http://schemas.microsoft.com/office/drawing/2014/main" val="2249273213"/>
-                  </a:ext>
-                </a:extLst>
-              </a:tr>
-            </a:tbl>
-          </a:graphicData>
-        </a:graphic>
-      </p:graphicFrame>
-      <p:sp>
-        <p:nvSpPr>
-          <p:cNvPr id="18" name="TextBox 17">
-            <a:extLst>
-              <a:ext uri="{FF2B5EF4-FFF2-40B4-BE49-F238E27FC236}">
-                <a16:creationId xmlns:a16="http://schemas.microsoft.com/office/drawing/2014/main" id="{4A9FD7D8-111A-4FA6-9AD4-3E3A022B5E18}"/>
-              </a:ext>
-            </a:extLst>
-          </p:cNvPr>
-          <p:cNvSpPr txBox="1"/>
-          <p:nvPr/>
-        </p:nvSpPr>
-        <p:spPr>
-          <a:xfrm>
-            <a:off x="4784985" y="4254951"/>
-            <a:ext cx="705852" cy="369332"/>
-          </a:xfrm>
-          <a:prstGeom prst="rect">
-            <a:avLst/>
-          </a:prstGeom>
-          <a:solidFill>
-            <a:schemeClr val="bg1"/>
-          </a:solidFill>
-          <a:ln>
-            <a:solidFill>
-              <a:schemeClr val="tx1"/>
-            </a:solidFill>
-          </a:ln>
-        </p:spPr>
-        <p:txBody>
-          <a:bodyPr wrap="square" rtlCol="0">
-            <a:spAutoFit/>
-          </a:bodyPr>
-          <a:lstStyle/>
-          <a:p>
-            <a:r>
-              <a:rPr lang="en-US" altLang="ko-KR" dirty="0"/>
-              <a:t>6</a:t>
-            </a:r>
-            <a:endParaRPr lang="ko-KR" altLang="en-US" dirty="0"/>
-          </a:p>
-        </p:txBody>
-      </p:sp>
-      <p:sp>
-        <p:nvSpPr>
-          <p:cNvPr id="19" name="TextBox 18">
-            <a:extLst>
-              <a:ext uri="{FF2B5EF4-FFF2-40B4-BE49-F238E27FC236}">
-                <a16:creationId xmlns:a16="http://schemas.microsoft.com/office/drawing/2014/main" id="{3EFA879D-C7A0-4FFE-98B5-F027A54A73BC}"/>
-              </a:ext>
-            </a:extLst>
-          </p:cNvPr>
-          <p:cNvSpPr txBox="1"/>
-          <p:nvPr/>
-        </p:nvSpPr>
-        <p:spPr>
-          <a:xfrm>
-            <a:off x="3445930" y="4254951"/>
-            <a:ext cx="705852" cy="369332"/>
-          </a:xfrm>
-          <a:prstGeom prst="rect">
-            <a:avLst/>
-          </a:prstGeom>
-          <a:solidFill>
-            <a:schemeClr val="bg1"/>
-          </a:solidFill>
-          <a:ln>
-            <a:solidFill>
-              <a:schemeClr val="tx1"/>
-            </a:solidFill>
-          </a:ln>
-        </p:spPr>
-        <p:txBody>
-          <a:bodyPr wrap="square" rtlCol="0">
-            <a:spAutoFit/>
-          </a:bodyPr>
-          <a:lstStyle/>
-          <a:p>
-            <a:r>
-              <a:rPr lang="en-US" altLang="ko-KR" dirty="0"/>
-              <a:t>2</a:t>
-            </a:r>
-            <a:endParaRPr lang="ko-KR" altLang="en-US" dirty="0"/>
-          </a:p>
-        </p:txBody>
-      </p:sp>
-      <p:sp>
-        <p:nvSpPr>
-          <p:cNvPr id="20" name="TextBox 19">
-            <a:extLst>
-              <a:ext uri="{FF2B5EF4-FFF2-40B4-BE49-F238E27FC236}">
-                <a16:creationId xmlns:a16="http://schemas.microsoft.com/office/drawing/2014/main" id="{AE623E68-10AF-4A29-B117-88A12C708A03}"/>
-              </a:ext>
-            </a:extLst>
-          </p:cNvPr>
-          <p:cNvSpPr txBox="1"/>
-          <p:nvPr/>
-        </p:nvSpPr>
-        <p:spPr>
-          <a:xfrm>
-            <a:off x="2064101" y="4254951"/>
-            <a:ext cx="705852" cy="369332"/>
-          </a:xfrm>
-          <a:prstGeom prst="rect">
-            <a:avLst/>
-          </a:prstGeom>
-          <a:solidFill>
-            <a:schemeClr val="bg1"/>
-          </a:solidFill>
-          <a:ln>
-            <a:solidFill>
-              <a:schemeClr val="tx1"/>
-            </a:solidFill>
-          </a:ln>
-        </p:spPr>
-        <p:txBody>
-          <a:bodyPr wrap="square" rtlCol="0">
-            <a:spAutoFit/>
-          </a:bodyPr>
-          <a:lstStyle/>
-          <a:p>
-            <a:r>
-              <a:rPr lang="en-US" altLang="ko-KR" dirty="0"/>
-              <a:t>5</a:t>
-            </a:r>
-            <a:endParaRPr lang="ko-KR" altLang="en-US" dirty="0"/>
-          </a:p>
-        </p:txBody>
-      </p:sp>
-      <p:sp>
-        <p:nvSpPr>
-          <p:cNvPr id="21" name="TextBox 20">
-            <a:extLst>
-              <a:ext uri="{FF2B5EF4-FFF2-40B4-BE49-F238E27FC236}">
-                <a16:creationId xmlns:a16="http://schemas.microsoft.com/office/drawing/2014/main" id="{274A46FC-21EA-4FB6-8011-AB1675EE2665}"/>
-              </a:ext>
-            </a:extLst>
-          </p:cNvPr>
-          <p:cNvSpPr txBox="1"/>
-          <p:nvPr/>
-        </p:nvSpPr>
-        <p:spPr>
-          <a:xfrm>
-            <a:off x="705866" y="4254951"/>
-            <a:ext cx="705852" cy="369332"/>
-          </a:xfrm>
-          <a:prstGeom prst="rect">
-            <a:avLst/>
-          </a:prstGeom>
-          <a:solidFill>
-            <a:schemeClr val="bg1"/>
-          </a:solidFill>
-          <a:ln>
-            <a:solidFill>
-              <a:schemeClr val="tx1"/>
-            </a:solidFill>
-          </a:ln>
-        </p:spPr>
-        <p:txBody>
-          <a:bodyPr wrap="square" rtlCol="0">
-            <a:spAutoFit/>
-          </a:bodyPr>
-          <a:lstStyle/>
-          <a:p>
-            <a:r>
-              <a:rPr lang="en-US" altLang="ko-KR" dirty="0"/>
-              <a:t>4</a:t>
-            </a:r>
-            <a:endParaRPr lang="ko-KR" altLang="en-US" dirty="0"/>
-          </a:p>
-        </p:txBody>
-      </p:sp>
-      <p:sp>
-        <p:nvSpPr>
-          <p:cNvPr id="22" name="TextBox 21">
-            <a:extLst>
-              <a:ext uri="{FF2B5EF4-FFF2-40B4-BE49-F238E27FC236}">
-                <a16:creationId xmlns:a16="http://schemas.microsoft.com/office/drawing/2014/main" id="{8B7DDD49-731E-4CD7-8A78-60A6063391AF}"/>
-              </a:ext>
-            </a:extLst>
-          </p:cNvPr>
-          <p:cNvSpPr txBox="1"/>
-          <p:nvPr/>
-        </p:nvSpPr>
-        <p:spPr>
-          <a:xfrm>
-            <a:off x="6213640" y="4256410"/>
-            <a:ext cx="705852" cy="369332"/>
-          </a:xfrm>
-          <a:prstGeom prst="rect">
-            <a:avLst/>
-          </a:prstGeom>
-          <a:solidFill>
-            <a:schemeClr val="bg1"/>
-          </a:solidFill>
-          <a:ln>
-            <a:solidFill>
-              <a:schemeClr val="tx1"/>
-            </a:solidFill>
-          </a:ln>
-        </p:spPr>
-        <p:txBody>
-          <a:bodyPr wrap="square" rtlCol="0">
-            <a:spAutoFit/>
-          </a:bodyPr>
-          <a:lstStyle/>
-          <a:p>
-            <a:r>
-              <a:rPr lang="en-US" altLang="ko-KR" dirty="0"/>
-              <a:t>5</a:t>
-            </a:r>
-            <a:endParaRPr lang="ko-KR" altLang="en-US" dirty="0"/>
-          </a:p>
-        </p:txBody>
-      </p:sp>
-      <p:graphicFrame>
-        <p:nvGraphicFramePr>
-          <p:cNvPr id="25" name="표 24">
-            <a:extLst>
-              <a:ext uri="{FF2B5EF4-FFF2-40B4-BE49-F238E27FC236}">
-                <a16:creationId xmlns:a16="http://schemas.microsoft.com/office/drawing/2014/main" id="{FC9AF22E-04DC-4A1A-8A55-4D8D3F978686}"/>
-              </a:ext>
-            </a:extLst>
-          </p:cNvPr>
-          <p:cNvGraphicFramePr>
-            <a:graphicFrameLocks noGrp="1"/>
-          </p:cNvGraphicFramePr>
-          <p:nvPr>
-            <p:extLst>
-              <p:ext uri="{D42A27DB-BD31-4B8C-83A1-F6EECF244321}">
-                <p14:modId xmlns:p14="http://schemas.microsoft.com/office/powerpoint/2010/main" val="3198816231"/>
-              </p:ext>
-            </p:extLst>
-          </p:nvPr>
-        </p:nvGraphicFramePr>
-        <p:xfrm>
-          <a:off x="411754" y="4845468"/>
-          <a:ext cx="1080168" cy="1483360"/>
-        </p:xfrm>
-        <a:graphic>
-          <a:graphicData uri="http://schemas.openxmlformats.org/drawingml/2006/table">
-            <a:tbl>
-              <a:tblPr firstRow="1" bandRow="1">
-                <a:tableStyleId>{5940675A-B579-460E-94D1-54222C63F5DA}</a:tableStyleId>
-              </a:tblPr>
-              <a:tblGrid>
-                <a:gridCol w="1080168">
-                  <a:extLst>
-                    <a:ext uri="{9D8B030D-6E8A-4147-A177-3AD203B41FA5}">
-                      <a16:colId xmlns:a16="http://schemas.microsoft.com/office/drawing/2014/main" val="2455919646"/>
-                    </a:ext>
-                  </a:extLst>
-                </a:gridCol>
-              </a:tblGrid>
-              <a:tr h="370840">
-                <a:tc>
-                  <a:txBody>
-                    <a:bodyPr/>
-                    <a:lstStyle/>
-                    <a:p>
-                      <a:pPr latinLnBrk="1"/>
-                      <a:r>
-                        <a:rPr lang="en-US" altLang="ko-KR" dirty="0"/>
-                        <a:t>24</a:t>
-                      </a:r>
-                      <a:endParaRPr lang="ko-KR" altLang="en-US" dirty="0"/>
-                    </a:p>
-                  </a:txBody>
-                  <a:tcPr/>
-                </a:tc>
-                <a:extLst>
-                  <a:ext uri="{0D108BD9-81ED-4DB2-BD59-A6C34878D82A}">
-                    <a16:rowId xmlns:a16="http://schemas.microsoft.com/office/drawing/2014/main" val="1959362170"/>
-                  </a:ext>
-                </a:extLst>
-              </a:tr>
-              <a:tr h="370840">
-                <a:tc>
-                  <a:txBody>
-                    <a:bodyPr/>
-                    <a:lstStyle/>
-                    <a:p>
-                      <a:pPr latinLnBrk="1"/>
-                      <a:endParaRPr lang="ko-KR" altLang="en-US"/>
-                    </a:p>
-                  </a:txBody>
-                  <a:tcPr/>
-                </a:tc>
-                <a:extLst>
-                  <a:ext uri="{0D108BD9-81ED-4DB2-BD59-A6C34878D82A}">
-                    <a16:rowId xmlns:a16="http://schemas.microsoft.com/office/drawing/2014/main" val="1227543220"/>
-                  </a:ext>
-                </a:extLst>
-              </a:tr>
-              <a:tr h="370840">
-                <a:tc>
-                  <a:txBody>
-                    <a:bodyPr/>
-                    <a:lstStyle/>
-                    <a:p>
-                      <a:pPr latinLnBrk="1"/>
-                      <a:endParaRPr lang="ko-KR" altLang="en-US"/>
-                    </a:p>
-                  </a:txBody>
-                  <a:tcPr/>
-                </a:tc>
-                <a:extLst>
-                  <a:ext uri="{0D108BD9-81ED-4DB2-BD59-A6C34878D82A}">
-                    <a16:rowId xmlns:a16="http://schemas.microsoft.com/office/drawing/2014/main" val="1602073894"/>
-                  </a:ext>
-                </a:extLst>
-              </a:tr>
-              <a:tr h="370840">
-                <a:tc>
-                  <a:txBody>
-                    <a:bodyPr/>
-                    <a:lstStyle/>
-                    <a:p>
-                      <a:pPr latinLnBrk="1"/>
-                      <a:endParaRPr lang="ko-KR" altLang="en-US" dirty="0"/>
-                    </a:p>
-                  </a:txBody>
-                  <a:tcPr/>
-                </a:tc>
-                <a:extLst>
-                  <a:ext uri="{0D108BD9-81ED-4DB2-BD59-A6C34878D82A}">
-                    <a16:rowId xmlns:a16="http://schemas.microsoft.com/office/drawing/2014/main" val="700495409"/>
-                  </a:ext>
-                </a:extLst>
-              </a:tr>
-            </a:tbl>
-          </a:graphicData>
-        </a:graphic>
-      </p:graphicFrame>
-      <p:graphicFrame>
-        <p:nvGraphicFramePr>
-          <p:cNvPr id="26" name="표 25">
-            <a:extLst>
-              <a:ext uri="{FF2B5EF4-FFF2-40B4-BE49-F238E27FC236}">
-                <a16:creationId xmlns:a16="http://schemas.microsoft.com/office/drawing/2014/main" id="{52AF2DEC-C318-4029-AD40-94D27A321B73}"/>
-              </a:ext>
-            </a:extLst>
-          </p:cNvPr>
-          <p:cNvGraphicFramePr>
-            <a:graphicFrameLocks noGrp="1"/>
-          </p:cNvGraphicFramePr>
-          <p:nvPr>
-            <p:extLst>
-              <p:ext uri="{D42A27DB-BD31-4B8C-83A1-F6EECF244321}">
-                <p14:modId xmlns:p14="http://schemas.microsoft.com/office/powerpoint/2010/main" val="317096860"/>
-              </p:ext>
-            </p:extLst>
-          </p:nvPr>
-        </p:nvGraphicFramePr>
-        <p:xfrm>
-          <a:off x="1876943" y="4845468"/>
-          <a:ext cx="1080168" cy="1483360"/>
-        </p:xfrm>
-        <a:graphic>
-          <a:graphicData uri="http://schemas.openxmlformats.org/drawingml/2006/table">
-            <a:tbl>
-              <a:tblPr firstRow="1" bandRow="1">
-                <a:tableStyleId>{5940675A-B579-460E-94D1-54222C63F5DA}</a:tableStyleId>
-              </a:tblPr>
-              <a:tblGrid>
-                <a:gridCol w="1080168">
-                  <a:extLst>
-                    <a:ext uri="{9D8B030D-6E8A-4147-A177-3AD203B41FA5}">
-                      <a16:colId xmlns:a16="http://schemas.microsoft.com/office/drawing/2014/main" val="2455919646"/>
-                    </a:ext>
-                  </a:extLst>
-                </a:gridCol>
-              </a:tblGrid>
-              <a:tr h="370840">
-                <a:tc>
-                  <a:txBody>
-                    <a:bodyPr/>
-                    <a:lstStyle/>
-                    <a:p>
-                      <a:pPr latinLnBrk="1"/>
-                      <a:r>
-                        <a:rPr lang="en-US" altLang="ko-KR" dirty="0"/>
-                        <a:t>25</a:t>
-                      </a:r>
-                      <a:endParaRPr lang="ko-KR" altLang="en-US" dirty="0"/>
-                    </a:p>
-                  </a:txBody>
-                  <a:tcPr/>
-                </a:tc>
-                <a:extLst>
-                  <a:ext uri="{0D108BD9-81ED-4DB2-BD59-A6C34878D82A}">
-                    <a16:rowId xmlns:a16="http://schemas.microsoft.com/office/drawing/2014/main" val="1959362170"/>
-                  </a:ext>
-                </a:extLst>
-              </a:tr>
-              <a:tr h="370840">
-                <a:tc>
-                  <a:txBody>
-                    <a:bodyPr/>
-                    <a:lstStyle/>
-                    <a:p>
-                      <a:pPr latinLnBrk="1"/>
-                      <a:r>
-                        <a:rPr lang="en-US" altLang="ko-KR" dirty="0"/>
-                        <a:t>30</a:t>
-                      </a:r>
-                      <a:endParaRPr lang="ko-KR" altLang="en-US" dirty="0"/>
-                    </a:p>
-                  </a:txBody>
-                  <a:tcPr/>
-                </a:tc>
-                <a:extLst>
-                  <a:ext uri="{0D108BD9-81ED-4DB2-BD59-A6C34878D82A}">
-                    <a16:rowId xmlns:a16="http://schemas.microsoft.com/office/drawing/2014/main" val="1227543220"/>
-                  </a:ext>
-                </a:extLst>
-              </a:tr>
-              <a:tr h="370840">
-                <a:tc>
-                  <a:txBody>
-                    <a:bodyPr/>
-                    <a:lstStyle/>
-                    <a:p>
-                      <a:pPr latinLnBrk="1"/>
-                      <a:r>
-                        <a:rPr lang="en-US" altLang="ko-KR" dirty="0"/>
-                        <a:t>23</a:t>
-                      </a:r>
-                      <a:endParaRPr lang="ko-KR" altLang="en-US" dirty="0"/>
-                    </a:p>
-                  </a:txBody>
-                  <a:tcPr/>
-                </a:tc>
-                <a:extLst>
-                  <a:ext uri="{0D108BD9-81ED-4DB2-BD59-A6C34878D82A}">
-                    <a16:rowId xmlns:a16="http://schemas.microsoft.com/office/drawing/2014/main" val="1602073894"/>
-                  </a:ext>
-                </a:extLst>
-              </a:tr>
-              <a:tr h="370840">
-                <a:tc>
-                  <a:txBody>
-                    <a:bodyPr/>
-                    <a:lstStyle/>
-                    <a:p>
-                      <a:pPr latinLnBrk="1"/>
-                      <a:endParaRPr lang="ko-KR" altLang="en-US" dirty="0"/>
-                    </a:p>
-                  </a:txBody>
-                  <a:tcPr/>
-                </a:tc>
-                <a:extLst>
-                  <a:ext uri="{0D108BD9-81ED-4DB2-BD59-A6C34878D82A}">
-                    <a16:rowId xmlns:a16="http://schemas.microsoft.com/office/drawing/2014/main" val="700495409"/>
-                  </a:ext>
-                </a:extLst>
-              </a:tr>
-            </a:tbl>
-          </a:graphicData>
-        </a:graphic>
-      </p:graphicFrame>
-      <p:graphicFrame>
-        <p:nvGraphicFramePr>
-          <p:cNvPr id="27" name="표 26">
-            <a:extLst>
-              <a:ext uri="{FF2B5EF4-FFF2-40B4-BE49-F238E27FC236}">
-                <a16:creationId xmlns:a16="http://schemas.microsoft.com/office/drawing/2014/main" id="{F0E599EF-04E4-4F1B-8680-6C29DAB19D62}"/>
-              </a:ext>
-            </a:extLst>
-          </p:cNvPr>
-          <p:cNvGraphicFramePr>
-            <a:graphicFrameLocks noGrp="1"/>
-          </p:cNvGraphicFramePr>
-          <p:nvPr>
-            <p:extLst>
-              <p:ext uri="{D42A27DB-BD31-4B8C-83A1-F6EECF244321}">
-                <p14:modId xmlns:p14="http://schemas.microsoft.com/office/powerpoint/2010/main" val="3482916040"/>
-              </p:ext>
-            </p:extLst>
-          </p:nvPr>
-        </p:nvGraphicFramePr>
-        <p:xfrm>
-          <a:off x="3245858" y="4845468"/>
-          <a:ext cx="1080168" cy="1483360"/>
-        </p:xfrm>
-        <a:graphic>
-          <a:graphicData uri="http://schemas.openxmlformats.org/drawingml/2006/table">
-            <a:tbl>
-              <a:tblPr firstRow="1" bandRow="1">
-                <a:tableStyleId>{5940675A-B579-460E-94D1-54222C63F5DA}</a:tableStyleId>
-              </a:tblPr>
-              <a:tblGrid>
-                <a:gridCol w="1080168">
-                  <a:extLst>
-                    <a:ext uri="{9D8B030D-6E8A-4147-A177-3AD203B41FA5}">
-                      <a16:colId xmlns:a16="http://schemas.microsoft.com/office/drawing/2014/main" val="2455919646"/>
-                    </a:ext>
-                  </a:extLst>
-                </a:gridCol>
-              </a:tblGrid>
-              <a:tr h="370840">
-                <a:tc>
-                  <a:txBody>
-                    <a:bodyPr/>
-                    <a:lstStyle/>
-                    <a:p>
-                      <a:pPr latinLnBrk="1"/>
-                      <a:r>
-                        <a:rPr lang="en-US" altLang="ko-KR" dirty="0"/>
-                        <a:t>27</a:t>
-                      </a:r>
-                      <a:endParaRPr lang="ko-KR" altLang="en-US" dirty="0"/>
-                    </a:p>
-                  </a:txBody>
-                  <a:tcPr/>
-                </a:tc>
-                <a:extLst>
-                  <a:ext uri="{0D108BD9-81ED-4DB2-BD59-A6C34878D82A}">
-                    <a16:rowId xmlns:a16="http://schemas.microsoft.com/office/drawing/2014/main" val="1959362170"/>
-                  </a:ext>
-                </a:extLst>
-              </a:tr>
-              <a:tr h="370840">
-                <a:tc>
-                  <a:txBody>
-                    <a:bodyPr/>
-                    <a:lstStyle/>
-                    <a:p>
-                      <a:pPr latinLnBrk="1"/>
-                      <a:r>
-                        <a:rPr lang="en-US" altLang="ko-KR" dirty="0"/>
-                        <a:t>20</a:t>
-                      </a:r>
-                      <a:endParaRPr lang="ko-KR" altLang="en-US" dirty="0"/>
-                    </a:p>
-                  </a:txBody>
-                  <a:tcPr/>
-                </a:tc>
-                <a:extLst>
-                  <a:ext uri="{0D108BD9-81ED-4DB2-BD59-A6C34878D82A}">
-                    <a16:rowId xmlns:a16="http://schemas.microsoft.com/office/drawing/2014/main" val="1227543220"/>
-                  </a:ext>
-                </a:extLst>
-              </a:tr>
-              <a:tr h="370840">
-                <a:tc>
-                  <a:txBody>
-                    <a:bodyPr/>
-                    <a:lstStyle/>
-                    <a:p>
-                      <a:pPr latinLnBrk="1"/>
-                      <a:r>
-                        <a:rPr lang="en-US" altLang="ko-KR" dirty="0"/>
-                        <a:t>17</a:t>
-                      </a:r>
-                      <a:endParaRPr lang="ko-KR" altLang="en-US" dirty="0"/>
-                    </a:p>
-                  </a:txBody>
-                  <a:tcPr/>
-                </a:tc>
-                <a:extLst>
-                  <a:ext uri="{0D108BD9-81ED-4DB2-BD59-A6C34878D82A}">
-                    <a16:rowId xmlns:a16="http://schemas.microsoft.com/office/drawing/2014/main" val="1602073894"/>
-                  </a:ext>
-                </a:extLst>
-              </a:tr>
-              <a:tr h="370840">
-                <a:tc>
-                  <a:txBody>
-                    <a:bodyPr/>
-                    <a:lstStyle/>
-                    <a:p>
-                      <a:pPr latinLnBrk="1"/>
-                      <a:r>
-                        <a:rPr lang="en-US" altLang="ko-KR" dirty="0"/>
-                        <a:t>22</a:t>
-                      </a:r>
-                      <a:endParaRPr lang="ko-KR" altLang="en-US" dirty="0"/>
-                    </a:p>
-                  </a:txBody>
-                  <a:tcPr/>
-                </a:tc>
-                <a:extLst>
-                  <a:ext uri="{0D108BD9-81ED-4DB2-BD59-A6C34878D82A}">
-                    <a16:rowId xmlns:a16="http://schemas.microsoft.com/office/drawing/2014/main" val="700495409"/>
-                  </a:ext>
-                </a:extLst>
-              </a:tr>
-            </a:tbl>
-          </a:graphicData>
-        </a:graphic>
-      </p:graphicFrame>
-      <p:graphicFrame>
-        <p:nvGraphicFramePr>
-          <p:cNvPr id="28" name="표 27">
-            <a:extLst>
-              <a:ext uri="{FF2B5EF4-FFF2-40B4-BE49-F238E27FC236}">
-                <a16:creationId xmlns:a16="http://schemas.microsoft.com/office/drawing/2014/main" id="{680F844F-BBF8-442B-ABE9-CB0C4F99C1CF}"/>
-              </a:ext>
-            </a:extLst>
-          </p:cNvPr>
-          <p:cNvGraphicFramePr>
-            <a:graphicFrameLocks noGrp="1"/>
-          </p:cNvGraphicFramePr>
-          <p:nvPr>
-            <p:extLst>
-              <p:ext uri="{D42A27DB-BD31-4B8C-83A1-F6EECF244321}">
-                <p14:modId xmlns:p14="http://schemas.microsoft.com/office/powerpoint/2010/main" val="2816833636"/>
-              </p:ext>
-            </p:extLst>
-          </p:nvPr>
-        </p:nvGraphicFramePr>
-        <p:xfrm>
-          <a:off x="4614773" y="4845468"/>
-          <a:ext cx="1080168" cy="1483360"/>
-        </p:xfrm>
-        <a:graphic>
-          <a:graphicData uri="http://schemas.openxmlformats.org/drawingml/2006/table">
-            <a:tbl>
-              <a:tblPr firstRow="1" bandRow="1">
-                <a:tableStyleId>{5940675A-B579-460E-94D1-54222C63F5DA}</a:tableStyleId>
-              </a:tblPr>
-              <a:tblGrid>
-                <a:gridCol w="1080168">
-                  <a:extLst>
-                    <a:ext uri="{9D8B030D-6E8A-4147-A177-3AD203B41FA5}">
-                      <a16:colId xmlns:a16="http://schemas.microsoft.com/office/drawing/2014/main" val="2455919646"/>
-                    </a:ext>
-                  </a:extLst>
-                </a:gridCol>
-              </a:tblGrid>
-              <a:tr h="370840">
-                <a:tc>
-                  <a:txBody>
-                    <a:bodyPr/>
-                    <a:lstStyle/>
-                    <a:p>
-                      <a:pPr latinLnBrk="1"/>
-                      <a:r>
-                        <a:rPr lang="en-US" altLang="ko-KR" dirty="0"/>
-                        <a:t>21</a:t>
-                      </a:r>
-                      <a:endParaRPr lang="ko-KR" altLang="en-US" dirty="0"/>
-                    </a:p>
-                  </a:txBody>
-                  <a:tcPr/>
-                </a:tc>
-                <a:extLst>
-                  <a:ext uri="{0D108BD9-81ED-4DB2-BD59-A6C34878D82A}">
-                    <a16:rowId xmlns:a16="http://schemas.microsoft.com/office/drawing/2014/main" val="1959362170"/>
-                  </a:ext>
-                </a:extLst>
-              </a:tr>
-              <a:tr h="370840">
-                <a:tc>
-                  <a:txBody>
-                    <a:bodyPr/>
-                    <a:lstStyle/>
-                    <a:p>
-                      <a:pPr latinLnBrk="1"/>
-                      <a:r>
-                        <a:rPr lang="en-US" altLang="ko-KR" dirty="0"/>
-                        <a:t>26</a:t>
-                      </a:r>
-                      <a:endParaRPr lang="ko-KR" altLang="en-US" dirty="0"/>
-                    </a:p>
-                  </a:txBody>
-                  <a:tcPr/>
-                </a:tc>
-                <a:extLst>
-                  <a:ext uri="{0D108BD9-81ED-4DB2-BD59-A6C34878D82A}">
-                    <a16:rowId xmlns:a16="http://schemas.microsoft.com/office/drawing/2014/main" val="1227543220"/>
-                  </a:ext>
-                </a:extLst>
-              </a:tr>
-              <a:tr h="370840">
-                <a:tc>
-                  <a:txBody>
-                    <a:bodyPr/>
-                    <a:lstStyle/>
-                    <a:p>
-                      <a:pPr latinLnBrk="1"/>
-                      <a:r>
-                        <a:rPr lang="en-US" altLang="ko-KR" dirty="0"/>
-                        <a:t>29</a:t>
-                      </a:r>
-                      <a:endParaRPr lang="ko-KR" altLang="en-US" dirty="0"/>
-                    </a:p>
-                  </a:txBody>
-                  <a:tcPr/>
-                </a:tc>
-                <a:extLst>
-                  <a:ext uri="{0D108BD9-81ED-4DB2-BD59-A6C34878D82A}">
-                    <a16:rowId xmlns:a16="http://schemas.microsoft.com/office/drawing/2014/main" val="1602073894"/>
-                  </a:ext>
-                </a:extLst>
-              </a:tr>
-              <a:tr h="370840">
-                <a:tc>
-                  <a:txBody>
-                    <a:bodyPr/>
-                    <a:lstStyle/>
-                    <a:p>
-                      <a:pPr latinLnBrk="1"/>
-                      <a:endParaRPr lang="ko-KR" altLang="en-US" dirty="0"/>
-                    </a:p>
-                  </a:txBody>
-                  <a:tcPr/>
-                </a:tc>
-                <a:extLst>
-                  <a:ext uri="{0D108BD9-81ED-4DB2-BD59-A6C34878D82A}">
-                    <a16:rowId xmlns:a16="http://schemas.microsoft.com/office/drawing/2014/main" val="700495409"/>
-                  </a:ext>
-                </a:extLst>
-              </a:tr>
-            </a:tbl>
-          </a:graphicData>
-        </a:graphic>
-      </p:graphicFrame>
-      <p:graphicFrame>
-        <p:nvGraphicFramePr>
-          <p:cNvPr id="29" name="표 28">
-            <a:extLst>
-              <a:ext uri="{FF2B5EF4-FFF2-40B4-BE49-F238E27FC236}">
-                <a16:creationId xmlns:a16="http://schemas.microsoft.com/office/drawing/2014/main" id="{DB170A8D-D589-4F3E-A14F-0321D1C73870}"/>
-              </a:ext>
-            </a:extLst>
-          </p:cNvPr>
-          <p:cNvGraphicFramePr>
-            <a:graphicFrameLocks noGrp="1"/>
-          </p:cNvGraphicFramePr>
-          <p:nvPr>
-            <p:extLst>
-              <p:ext uri="{D42A27DB-BD31-4B8C-83A1-F6EECF244321}">
-                <p14:modId xmlns:p14="http://schemas.microsoft.com/office/powerpoint/2010/main" val="1657638161"/>
-              </p:ext>
-            </p:extLst>
-          </p:nvPr>
-        </p:nvGraphicFramePr>
-        <p:xfrm>
-          <a:off x="6020209" y="4845468"/>
-          <a:ext cx="1080168" cy="1483360"/>
-        </p:xfrm>
-        <a:graphic>
-          <a:graphicData uri="http://schemas.openxmlformats.org/drawingml/2006/table">
-            <a:tbl>
-              <a:tblPr firstRow="1" bandRow="1">
-                <a:tableStyleId>{5940675A-B579-460E-94D1-54222C63F5DA}</a:tableStyleId>
-              </a:tblPr>
-              <a:tblGrid>
-                <a:gridCol w="1080168">
-                  <a:extLst>
-                    <a:ext uri="{9D8B030D-6E8A-4147-A177-3AD203B41FA5}">
-                      <a16:colId xmlns:a16="http://schemas.microsoft.com/office/drawing/2014/main" val="2455919646"/>
-                    </a:ext>
-                  </a:extLst>
-                </a:gridCol>
-              </a:tblGrid>
-              <a:tr h="370840">
-                <a:tc>
-                  <a:txBody>
-                    <a:bodyPr/>
-                    <a:lstStyle/>
-                    <a:p>
-                      <a:pPr latinLnBrk="1"/>
-                      <a:r>
-                        <a:rPr lang="en-US" altLang="ko-KR" dirty="0"/>
-                        <a:t>28</a:t>
-                      </a:r>
-                      <a:endParaRPr lang="ko-KR" altLang="en-US" dirty="0"/>
-                    </a:p>
-                  </a:txBody>
-                  <a:tcPr/>
-                </a:tc>
-                <a:extLst>
-                  <a:ext uri="{0D108BD9-81ED-4DB2-BD59-A6C34878D82A}">
-                    <a16:rowId xmlns:a16="http://schemas.microsoft.com/office/drawing/2014/main" val="1959362170"/>
-                  </a:ext>
-                </a:extLst>
-              </a:tr>
-              <a:tr h="370840">
-                <a:tc>
-                  <a:txBody>
-                    <a:bodyPr/>
-                    <a:lstStyle/>
-                    <a:p>
-                      <a:pPr latinLnBrk="1"/>
-                      <a:endParaRPr lang="ko-KR" altLang="en-US" dirty="0"/>
-                    </a:p>
-                  </a:txBody>
-                  <a:tcPr/>
-                </a:tc>
-                <a:extLst>
-                  <a:ext uri="{0D108BD9-81ED-4DB2-BD59-A6C34878D82A}">
-                    <a16:rowId xmlns:a16="http://schemas.microsoft.com/office/drawing/2014/main" val="1227543220"/>
-                  </a:ext>
-                </a:extLst>
-              </a:tr>
-              <a:tr h="370840">
-                <a:tc>
-                  <a:txBody>
-                    <a:bodyPr/>
-                    <a:lstStyle/>
-                    <a:p>
-                      <a:pPr latinLnBrk="1"/>
-                      <a:endParaRPr lang="ko-KR" altLang="en-US" dirty="0"/>
-                    </a:p>
-                  </a:txBody>
-                  <a:tcPr/>
-                </a:tc>
-                <a:extLst>
-                  <a:ext uri="{0D108BD9-81ED-4DB2-BD59-A6C34878D82A}">
-                    <a16:rowId xmlns:a16="http://schemas.microsoft.com/office/drawing/2014/main" val="1602073894"/>
-                  </a:ext>
-                </a:extLst>
-              </a:tr>
-              <a:tr h="370840">
-                <a:tc>
-                  <a:txBody>
-                    <a:bodyPr/>
-                    <a:lstStyle/>
-                    <a:p>
-                      <a:pPr latinLnBrk="1"/>
-                      <a:endParaRPr lang="ko-KR" altLang="en-US" dirty="0"/>
-                    </a:p>
-                  </a:txBody>
-                  <a:tcPr/>
-                </a:tc>
-                <a:extLst>
-                  <a:ext uri="{0D108BD9-81ED-4DB2-BD59-A6C34878D82A}">
-                    <a16:rowId xmlns:a16="http://schemas.microsoft.com/office/drawing/2014/main" val="700495409"/>
-                  </a:ext>
-                </a:extLst>
-              </a:tr>
-            </a:tbl>
-          </a:graphicData>
-        </a:graphic>
-      </p:graphicFrame>
-    </p:spTree>
-    <p:extLst>
-      <p:ext uri="{BB962C8B-B14F-4D97-AF65-F5344CB8AC3E}">
-        <p14:creationId xmlns:p14="http://schemas.microsoft.com/office/powerpoint/2010/main" val="850369070"/>
-      </p:ext>
-    </p:extLst>
-  </p:cSld>
-  <p:clrMapOvr>
-    <a:masterClrMapping/>
-  </p:clrMapOvr>
-</p:sld>
-</file>
-
-<file path=ppt/slides/slide3.xml><?xml version="1.0" encoding="utf-8"?>
 <p:sld xmlns:a="http://schemas.openxmlformats.org/drawingml/2006/main" xmlns:r="http://schemas.openxmlformats.org/officeDocument/2006/relationships" xmlns:p="http://schemas.openxmlformats.org/presentationml/2006/main">
   <p:cSld>
     <p:spTree>
@@ -10395,6 +6332,1229 @@
 </p:sld>
 </file>
 
+<file path=ppt/slides/slide2.xml><?xml version="1.0" encoding="utf-8"?>
+<p:sld xmlns:a="http://schemas.openxmlformats.org/drawingml/2006/main" xmlns:r="http://schemas.openxmlformats.org/officeDocument/2006/relationships" xmlns:p="http://schemas.openxmlformats.org/presentationml/2006/main">
+  <p:cSld>
+    <p:spTree>
+      <p:nvGrpSpPr>
+        <p:cNvPr id="1" name=""/>
+        <p:cNvGrpSpPr/>
+        <p:nvPr/>
+      </p:nvGrpSpPr>
+      <p:grpSpPr>
+        <a:xfrm>
+          <a:off x="0" y="0"/>
+          <a:ext cx="0" cy="0"/>
+          <a:chOff x="0" y="0"/>
+          <a:chExt cx="0" cy="0"/>
+        </a:xfrm>
+      </p:grpSpPr>
+      <p:grpSp>
+        <p:nvGrpSpPr>
+          <p:cNvPr id="4" name="그룹 3">
+            <a:extLst>
+              <a:ext uri="{FF2B5EF4-FFF2-40B4-BE49-F238E27FC236}">
+                <a16:creationId xmlns:a16="http://schemas.microsoft.com/office/drawing/2014/main" id="{B2045A99-9A6F-4174-8D0E-66FC5D615791}"/>
+              </a:ext>
+            </a:extLst>
+          </p:cNvPr>
+          <p:cNvGrpSpPr/>
+          <p:nvPr/>
+        </p:nvGrpSpPr>
+        <p:grpSpPr>
+          <a:xfrm>
+            <a:off x="2268067" y="988487"/>
+            <a:ext cx="6213626" cy="4485193"/>
+            <a:chOff x="-4342045" y="3244334"/>
+            <a:chExt cx="6213626" cy="4485193"/>
+          </a:xfrm>
+        </p:grpSpPr>
+        <p:sp>
+          <p:nvSpPr>
+            <p:cNvPr id="5" name="TextBox 4">
+              <a:extLst>
+                <a:ext uri="{FF2B5EF4-FFF2-40B4-BE49-F238E27FC236}">
+                  <a16:creationId xmlns:a16="http://schemas.microsoft.com/office/drawing/2014/main" id="{F366A399-86A3-4A16-AC2D-68629ED47A7F}"/>
+                </a:ext>
+              </a:extLst>
+            </p:cNvPr>
+            <p:cNvSpPr txBox="1"/>
+            <p:nvPr/>
+          </p:nvSpPr>
+          <p:spPr>
+            <a:xfrm>
+              <a:off x="-1614895" y="3244334"/>
+              <a:ext cx="705852" cy="369332"/>
+            </a:xfrm>
+            <a:prstGeom prst="rect">
+              <a:avLst/>
+            </a:prstGeom>
+            <a:solidFill>
+              <a:schemeClr val="bg1"/>
+            </a:solidFill>
+            <a:ln>
+              <a:solidFill>
+                <a:schemeClr val="tx1"/>
+              </a:solidFill>
+            </a:ln>
+          </p:spPr>
+          <p:txBody>
+            <a:bodyPr wrap="square" rtlCol="0">
+              <a:spAutoFit/>
+            </a:bodyPr>
+            <a:lstStyle/>
+            <a:p>
+              <a:r>
+                <a:rPr lang="en-US" altLang="ko-KR" dirty="0"/>
+                <a:t>7</a:t>
+              </a:r>
+              <a:endParaRPr lang="ko-KR" altLang="en-US" dirty="0"/>
+            </a:p>
+          </p:txBody>
+        </p:sp>
+        <p:sp>
+          <p:nvSpPr>
+            <p:cNvPr id="6" name="TextBox 5">
+              <a:extLst>
+                <a:ext uri="{FF2B5EF4-FFF2-40B4-BE49-F238E27FC236}">
+                  <a16:creationId xmlns:a16="http://schemas.microsoft.com/office/drawing/2014/main" id="{C2E6C4E0-526F-447F-BDDB-CCF886F6F4CD}"/>
+                </a:ext>
+              </a:extLst>
+            </p:cNvPr>
+            <p:cNvSpPr txBox="1"/>
+            <p:nvPr/>
+          </p:nvSpPr>
+          <p:spPr>
+            <a:xfrm>
+              <a:off x="-2320747" y="4225101"/>
+              <a:ext cx="705852" cy="369332"/>
+            </a:xfrm>
+            <a:prstGeom prst="rect">
+              <a:avLst/>
+            </a:prstGeom>
+            <a:solidFill>
+              <a:schemeClr val="bg1"/>
+            </a:solidFill>
+            <a:ln>
+              <a:solidFill>
+                <a:schemeClr val="tx1"/>
+              </a:solidFill>
+            </a:ln>
+          </p:spPr>
+          <p:txBody>
+            <a:bodyPr wrap="square" rtlCol="0">
+              <a:spAutoFit/>
+            </a:bodyPr>
+            <a:lstStyle/>
+            <a:p>
+              <a:r>
+                <a:rPr lang="en-US" altLang="ko-KR" dirty="0"/>
+                <a:t>3</a:t>
+              </a:r>
+              <a:endParaRPr lang="ko-KR" altLang="en-US" dirty="0"/>
+            </a:p>
+          </p:txBody>
+        </p:sp>
+        <p:sp>
+          <p:nvSpPr>
+            <p:cNvPr id="7" name="TextBox 6">
+              <a:extLst>
+                <a:ext uri="{FF2B5EF4-FFF2-40B4-BE49-F238E27FC236}">
+                  <a16:creationId xmlns:a16="http://schemas.microsoft.com/office/drawing/2014/main" id="{E0591529-6078-441B-9F93-563EA7F5A7C5}"/>
+                </a:ext>
+              </a:extLst>
+            </p:cNvPr>
+            <p:cNvSpPr txBox="1"/>
+            <p:nvPr/>
+          </p:nvSpPr>
+          <p:spPr>
+            <a:xfrm>
+              <a:off x="-909043" y="4225101"/>
+              <a:ext cx="705852" cy="369332"/>
+            </a:xfrm>
+            <a:prstGeom prst="rect">
+              <a:avLst/>
+            </a:prstGeom>
+            <a:solidFill>
+              <a:schemeClr val="bg1"/>
+            </a:solidFill>
+            <a:ln>
+              <a:solidFill>
+                <a:schemeClr val="tx1"/>
+              </a:solidFill>
+            </a:ln>
+          </p:spPr>
+          <p:txBody>
+            <a:bodyPr wrap="square" rtlCol="0">
+              <a:spAutoFit/>
+            </a:bodyPr>
+            <a:lstStyle/>
+            <a:p>
+              <a:r>
+                <a:rPr lang="en-US" altLang="ko-KR" dirty="0"/>
+                <a:t>8</a:t>
+              </a:r>
+              <a:endParaRPr lang="ko-KR" altLang="en-US" dirty="0"/>
+            </a:p>
+          </p:txBody>
+        </p:sp>
+        <p:sp>
+          <p:nvSpPr>
+            <p:cNvPr id="8" name="TextBox 7">
+              <a:extLst>
+                <a:ext uri="{FF2B5EF4-FFF2-40B4-BE49-F238E27FC236}">
+                  <a16:creationId xmlns:a16="http://schemas.microsoft.com/office/drawing/2014/main" id="{7C842426-93A3-4DAB-8FEC-DFE6C79E0A57}"/>
+                </a:ext>
+              </a:extLst>
+            </p:cNvPr>
+            <p:cNvSpPr txBox="1"/>
+            <p:nvPr/>
+          </p:nvSpPr>
+          <p:spPr>
+            <a:xfrm>
+              <a:off x="-1614895" y="5342227"/>
+              <a:ext cx="705852" cy="369332"/>
+            </a:xfrm>
+            <a:prstGeom prst="rect">
+              <a:avLst/>
+            </a:prstGeom>
+            <a:solidFill>
+              <a:schemeClr val="bg1"/>
+            </a:solidFill>
+            <a:ln>
+              <a:solidFill>
+                <a:schemeClr val="tx1"/>
+              </a:solidFill>
+            </a:ln>
+          </p:spPr>
+          <p:txBody>
+            <a:bodyPr wrap="square" rtlCol="0">
+              <a:spAutoFit/>
+            </a:bodyPr>
+            <a:lstStyle/>
+            <a:p>
+              <a:r>
+                <a:rPr lang="en-US" altLang="ko-KR" dirty="0"/>
+                <a:t>1</a:t>
+              </a:r>
+              <a:endParaRPr lang="ko-KR" altLang="en-US" dirty="0"/>
+            </a:p>
+          </p:txBody>
+        </p:sp>
+        <p:sp>
+          <p:nvSpPr>
+            <p:cNvPr id="9" name="TextBox 8">
+              <a:extLst>
+                <a:ext uri="{FF2B5EF4-FFF2-40B4-BE49-F238E27FC236}">
+                  <a16:creationId xmlns:a16="http://schemas.microsoft.com/office/drawing/2014/main" id="{9CE8C6D5-AAAB-4AA2-9FB0-8DAC515AE38A}"/>
+                </a:ext>
+              </a:extLst>
+            </p:cNvPr>
+            <p:cNvSpPr txBox="1"/>
+            <p:nvPr/>
+          </p:nvSpPr>
+          <p:spPr>
+            <a:xfrm>
+              <a:off x="-2882221" y="5342227"/>
+              <a:ext cx="705852" cy="369332"/>
+            </a:xfrm>
+            <a:prstGeom prst="rect">
+              <a:avLst/>
+            </a:prstGeom>
+            <a:solidFill>
+              <a:schemeClr val="bg1"/>
+            </a:solidFill>
+            <a:ln>
+              <a:solidFill>
+                <a:schemeClr val="tx1"/>
+              </a:solidFill>
+            </a:ln>
+          </p:spPr>
+          <p:txBody>
+            <a:bodyPr wrap="square" rtlCol="0">
+              <a:spAutoFit/>
+            </a:bodyPr>
+            <a:lstStyle/>
+            <a:p>
+              <a:r>
+                <a:rPr lang="en-US" altLang="ko-KR" dirty="0"/>
+                <a:t>8</a:t>
+              </a:r>
+              <a:endParaRPr lang="ko-KR" altLang="en-US" dirty="0"/>
+            </a:p>
+          </p:txBody>
+        </p:sp>
+        <p:sp>
+          <p:nvSpPr>
+            <p:cNvPr id="10" name="TextBox 9">
+              <a:extLst>
+                <a:ext uri="{FF2B5EF4-FFF2-40B4-BE49-F238E27FC236}">
+                  <a16:creationId xmlns:a16="http://schemas.microsoft.com/office/drawing/2014/main" id="{122B087E-2B67-4B1D-A54E-6D6320130BA6}"/>
+                </a:ext>
+              </a:extLst>
+            </p:cNvPr>
+            <p:cNvSpPr txBox="1"/>
+            <p:nvPr/>
+          </p:nvSpPr>
+          <p:spPr>
+            <a:xfrm>
+              <a:off x="-347569" y="5342227"/>
+              <a:ext cx="705852" cy="369332"/>
+            </a:xfrm>
+            <a:prstGeom prst="rect">
+              <a:avLst/>
+            </a:prstGeom>
+            <a:solidFill>
+              <a:schemeClr val="bg1"/>
+            </a:solidFill>
+            <a:ln>
+              <a:solidFill>
+                <a:schemeClr val="tx1"/>
+              </a:solidFill>
+            </a:ln>
+          </p:spPr>
+          <p:txBody>
+            <a:bodyPr wrap="square" rtlCol="0">
+              <a:spAutoFit/>
+            </a:bodyPr>
+            <a:lstStyle/>
+            <a:p>
+              <a:r>
+                <a:rPr lang="en-US" altLang="ko-KR" dirty="0"/>
+                <a:t>3</a:t>
+              </a:r>
+              <a:endParaRPr lang="ko-KR" altLang="en-US" dirty="0"/>
+            </a:p>
+          </p:txBody>
+        </p:sp>
+        <p:sp>
+          <p:nvSpPr>
+            <p:cNvPr id="11" name="TextBox 10">
+              <a:extLst>
+                <a:ext uri="{FF2B5EF4-FFF2-40B4-BE49-F238E27FC236}">
+                  <a16:creationId xmlns:a16="http://schemas.microsoft.com/office/drawing/2014/main" id="{8AC26FAA-8149-4193-BAFC-A082C8E305AA}"/>
+                </a:ext>
+              </a:extLst>
+            </p:cNvPr>
+            <p:cNvSpPr txBox="1"/>
+            <p:nvPr/>
+          </p:nvSpPr>
+          <p:spPr>
+            <a:xfrm>
+              <a:off x="-909043" y="6427784"/>
+              <a:ext cx="705852" cy="369332"/>
+            </a:xfrm>
+            <a:prstGeom prst="rect">
+              <a:avLst/>
+            </a:prstGeom>
+            <a:solidFill>
+              <a:schemeClr val="bg1"/>
+            </a:solidFill>
+            <a:ln>
+              <a:solidFill>
+                <a:schemeClr val="tx1"/>
+              </a:solidFill>
+            </a:ln>
+          </p:spPr>
+          <p:txBody>
+            <a:bodyPr wrap="square" rtlCol="0">
+              <a:spAutoFit/>
+            </a:bodyPr>
+            <a:lstStyle/>
+            <a:p>
+              <a:r>
+                <a:rPr lang="en-US" altLang="ko-KR" dirty="0"/>
+                <a:t>4</a:t>
+              </a:r>
+              <a:endParaRPr lang="ko-KR" altLang="en-US" dirty="0"/>
+            </a:p>
+          </p:txBody>
+        </p:sp>
+        <p:sp>
+          <p:nvSpPr>
+            <p:cNvPr id="12" name="TextBox 11">
+              <a:extLst>
+                <a:ext uri="{FF2B5EF4-FFF2-40B4-BE49-F238E27FC236}">
+                  <a16:creationId xmlns:a16="http://schemas.microsoft.com/office/drawing/2014/main" id="{4DEC12F7-6B6E-40CA-8E0E-B5DB2D3801C5}"/>
+                </a:ext>
+              </a:extLst>
+            </p:cNvPr>
+            <p:cNvSpPr txBox="1"/>
+            <p:nvPr/>
+          </p:nvSpPr>
+          <p:spPr>
+            <a:xfrm>
+              <a:off x="-2320747" y="6420126"/>
+              <a:ext cx="705852" cy="369332"/>
+            </a:xfrm>
+            <a:prstGeom prst="rect">
+              <a:avLst/>
+            </a:prstGeom>
+            <a:solidFill>
+              <a:schemeClr val="bg1"/>
+            </a:solidFill>
+            <a:ln>
+              <a:solidFill>
+                <a:schemeClr val="tx1"/>
+              </a:solidFill>
+            </a:ln>
+          </p:spPr>
+          <p:txBody>
+            <a:bodyPr wrap="square" rtlCol="0">
+              <a:spAutoFit/>
+            </a:bodyPr>
+            <a:lstStyle/>
+            <a:p>
+              <a:r>
+                <a:rPr lang="en-US" altLang="ko-KR" dirty="0"/>
+                <a:t>7</a:t>
+              </a:r>
+              <a:endParaRPr lang="ko-KR" altLang="en-US" dirty="0"/>
+            </a:p>
+          </p:txBody>
+        </p:sp>
+        <p:sp>
+          <p:nvSpPr>
+            <p:cNvPr id="13" name="TextBox 12">
+              <a:extLst>
+                <a:ext uri="{FF2B5EF4-FFF2-40B4-BE49-F238E27FC236}">
+                  <a16:creationId xmlns:a16="http://schemas.microsoft.com/office/drawing/2014/main" id="{CFF07AC3-EC9D-4D74-ADE0-778CF8C30718}"/>
+                </a:ext>
+              </a:extLst>
+            </p:cNvPr>
+            <p:cNvSpPr txBox="1"/>
+            <p:nvPr/>
+          </p:nvSpPr>
+          <p:spPr>
+            <a:xfrm>
+              <a:off x="-3588073" y="6427784"/>
+              <a:ext cx="705852" cy="369332"/>
+            </a:xfrm>
+            <a:prstGeom prst="rect">
+              <a:avLst/>
+            </a:prstGeom>
+            <a:solidFill>
+              <a:schemeClr val="bg1"/>
+            </a:solidFill>
+            <a:ln>
+              <a:solidFill>
+                <a:schemeClr val="tx1"/>
+              </a:solidFill>
+            </a:ln>
+          </p:spPr>
+          <p:txBody>
+            <a:bodyPr wrap="square" rtlCol="0">
+              <a:spAutoFit/>
+            </a:bodyPr>
+            <a:lstStyle/>
+            <a:p>
+              <a:r>
+                <a:rPr lang="en-US" altLang="ko-KR" dirty="0"/>
+                <a:t>2</a:t>
+              </a:r>
+              <a:endParaRPr lang="ko-KR" altLang="en-US" dirty="0"/>
+            </a:p>
+          </p:txBody>
+        </p:sp>
+        <p:sp>
+          <p:nvSpPr>
+            <p:cNvPr id="14" name="TextBox 13">
+              <a:extLst>
+                <a:ext uri="{FF2B5EF4-FFF2-40B4-BE49-F238E27FC236}">
+                  <a16:creationId xmlns:a16="http://schemas.microsoft.com/office/drawing/2014/main" id="{68DDB909-9851-41B9-95EA-B4958611D07F}"/>
+                </a:ext>
+              </a:extLst>
+            </p:cNvPr>
+            <p:cNvSpPr txBox="1"/>
+            <p:nvPr/>
+          </p:nvSpPr>
+          <p:spPr>
+            <a:xfrm>
+              <a:off x="342237" y="6420126"/>
+              <a:ext cx="705852" cy="369332"/>
+            </a:xfrm>
+            <a:prstGeom prst="rect">
+              <a:avLst/>
+            </a:prstGeom>
+            <a:solidFill>
+              <a:schemeClr val="bg1"/>
+            </a:solidFill>
+            <a:ln>
+              <a:solidFill>
+                <a:schemeClr val="tx1"/>
+              </a:solidFill>
+            </a:ln>
+          </p:spPr>
+          <p:txBody>
+            <a:bodyPr wrap="square" rtlCol="0">
+              <a:spAutoFit/>
+            </a:bodyPr>
+            <a:lstStyle/>
+            <a:p>
+              <a:r>
+                <a:rPr lang="en-US" altLang="ko-KR" dirty="0"/>
+                <a:t>4</a:t>
+              </a:r>
+              <a:endParaRPr lang="ko-KR" altLang="en-US" dirty="0"/>
+            </a:p>
+          </p:txBody>
+        </p:sp>
+        <p:sp>
+          <p:nvSpPr>
+            <p:cNvPr id="15" name="TextBox 14">
+              <a:extLst>
+                <a:ext uri="{FF2B5EF4-FFF2-40B4-BE49-F238E27FC236}">
+                  <a16:creationId xmlns:a16="http://schemas.microsoft.com/office/drawing/2014/main" id="{D8200B7F-C411-4736-AA7E-1E9B5C1C353D}"/>
+                </a:ext>
+              </a:extLst>
+            </p:cNvPr>
+            <p:cNvSpPr txBox="1"/>
+            <p:nvPr/>
+          </p:nvSpPr>
+          <p:spPr>
+            <a:xfrm>
+              <a:off x="-262926" y="7358736"/>
+              <a:ext cx="705852" cy="369332"/>
+            </a:xfrm>
+            <a:prstGeom prst="rect">
+              <a:avLst/>
+            </a:prstGeom>
+            <a:solidFill>
+              <a:schemeClr val="bg1"/>
+            </a:solidFill>
+            <a:ln>
+              <a:solidFill>
+                <a:schemeClr val="tx1"/>
+              </a:solidFill>
+            </a:ln>
+          </p:spPr>
+          <p:txBody>
+            <a:bodyPr wrap="square" rtlCol="0">
+              <a:spAutoFit/>
+            </a:bodyPr>
+            <a:lstStyle/>
+            <a:p>
+              <a:r>
+                <a:rPr lang="en-US" altLang="ko-KR" dirty="0"/>
+                <a:t>6</a:t>
+              </a:r>
+              <a:endParaRPr lang="ko-KR" altLang="en-US" dirty="0"/>
+            </a:p>
+          </p:txBody>
+        </p:sp>
+        <p:sp>
+          <p:nvSpPr>
+            <p:cNvPr id="16" name="TextBox 15">
+              <a:extLst>
+                <a:ext uri="{FF2B5EF4-FFF2-40B4-BE49-F238E27FC236}">
+                  <a16:creationId xmlns:a16="http://schemas.microsoft.com/office/drawing/2014/main" id="{935F0B7A-3236-4568-B6AC-A807B8E8649E}"/>
+                </a:ext>
+              </a:extLst>
+            </p:cNvPr>
+            <p:cNvSpPr txBox="1"/>
+            <p:nvPr/>
+          </p:nvSpPr>
+          <p:spPr>
+            <a:xfrm>
+              <a:off x="-1601981" y="7358736"/>
+              <a:ext cx="705852" cy="369332"/>
+            </a:xfrm>
+            <a:prstGeom prst="rect">
+              <a:avLst/>
+            </a:prstGeom>
+            <a:solidFill>
+              <a:schemeClr val="bg1"/>
+            </a:solidFill>
+            <a:ln>
+              <a:solidFill>
+                <a:schemeClr val="tx1"/>
+              </a:solidFill>
+            </a:ln>
+          </p:spPr>
+          <p:txBody>
+            <a:bodyPr wrap="square" rtlCol="0">
+              <a:spAutoFit/>
+            </a:bodyPr>
+            <a:lstStyle/>
+            <a:p>
+              <a:r>
+                <a:rPr lang="en-US" altLang="ko-KR" dirty="0"/>
+                <a:t>2</a:t>
+              </a:r>
+              <a:endParaRPr lang="ko-KR" altLang="en-US" dirty="0"/>
+            </a:p>
+          </p:txBody>
+        </p:sp>
+        <p:sp>
+          <p:nvSpPr>
+            <p:cNvPr id="17" name="TextBox 16">
+              <a:extLst>
+                <a:ext uri="{FF2B5EF4-FFF2-40B4-BE49-F238E27FC236}">
+                  <a16:creationId xmlns:a16="http://schemas.microsoft.com/office/drawing/2014/main" id="{5A38D6CD-57FC-41A6-B84E-34FDCA4048A3}"/>
+                </a:ext>
+              </a:extLst>
+            </p:cNvPr>
+            <p:cNvSpPr txBox="1"/>
+            <p:nvPr/>
+          </p:nvSpPr>
+          <p:spPr>
+            <a:xfrm>
+              <a:off x="-2983810" y="7358736"/>
+              <a:ext cx="705852" cy="369332"/>
+            </a:xfrm>
+            <a:prstGeom prst="rect">
+              <a:avLst/>
+            </a:prstGeom>
+            <a:solidFill>
+              <a:schemeClr val="bg1"/>
+            </a:solidFill>
+            <a:ln>
+              <a:solidFill>
+                <a:schemeClr val="tx1"/>
+              </a:solidFill>
+            </a:ln>
+          </p:spPr>
+          <p:txBody>
+            <a:bodyPr wrap="square" rtlCol="0">
+              <a:spAutoFit/>
+            </a:bodyPr>
+            <a:lstStyle/>
+            <a:p>
+              <a:r>
+                <a:rPr lang="en-US" altLang="ko-KR" dirty="0"/>
+                <a:t>5</a:t>
+              </a:r>
+              <a:endParaRPr lang="ko-KR" altLang="en-US" dirty="0"/>
+            </a:p>
+          </p:txBody>
+        </p:sp>
+        <p:sp>
+          <p:nvSpPr>
+            <p:cNvPr id="18" name="TextBox 17">
+              <a:extLst>
+                <a:ext uri="{FF2B5EF4-FFF2-40B4-BE49-F238E27FC236}">
+                  <a16:creationId xmlns:a16="http://schemas.microsoft.com/office/drawing/2014/main" id="{A64D6570-97A2-419B-B098-6A2F9919D125}"/>
+                </a:ext>
+              </a:extLst>
+            </p:cNvPr>
+            <p:cNvSpPr txBox="1"/>
+            <p:nvPr/>
+          </p:nvSpPr>
+          <p:spPr>
+            <a:xfrm>
+              <a:off x="-4342045" y="7358736"/>
+              <a:ext cx="705852" cy="369332"/>
+            </a:xfrm>
+            <a:prstGeom prst="rect">
+              <a:avLst/>
+            </a:prstGeom>
+            <a:solidFill>
+              <a:schemeClr val="bg1"/>
+            </a:solidFill>
+            <a:ln>
+              <a:solidFill>
+                <a:schemeClr val="tx1"/>
+              </a:solidFill>
+            </a:ln>
+          </p:spPr>
+          <p:txBody>
+            <a:bodyPr wrap="square" rtlCol="0">
+              <a:spAutoFit/>
+            </a:bodyPr>
+            <a:lstStyle/>
+            <a:p>
+              <a:r>
+                <a:rPr lang="en-US" altLang="ko-KR" dirty="0"/>
+                <a:t>4</a:t>
+              </a:r>
+              <a:endParaRPr lang="ko-KR" altLang="en-US" dirty="0"/>
+            </a:p>
+          </p:txBody>
+        </p:sp>
+        <p:sp>
+          <p:nvSpPr>
+            <p:cNvPr id="19" name="TextBox 18">
+              <a:extLst>
+                <a:ext uri="{FF2B5EF4-FFF2-40B4-BE49-F238E27FC236}">
+                  <a16:creationId xmlns:a16="http://schemas.microsoft.com/office/drawing/2014/main" id="{8CF984E6-007C-4EE4-B854-9E5F0A663530}"/>
+                </a:ext>
+              </a:extLst>
+            </p:cNvPr>
+            <p:cNvSpPr txBox="1"/>
+            <p:nvPr/>
+          </p:nvSpPr>
+          <p:spPr>
+            <a:xfrm>
+              <a:off x="1165729" y="7360195"/>
+              <a:ext cx="705852" cy="369332"/>
+            </a:xfrm>
+            <a:prstGeom prst="rect">
+              <a:avLst/>
+            </a:prstGeom>
+            <a:solidFill>
+              <a:schemeClr val="bg1"/>
+            </a:solidFill>
+            <a:ln>
+              <a:solidFill>
+                <a:schemeClr val="tx1"/>
+              </a:solidFill>
+            </a:ln>
+          </p:spPr>
+          <p:txBody>
+            <a:bodyPr wrap="square" rtlCol="0">
+              <a:spAutoFit/>
+            </a:bodyPr>
+            <a:lstStyle/>
+            <a:p>
+              <a:r>
+                <a:rPr lang="en-US" altLang="ko-KR" dirty="0"/>
+                <a:t>5</a:t>
+              </a:r>
+              <a:endParaRPr lang="ko-KR" altLang="en-US" dirty="0"/>
+            </a:p>
+          </p:txBody>
+        </p:sp>
+      </p:grpSp>
+      <p:sp>
+        <p:nvSpPr>
+          <p:cNvPr id="20" name="TextBox 19">
+            <a:extLst>
+              <a:ext uri="{FF2B5EF4-FFF2-40B4-BE49-F238E27FC236}">
+                <a16:creationId xmlns:a16="http://schemas.microsoft.com/office/drawing/2014/main" id="{C0850443-710A-460B-B4B0-900D90C6A61A}"/>
+              </a:ext>
+            </a:extLst>
+          </p:cNvPr>
+          <p:cNvSpPr txBox="1"/>
+          <p:nvPr/>
+        </p:nvSpPr>
+        <p:spPr>
+          <a:xfrm>
+            <a:off x="4934444" y="560640"/>
+            <a:ext cx="853225" cy="369332"/>
+          </a:xfrm>
+          <a:prstGeom prst="rect">
+            <a:avLst/>
+          </a:prstGeom>
+          <a:noFill/>
+        </p:spPr>
+        <p:txBody>
+          <a:bodyPr wrap="square" rtlCol="0">
+            <a:spAutoFit/>
+          </a:bodyPr>
+          <a:lstStyle/>
+          <a:p>
+            <a:pPr algn="ctr"/>
+            <a:r>
+              <a:rPr lang="en-US" altLang="ko-KR" dirty="0"/>
+              <a:t>(1,1)</a:t>
+            </a:r>
+            <a:endParaRPr lang="ko-KR" altLang="en-US" dirty="0"/>
+          </a:p>
+        </p:txBody>
+      </p:sp>
+      <p:sp>
+        <p:nvSpPr>
+          <p:cNvPr id="21" name="TextBox 20">
+            <a:extLst>
+              <a:ext uri="{FF2B5EF4-FFF2-40B4-BE49-F238E27FC236}">
+                <a16:creationId xmlns:a16="http://schemas.microsoft.com/office/drawing/2014/main" id="{DD82AC22-E23E-40EE-BABD-6177B8C1F203}"/>
+              </a:ext>
+            </a:extLst>
+          </p:cNvPr>
+          <p:cNvSpPr txBox="1"/>
+          <p:nvPr/>
+        </p:nvSpPr>
+        <p:spPr>
+          <a:xfrm>
+            <a:off x="4212282" y="1557765"/>
+            <a:ext cx="853225" cy="369332"/>
+          </a:xfrm>
+          <a:prstGeom prst="rect">
+            <a:avLst/>
+          </a:prstGeom>
+          <a:noFill/>
+        </p:spPr>
+        <p:txBody>
+          <a:bodyPr wrap="square" rtlCol="0">
+            <a:spAutoFit/>
+          </a:bodyPr>
+          <a:lstStyle/>
+          <a:p>
+            <a:pPr algn="ctr"/>
+            <a:r>
+              <a:rPr lang="en-US" altLang="ko-KR" dirty="0"/>
+              <a:t>(2,1)</a:t>
+            </a:r>
+            <a:endParaRPr lang="ko-KR" altLang="en-US" dirty="0"/>
+          </a:p>
+        </p:txBody>
+      </p:sp>
+      <p:sp>
+        <p:nvSpPr>
+          <p:cNvPr id="22" name="TextBox 21">
+            <a:extLst>
+              <a:ext uri="{FF2B5EF4-FFF2-40B4-BE49-F238E27FC236}">
+                <a16:creationId xmlns:a16="http://schemas.microsoft.com/office/drawing/2014/main" id="{1FD657E6-BE4F-4A2C-8449-747057B4C508}"/>
+              </a:ext>
+            </a:extLst>
+          </p:cNvPr>
+          <p:cNvSpPr txBox="1"/>
+          <p:nvPr/>
+        </p:nvSpPr>
+        <p:spPr>
+          <a:xfrm>
+            <a:off x="5669387" y="1557765"/>
+            <a:ext cx="853225" cy="369332"/>
+          </a:xfrm>
+          <a:prstGeom prst="rect">
+            <a:avLst/>
+          </a:prstGeom>
+          <a:noFill/>
+        </p:spPr>
+        <p:txBody>
+          <a:bodyPr wrap="square" rtlCol="0">
+            <a:spAutoFit/>
+          </a:bodyPr>
+          <a:lstStyle/>
+          <a:p>
+            <a:pPr algn="ctr"/>
+            <a:r>
+              <a:rPr lang="en-US" altLang="ko-KR" dirty="0"/>
+              <a:t>(2,2)</a:t>
+            </a:r>
+            <a:endParaRPr lang="ko-KR" altLang="en-US" dirty="0"/>
+          </a:p>
+        </p:txBody>
+      </p:sp>
+      <p:sp>
+        <p:nvSpPr>
+          <p:cNvPr id="23" name="TextBox 22">
+            <a:extLst>
+              <a:ext uri="{FF2B5EF4-FFF2-40B4-BE49-F238E27FC236}">
+                <a16:creationId xmlns:a16="http://schemas.microsoft.com/office/drawing/2014/main" id="{9EB03080-0E28-4AF4-A277-03B7176A42E0}"/>
+              </a:ext>
+            </a:extLst>
+          </p:cNvPr>
+          <p:cNvSpPr txBox="1"/>
+          <p:nvPr/>
+        </p:nvSpPr>
+        <p:spPr>
+          <a:xfrm>
+            <a:off x="6188856" y="2635340"/>
+            <a:ext cx="853225" cy="369332"/>
+          </a:xfrm>
+          <a:prstGeom prst="rect">
+            <a:avLst/>
+          </a:prstGeom>
+          <a:noFill/>
+        </p:spPr>
+        <p:txBody>
+          <a:bodyPr wrap="square" rtlCol="0">
+            <a:spAutoFit/>
+          </a:bodyPr>
+          <a:lstStyle/>
+          <a:p>
+            <a:pPr algn="ctr"/>
+            <a:r>
+              <a:rPr lang="en-US" altLang="ko-KR" dirty="0"/>
+              <a:t>(3,3)</a:t>
+            </a:r>
+            <a:endParaRPr lang="ko-KR" altLang="en-US" dirty="0"/>
+          </a:p>
+        </p:txBody>
+      </p:sp>
+      <p:sp>
+        <p:nvSpPr>
+          <p:cNvPr id="24" name="TextBox 23">
+            <a:extLst>
+              <a:ext uri="{FF2B5EF4-FFF2-40B4-BE49-F238E27FC236}">
+                <a16:creationId xmlns:a16="http://schemas.microsoft.com/office/drawing/2014/main" id="{DC25C1DC-33C8-42FC-95C3-A1B8ABE04CF1}"/>
+              </a:ext>
+            </a:extLst>
+          </p:cNvPr>
+          <p:cNvSpPr txBox="1"/>
+          <p:nvPr/>
+        </p:nvSpPr>
+        <p:spPr>
+          <a:xfrm>
+            <a:off x="3626302" y="2635340"/>
+            <a:ext cx="853225" cy="369332"/>
+          </a:xfrm>
+          <a:prstGeom prst="rect">
+            <a:avLst/>
+          </a:prstGeom>
+          <a:noFill/>
+        </p:spPr>
+        <p:txBody>
+          <a:bodyPr wrap="square" rtlCol="0">
+            <a:spAutoFit/>
+          </a:bodyPr>
+          <a:lstStyle/>
+          <a:p>
+            <a:pPr algn="ctr"/>
+            <a:r>
+              <a:rPr lang="en-US" altLang="ko-KR" dirty="0"/>
+              <a:t>(3,1)</a:t>
+            </a:r>
+            <a:endParaRPr lang="ko-KR" altLang="en-US" dirty="0"/>
+          </a:p>
+        </p:txBody>
+      </p:sp>
+      <p:sp>
+        <p:nvSpPr>
+          <p:cNvPr id="25" name="TextBox 24">
+            <a:extLst>
+              <a:ext uri="{FF2B5EF4-FFF2-40B4-BE49-F238E27FC236}">
+                <a16:creationId xmlns:a16="http://schemas.microsoft.com/office/drawing/2014/main" id="{602929DA-4C5B-4167-998F-0688A11E8C6D}"/>
+              </a:ext>
+            </a:extLst>
+          </p:cNvPr>
+          <p:cNvSpPr txBox="1"/>
+          <p:nvPr/>
+        </p:nvSpPr>
+        <p:spPr>
+          <a:xfrm>
+            <a:off x="2948352" y="3743556"/>
+            <a:ext cx="853225" cy="369332"/>
+          </a:xfrm>
+          <a:prstGeom prst="rect">
+            <a:avLst/>
+          </a:prstGeom>
+          <a:noFill/>
+        </p:spPr>
+        <p:txBody>
+          <a:bodyPr wrap="square" rtlCol="0">
+            <a:spAutoFit/>
+          </a:bodyPr>
+          <a:lstStyle/>
+          <a:p>
+            <a:pPr algn="ctr"/>
+            <a:r>
+              <a:rPr lang="en-US" altLang="ko-KR" dirty="0"/>
+              <a:t>(4,1)</a:t>
+            </a:r>
+            <a:endParaRPr lang="ko-KR" altLang="en-US" dirty="0"/>
+          </a:p>
+        </p:txBody>
+      </p:sp>
+      <p:sp>
+        <p:nvSpPr>
+          <p:cNvPr id="26" name="TextBox 25">
+            <a:extLst>
+              <a:ext uri="{FF2B5EF4-FFF2-40B4-BE49-F238E27FC236}">
+                <a16:creationId xmlns:a16="http://schemas.microsoft.com/office/drawing/2014/main" id="{69359DC9-4B02-4932-9479-F5D08363F409}"/>
+              </a:ext>
+            </a:extLst>
+          </p:cNvPr>
+          <p:cNvSpPr txBox="1"/>
+          <p:nvPr/>
+        </p:nvSpPr>
+        <p:spPr>
+          <a:xfrm>
+            <a:off x="6878662" y="3743556"/>
+            <a:ext cx="853225" cy="369332"/>
+          </a:xfrm>
+          <a:prstGeom prst="rect">
+            <a:avLst/>
+          </a:prstGeom>
+          <a:noFill/>
+        </p:spPr>
+        <p:txBody>
+          <a:bodyPr wrap="square" rtlCol="0">
+            <a:spAutoFit/>
+          </a:bodyPr>
+          <a:lstStyle/>
+          <a:p>
+            <a:pPr algn="ctr"/>
+            <a:r>
+              <a:rPr lang="en-US" altLang="ko-KR" dirty="0"/>
+              <a:t>(4,4)</a:t>
+            </a:r>
+            <a:endParaRPr lang="ko-KR" altLang="en-US" dirty="0"/>
+          </a:p>
+        </p:txBody>
+      </p:sp>
+      <p:sp>
+        <p:nvSpPr>
+          <p:cNvPr id="27" name="TextBox 26">
+            <a:extLst>
+              <a:ext uri="{FF2B5EF4-FFF2-40B4-BE49-F238E27FC236}">
+                <a16:creationId xmlns:a16="http://schemas.microsoft.com/office/drawing/2014/main" id="{2C12EC4A-1845-441D-8F0D-C627F1E0FC79}"/>
+              </a:ext>
+            </a:extLst>
+          </p:cNvPr>
+          <p:cNvSpPr txBox="1"/>
+          <p:nvPr/>
+        </p:nvSpPr>
+        <p:spPr>
+          <a:xfrm>
+            <a:off x="7702154" y="4667106"/>
+            <a:ext cx="853225" cy="369332"/>
+          </a:xfrm>
+          <a:prstGeom prst="rect">
+            <a:avLst/>
+          </a:prstGeom>
+          <a:noFill/>
+        </p:spPr>
+        <p:txBody>
+          <a:bodyPr wrap="square" rtlCol="0">
+            <a:spAutoFit/>
+          </a:bodyPr>
+          <a:lstStyle/>
+          <a:p>
+            <a:pPr algn="ctr"/>
+            <a:r>
+              <a:rPr lang="en-US" altLang="ko-KR" dirty="0"/>
+              <a:t>(5,1)</a:t>
+            </a:r>
+            <a:endParaRPr lang="ko-KR" altLang="en-US" dirty="0"/>
+          </a:p>
+        </p:txBody>
+      </p:sp>
+      <p:sp>
+        <p:nvSpPr>
+          <p:cNvPr id="28" name="TextBox 27">
+            <a:extLst>
+              <a:ext uri="{FF2B5EF4-FFF2-40B4-BE49-F238E27FC236}">
+                <a16:creationId xmlns:a16="http://schemas.microsoft.com/office/drawing/2014/main" id="{90CCFB88-2216-4D8C-A353-3DEEE8CF0C37}"/>
+              </a:ext>
+            </a:extLst>
+          </p:cNvPr>
+          <p:cNvSpPr txBox="1"/>
+          <p:nvPr/>
+        </p:nvSpPr>
+        <p:spPr>
+          <a:xfrm>
+            <a:off x="2194380" y="4667106"/>
+            <a:ext cx="853225" cy="369332"/>
+          </a:xfrm>
+          <a:prstGeom prst="rect">
+            <a:avLst/>
+          </a:prstGeom>
+          <a:noFill/>
+        </p:spPr>
+        <p:txBody>
+          <a:bodyPr wrap="square" rtlCol="0">
+            <a:spAutoFit/>
+          </a:bodyPr>
+          <a:lstStyle/>
+          <a:p>
+            <a:pPr algn="ctr"/>
+            <a:r>
+              <a:rPr lang="en-US" altLang="ko-KR" dirty="0"/>
+              <a:t>(5,1)</a:t>
+            </a:r>
+            <a:endParaRPr lang="ko-KR" altLang="en-US" dirty="0"/>
+          </a:p>
+        </p:txBody>
+      </p:sp>
+      <p:sp>
+        <p:nvSpPr>
+          <p:cNvPr id="29" name="TextBox 28">
+            <a:extLst>
+              <a:ext uri="{FF2B5EF4-FFF2-40B4-BE49-F238E27FC236}">
+                <a16:creationId xmlns:a16="http://schemas.microsoft.com/office/drawing/2014/main" id="{5B6D8DD8-7A57-4DDF-979C-9FAC3D397DBB}"/>
+              </a:ext>
+            </a:extLst>
+          </p:cNvPr>
+          <p:cNvSpPr txBox="1"/>
+          <p:nvPr/>
+        </p:nvSpPr>
+        <p:spPr>
+          <a:xfrm>
+            <a:off x="958892" y="-2891644"/>
+            <a:ext cx="11014362" cy="4524315"/>
+          </a:xfrm>
+          <a:prstGeom prst="rect">
+            <a:avLst/>
+          </a:prstGeom>
+          <a:noFill/>
+        </p:spPr>
+        <p:txBody>
+          <a:bodyPr wrap="none" rtlCol="0">
+            <a:spAutoFit/>
+          </a:bodyPr>
+          <a:lstStyle/>
+          <a:p>
+            <a:r>
+              <a:rPr lang="ko-KR" altLang="en-US" dirty="0"/>
+              <a:t>배열 </a:t>
+            </a:r>
+            <a:r>
+              <a:rPr lang="ko-KR" altLang="en-US" dirty="0" err="1"/>
+              <a:t>처럼</a:t>
+            </a:r>
+            <a:r>
+              <a:rPr lang="ko-KR" altLang="en-US" dirty="0"/>
+              <a:t> 생각해서</a:t>
+            </a:r>
+            <a:endParaRPr lang="en-US" altLang="ko-KR" dirty="0"/>
+          </a:p>
+          <a:p>
+            <a:r>
+              <a:rPr lang="ko-KR" altLang="en-US" dirty="0"/>
+              <a:t>맨 양쪽 끝은 경우의 수가 </a:t>
+            </a:r>
+            <a:r>
+              <a:rPr lang="en-US" altLang="ko-KR" dirty="0"/>
+              <a:t>1</a:t>
+            </a:r>
+            <a:r>
+              <a:rPr lang="ko-KR" altLang="en-US" dirty="0"/>
+              <a:t>가지이기 때문에</a:t>
+            </a:r>
+            <a:endParaRPr lang="en-US" altLang="ko-KR" dirty="0"/>
+          </a:p>
+          <a:p>
+            <a:endParaRPr lang="da-DK" altLang="ko-KR" dirty="0"/>
+          </a:p>
+          <a:p>
+            <a:r>
+              <a:rPr lang="da-DK" altLang="ko-KR" dirty="0"/>
+              <a:t>if (j == 1) {</a:t>
+            </a:r>
+          </a:p>
+          <a:p>
+            <a:r>
+              <a:rPr lang="da-DK" altLang="ko-KR" dirty="0"/>
+              <a:t>list[i][j] = list[i - 1][j] + list[i][j];</a:t>
+            </a:r>
+          </a:p>
+          <a:p>
+            <a:r>
+              <a:rPr lang="da-DK" altLang="ko-KR" dirty="0"/>
+              <a:t>} else if (i == j) {</a:t>
+            </a:r>
+          </a:p>
+          <a:p>
+            <a:r>
+              <a:rPr lang="da-DK" altLang="ko-KR" dirty="0"/>
+              <a:t>list[i][j] = list[i - 1][j - 1] + list[i][j];</a:t>
+            </a:r>
+          </a:p>
+          <a:p>
+            <a:r>
+              <a:rPr lang="da-DK" altLang="ko-KR" dirty="0"/>
+              <a:t>}</a:t>
+            </a:r>
+          </a:p>
+          <a:p>
+            <a:endParaRPr lang="en-US" altLang="ko-KR" dirty="0"/>
+          </a:p>
+          <a:p>
+            <a:r>
+              <a:rPr lang="ko-KR" altLang="en-US" dirty="0"/>
+              <a:t>중간 부분은</a:t>
+            </a:r>
+            <a:endParaRPr lang="en-US" altLang="ko-KR" dirty="0"/>
+          </a:p>
+          <a:p>
+            <a:r>
+              <a:rPr lang="en-US" altLang="ko-KR" dirty="0"/>
+              <a:t>else {</a:t>
+            </a:r>
+          </a:p>
+          <a:p>
+            <a:r>
+              <a:rPr lang="en-US" altLang="ko-KR" dirty="0"/>
+              <a:t>list[</a:t>
+            </a:r>
+            <a:r>
+              <a:rPr lang="en-US" altLang="ko-KR" dirty="0" err="1"/>
+              <a:t>i</a:t>
+            </a:r>
+            <a:r>
+              <a:rPr lang="en-US" altLang="ko-KR" dirty="0"/>
+              <a:t>][j] = </a:t>
+            </a:r>
+            <a:r>
+              <a:rPr lang="en-US" altLang="ko-KR" dirty="0" err="1"/>
+              <a:t>Math.max</a:t>
+            </a:r>
+            <a:r>
+              <a:rPr lang="en-US" altLang="ko-KR" dirty="0"/>
+              <a:t>(list[</a:t>
+            </a:r>
+            <a:r>
+              <a:rPr lang="en-US" altLang="ko-KR" dirty="0" err="1"/>
+              <a:t>i</a:t>
+            </a:r>
+            <a:r>
+              <a:rPr lang="en-US" altLang="ko-KR" dirty="0"/>
+              <a:t> - 1][j], list[</a:t>
+            </a:r>
+            <a:r>
+              <a:rPr lang="en-US" altLang="ko-KR" dirty="0" err="1"/>
+              <a:t>i</a:t>
+            </a:r>
+            <a:r>
+              <a:rPr lang="en-US" altLang="ko-KR" dirty="0"/>
+              <a:t> - 1][j - 1]) + list[</a:t>
+            </a:r>
+            <a:r>
+              <a:rPr lang="en-US" altLang="ko-KR" dirty="0" err="1"/>
+              <a:t>i</a:t>
+            </a:r>
+            <a:r>
+              <a:rPr lang="en-US" altLang="ko-KR" dirty="0"/>
+              <a:t>][j]; //</a:t>
+            </a:r>
+            <a:r>
+              <a:rPr lang="en-US" altLang="ko-KR" b="1" dirty="0"/>
+              <a:t>(5,4)=(4,4) or (4,3) </a:t>
+            </a:r>
+            <a:r>
+              <a:rPr lang="ko-KR" altLang="en-US" b="1" dirty="0"/>
+              <a:t>중 </a:t>
+            </a:r>
+            <a:r>
+              <a:rPr lang="ko-KR" altLang="en-US" b="1" dirty="0" err="1"/>
+              <a:t>큰값</a:t>
+            </a:r>
+            <a:r>
+              <a:rPr lang="ko-KR" altLang="en-US" b="1" dirty="0"/>
+              <a:t> </a:t>
+            </a:r>
+            <a:r>
+              <a:rPr lang="en-US" altLang="ko-KR" b="1" dirty="0"/>
+              <a:t>+ </a:t>
+            </a:r>
+            <a:r>
+              <a:rPr lang="ko-KR" altLang="en-US" b="1" dirty="0"/>
+              <a:t>현재 위치 값</a:t>
+            </a:r>
+            <a:endParaRPr lang="ko-KR" altLang="en-US" dirty="0"/>
+          </a:p>
+          <a:p>
+            <a:r>
+              <a:rPr lang="en-US" altLang="ko-KR" dirty="0"/>
+              <a:t>}</a:t>
+            </a:r>
+          </a:p>
+          <a:p>
+            <a:endParaRPr lang="en-US" altLang="ko-KR" dirty="0"/>
+          </a:p>
+          <a:p>
+            <a:endParaRPr lang="en-US" altLang="ko-KR" dirty="0"/>
+          </a:p>
+          <a:p>
+            <a:endParaRPr lang="ko-KR" altLang="en-US" dirty="0"/>
+          </a:p>
+        </p:txBody>
+      </p:sp>
+    </p:spTree>
+    <p:extLst>
+      <p:ext uri="{BB962C8B-B14F-4D97-AF65-F5344CB8AC3E}">
+        <p14:creationId xmlns:p14="http://schemas.microsoft.com/office/powerpoint/2010/main" val="1983386727"/>
+      </p:ext>
+    </p:extLst>
+  </p:cSld>
+  <p:clrMapOvr>
+    <a:masterClrMapping/>
+  </p:clrMapOvr>
+</p:sld>
+</file>
+
 <file path=ppt/theme/theme1.xml><?xml version="1.0" encoding="utf-8"?>
 <a:theme xmlns:a="http://schemas.openxmlformats.org/drawingml/2006/main" name="Office 테마">
   <a:themeElements>
